--- a/Diabetes Type 2 Prediction.pptx
+++ b/Diabetes Type 2 Prediction.pptx
@@ -5,21 +5,29 @@
     <p:sldMasterId id="2147483648" r:id="rId1"/>
   </p:sldMasterIdLst>
   <p:notesMasterIdLst>
-    <p:notesMasterId r:id="rId14"/>
+    <p:notesMasterId r:id="rId22"/>
   </p:notesMasterIdLst>
   <p:sldIdLst>
     <p:sldId id="256" r:id="rId2"/>
     <p:sldId id="257" r:id="rId3"/>
-    <p:sldId id="259" r:id="rId4"/>
-    <p:sldId id="265" r:id="rId5"/>
-    <p:sldId id="266" r:id="rId6"/>
-    <p:sldId id="267" r:id="rId7"/>
-    <p:sldId id="260" r:id="rId8"/>
-    <p:sldId id="262" r:id="rId9"/>
-    <p:sldId id="261" r:id="rId10"/>
-    <p:sldId id="268" r:id="rId11"/>
-    <p:sldId id="263" r:id="rId12"/>
-    <p:sldId id="264" r:id="rId13"/>
+    <p:sldId id="275" r:id="rId4"/>
+    <p:sldId id="259" r:id="rId5"/>
+    <p:sldId id="265" r:id="rId6"/>
+    <p:sldId id="266" r:id="rId7"/>
+    <p:sldId id="276" r:id="rId8"/>
+    <p:sldId id="267" r:id="rId9"/>
+    <p:sldId id="260" r:id="rId10"/>
+    <p:sldId id="269" r:id="rId11"/>
+    <p:sldId id="278" r:id="rId12"/>
+    <p:sldId id="268" r:id="rId13"/>
+    <p:sldId id="270" r:id="rId14"/>
+    <p:sldId id="261" r:id="rId15"/>
+    <p:sldId id="271" r:id="rId16"/>
+    <p:sldId id="272" r:id="rId17"/>
+    <p:sldId id="273" r:id="rId18"/>
+    <p:sldId id="277" r:id="rId19"/>
+    <p:sldId id="264" r:id="rId20"/>
+    <p:sldId id="263" r:id="rId21"/>
   </p:sldIdLst>
   <p:sldSz cx="12192000" cy="6858000"/>
   <p:notesSz cx="6858000" cy="9144000"/>
@@ -119,6 +127,3907 @@
     </a:lvl9pPr>
   </p:defaultTextStyle>
 </p:presentation>
+</file>
+
+<file path=ppt/charts/chart1.xml><?xml version="1.0" encoding="utf-8"?>
+<c:chartSpace xmlns:c="http://schemas.openxmlformats.org/drawingml/2006/chart" xmlns:a="http://schemas.openxmlformats.org/drawingml/2006/main" xmlns:r="http://schemas.openxmlformats.org/officeDocument/2006/relationships" xmlns:c16r2="http://schemas.microsoft.com/office/drawing/2015/06/chart">
+  <c:date1904 val="0"/>
+  <c:lang val="en-US"/>
+  <c:roundedCorners val="0"/>
+  <mc:AlternateContent xmlns:mc="http://schemas.openxmlformats.org/markup-compatibility/2006">
+    <mc:Choice xmlns:c14="http://schemas.microsoft.com/office/drawing/2007/8/2/chart" Requires="c14">
+      <c14:style val="102"/>
+    </mc:Choice>
+    <mc:Fallback>
+      <c:style val="2"/>
+    </mc:Fallback>
+  </mc:AlternateContent>
+  <c:chart>
+    <c:title>
+      <c:tx>
+        <c:rich>
+          <a:bodyPr rot="0" spcFirstLastPara="1" vertOverflow="ellipsis" vert="horz" wrap="square" anchor="ctr" anchorCtr="1"/>
+          <a:lstStyle/>
+          <a:p>
+            <a:pPr>
+              <a:defRPr sz="1800" b="1" i="0" u="none" strike="noStrike" kern="1200" baseline="0">
+                <a:solidFill>
+                  <a:schemeClr val="dk1">
+                    <a:lumMod val="75000"/>
+                    <a:lumOff val="25000"/>
+                  </a:schemeClr>
+                </a:solidFill>
+                <a:latin typeface="+mn-lt"/>
+                <a:ea typeface="+mn-ea"/>
+                <a:cs typeface="+mn-cs"/>
+              </a:defRPr>
+            </a:pPr>
+            <a:r>
+              <a:rPr lang="en-US"/>
+              <a:t>Important model</a:t>
+            </a:r>
+            <a:r>
+              <a:rPr lang="en-US" baseline="0"/>
+              <a:t> features</a:t>
+            </a:r>
+            <a:endParaRPr lang="en-US"/>
+          </a:p>
+        </c:rich>
+      </c:tx>
+      <c:overlay val="0"/>
+      <c:spPr>
+        <a:noFill/>
+        <a:ln>
+          <a:noFill/>
+        </a:ln>
+        <a:effectLst/>
+      </c:spPr>
+      <c:txPr>
+        <a:bodyPr rot="0" spcFirstLastPara="1" vertOverflow="ellipsis" vert="horz" wrap="square" anchor="ctr" anchorCtr="1"/>
+        <a:lstStyle/>
+        <a:p>
+          <a:pPr>
+            <a:defRPr sz="1800" b="1" i="0" u="none" strike="noStrike" kern="1200" baseline="0">
+              <a:solidFill>
+                <a:schemeClr val="dk1">
+                  <a:lumMod val="75000"/>
+                  <a:lumOff val="25000"/>
+                </a:schemeClr>
+              </a:solidFill>
+              <a:latin typeface="+mn-lt"/>
+              <a:ea typeface="+mn-ea"/>
+              <a:cs typeface="+mn-cs"/>
+            </a:defRPr>
+          </a:pPr>
+          <a:endParaRPr lang="en-US"/>
+        </a:p>
+      </c:txPr>
+    </c:title>
+    <c:autoTitleDeleted val="0"/>
+    <c:plotArea>
+      <c:layout/>
+      <c:pieChart>
+        <c:varyColors val="1"/>
+        <c:ser>
+          <c:idx val="0"/>
+          <c:order val="0"/>
+          <c:explosion val="22"/>
+          <c:dPt>
+            <c:idx val="0"/>
+            <c:bubble3D val="0"/>
+            <c:explosion val="10"/>
+            <c:spPr>
+              <a:solidFill>
+                <a:schemeClr val="accent1"/>
+              </a:solidFill>
+              <a:ln>
+                <a:noFill/>
+              </a:ln>
+              <a:effectLst>
+                <a:outerShdw blurRad="254000" sx="102000" sy="102000" algn="ctr" rotWithShape="0">
+                  <a:prstClr val="black">
+                    <a:alpha val="20000"/>
+                  </a:prstClr>
+                </a:outerShdw>
+              </a:effectLst>
+            </c:spPr>
+            <c:extLst>
+              <c:ext xmlns:c16="http://schemas.microsoft.com/office/drawing/2014/chart" uri="{C3380CC4-5D6E-409C-BE32-E72D297353CC}">
+                <c16:uniqueId val="{00000001-39C9-4040-BD53-AC4CDC9A673E}"/>
+              </c:ext>
+            </c:extLst>
+          </c:dPt>
+          <c:dPt>
+            <c:idx val="1"/>
+            <c:bubble3D val="0"/>
+            <c:explosion val="8"/>
+            <c:spPr>
+              <a:solidFill>
+                <a:schemeClr val="accent2"/>
+              </a:solidFill>
+              <a:ln>
+                <a:noFill/>
+              </a:ln>
+              <a:effectLst>
+                <a:outerShdw blurRad="254000" sx="102000" sy="102000" algn="ctr" rotWithShape="0">
+                  <a:prstClr val="black">
+                    <a:alpha val="20000"/>
+                  </a:prstClr>
+                </a:outerShdw>
+              </a:effectLst>
+            </c:spPr>
+            <c:extLst>
+              <c:ext xmlns:c16="http://schemas.microsoft.com/office/drawing/2014/chart" uri="{C3380CC4-5D6E-409C-BE32-E72D297353CC}">
+                <c16:uniqueId val="{00000003-39C9-4040-BD53-AC4CDC9A673E}"/>
+              </c:ext>
+            </c:extLst>
+          </c:dPt>
+          <c:dPt>
+            <c:idx val="2"/>
+            <c:bubble3D val="0"/>
+            <c:explosion val="11"/>
+            <c:spPr>
+              <a:solidFill>
+                <a:schemeClr val="accent3"/>
+              </a:solidFill>
+              <a:ln>
+                <a:noFill/>
+              </a:ln>
+              <a:effectLst>
+                <a:outerShdw blurRad="254000" sx="102000" sy="102000" algn="ctr" rotWithShape="0">
+                  <a:prstClr val="black">
+                    <a:alpha val="20000"/>
+                  </a:prstClr>
+                </a:outerShdw>
+              </a:effectLst>
+            </c:spPr>
+            <c:extLst>
+              <c:ext xmlns:c16="http://schemas.microsoft.com/office/drawing/2014/chart" uri="{C3380CC4-5D6E-409C-BE32-E72D297353CC}">
+                <c16:uniqueId val="{00000005-39C9-4040-BD53-AC4CDC9A673E}"/>
+              </c:ext>
+            </c:extLst>
+          </c:dPt>
+          <c:dPt>
+            <c:idx val="3"/>
+            <c:bubble3D val="0"/>
+            <c:explosion val="11"/>
+            <c:spPr>
+              <a:solidFill>
+                <a:schemeClr val="accent4"/>
+              </a:solidFill>
+              <a:ln>
+                <a:noFill/>
+              </a:ln>
+              <a:effectLst>
+                <a:outerShdw blurRad="254000" sx="102000" sy="102000" algn="ctr" rotWithShape="0">
+                  <a:prstClr val="black">
+                    <a:alpha val="20000"/>
+                  </a:prstClr>
+                </a:outerShdw>
+              </a:effectLst>
+            </c:spPr>
+            <c:extLst>
+              <c:ext xmlns:c16="http://schemas.microsoft.com/office/drawing/2014/chart" uri="{C3380CC4-5D6E-409C-BE32-E72D297353CC}">
+                <c16:uniqueId val="{00000007-39C9-4040-BD53-AC4CDC9A673E}"/>
+              </c:ext>
+            </c:extLst>
+          </c:dPt>
+          <c:dPt>
+            <c:idx val="4"/>
+            <c:bubble3D val="0"/>
+            <c:explosion val="11"/>
+            <c:spPr>
+              <a:solidFill>
+                <a:schemeClr val="accent5"/>
+              </a:solidFill>
+              <a:ln>
+                <a:noFill/>
+              </a:ln>
+              <a:effectLst>
+                <a:outerShdw blurRad="254000" sx="102000" sy="102000" algn="ctr" rotWithShape="0">
+                  <a:prstClr val="black">
+                    <a:alpha val="20000"/>
+                  </a:prstClr>
+                </a:outerShdw>
+              </a:effectLst>
+            </c:spPr>
+            <c:extLst>
+              <c:ext xmlns:c16="http://schemas.microsoft.com/office/drawing/2014/chart" uri="{C3380CC4-5D6E-409C-BE32-E72D297353CC}">
+                <c16:uniqueId val="{00000009-39C9-4040-BD53-AC4CDC9A673E}"/>
+              </c:ext>
+            </c:extLst>
+          </c:dPt>
+          <c:dPt>
+            <c:idx val="5"/>
+            <c:bubble3D val="0"/>
+            <c:explosion val="13"/>
+            <c:spPr>
+              <a:solidFill>
+                <a:schemeClr val="accent6"/>
+              </a:solidFill>
+              <a:ln>
+                <a:noFill/>
+              </a:ln>
+              <a:effectLst>
+                <a:outerShdw blurRad="254000" sx="102000" sy="102000" algn="ctr" rotWithShape="0">
+                  <a:prstClr val="black">
+                    <a:alpha val="20000"/>
+                  </a:prstClr>
+                </a:outerShdw>
+              </a:effectLst>
+            </c:spPr>
+            <c:extLst>
+              <c:ext xmlns:c16="http://schemas.microsoft.com/office/drawing/2014/chart" uri="{C3380CC4-5D6E-409C-BE32-E72D297353CC}">
+                <c16:uniqueId val="{0000000B-39C9-4040-BD53-AC4CDC9A673E}"/>
+              </c:ext>
+            </c:extLst>
+          </c:dPt>
+          <c:dPt>
+            <c:idx val="6"/>
+            <c:bubble3D val="0"/>
+            <c:explosion val="11"/>
+            <c:spPr>
+              <a:solidFill>
+                <a:schemeClr val="accent1">
+                  <a:lumMod val="60000"/>
+                </a:schemeClr>
+              </a:solidFill>
+              <a:ln>
+                <a:noFill/>
+              </a:ln>
+              <a:effectLst>
+                <a:outerShdw blurRad="254000" sx="102000" sy="102000" algn="ctr" rotWithShape="0">
+                  <a:prstClr val="black">
+                    <a:alpha val="20000"/>
+                  </a:prstClr>
+                </a:outerShdw>
+              </a:effectLst>
+            </c:spPr>
+            <c:extLst>
+              <c:ext xmlns:c16="http://schemas.microsoft.com/office/drawing/2014/chart" uri="{C3380CC4-5D6E-409C-BE32-E72D297353CC}">
+                <c16:uniqueId val="{0000000D-39C9-4040-BD53-AC4CDC9A673E}"/>
+              </c:ext>
+            </c:extLst>
+          </c:dPt>
+          <c:dPt>
+            <c:idx val="7"/>
+            <c:bubble3D val="0"/>
+            <c:explosion val="13"/>
+            <c:spPr>
+              <a:solidFill>
+                <a:schemeClr val="accent2">
+                  <a:lumMod val="60000"/>
+                </a:schemeClr>
+              </a:solidFill>
+              <a:ln>
+                <a:noFill/>
+              </a:ln>
+              <a:effectLst>
+                <a:outerShdw blurRad="254000" sx="102000" sy="102000" algn="ctr" rotWithShape="0">
+                  <a:prstClr val="black">
+                    <a:alpha val="20000"/>
+                  </a:prstClr>
+                </a:outerShdw>
+              </a:effectLst>
+            </c:spPr>
+            <c:extLst>
+              <c:ext xmlns:c16="http://schemas.microsoft.com/office/drawing/2014/chart" uri="{C3380CC4-5D6E-409C-BE32-E72D297353CC}">
+                <c16:uniqueId val="{0000000F-39C9-4040-BD53-AC4CDC9A673E}"/>
+              </c:ext>
+            </c:extLst>
+          </c:dPt>
+          <c:dPt>
+            <c:idx val="8"/>
+            <c:bubble3D val="0"/>
+            <c:explosion val="13"/>
+            <c:spPr>
+              <a:solidFill>
+                <a:schemeClr val="accent3">
+                  <a:lumMod val="60000"/>
+                </a:schemeClr>
+              </a:solidFill>
+              <a:ln>
+                <a:noFill/>
+              </a:ln>
+              <a:effectLst>
+                <a:outerShdw blurRad="254000" sx="102000" sy="102000" algn="ctr" rotWithShape="0">
+                  <a:prstClr val="black">
+                    <a:alpha val="20000"/>
+                  </a:prstClr>
+                </a:outerShdw>
+              </a:effectLst>
+            </c:spPr>
+            <c:extLst>
+              <c:ext xmlns:c16="http://schemas.microsoft.com/office/drawing/2014/chart" uri="{C3380CC4-5D6E-409C-BE32-E72D297353CC}">
+                <c16:uniqueId val="{00000011-39C9-4040-BD53-AC4CDC9A673E}"/>
+              </c:ext>
+            </c:extLst>
+          </c:dPt>
+          <c:dPt>
+            <c:idx val="9"/>
+            <c:bubble3D val="0"/>
+            <c:explosion val="14"/>
+            <c:spPr>
+              <a:solidFill>
+                <a:schemeClr val="accent4">
+                  <a:lumMod val="60000"/>
+                </a:schemeClr>
+              </a:solidFill>
+              <a:ln>
+                <a:noFill/>
+              </a:ln>
+              <a:effectLst>
+                <a:outerShdw blurRad="254000" sx="102000" sy="102000" algn="ctr" rotWithShape="0">
+                  <a:prstClr val="black">
+                    <a:alpha val="20000"/>
+                  </a:prstClr>
+                </a:outerShdw>
+              </a:effectLst>
+            </c:spPr>
+            <c:extLst>
+              <c:ext xmlns:c16="http://schemas.microsoft.com/office/drawing/2014/chart" uri="{C3380CC4-5D6E-409C-BE32-E72D297353CC}">
+                <c16:uniqueId val="{00000013-39C9-4040-BD53-AC4CDC9A673E}"/>
+              </c:ext>
+            </c:extLst>
+          </c:dPt>
+          <c:dPt>
+            <c:idx val="10"/>
+            <c:bubble3D val="0"/>
+            <c:explosion val="4"/>
+            <c:spPr>
+              <a:solidFill>
+                <a:schemeClr val="accent5">
+                  <a:lumMod val="60000"/>
+                </a:schemeClr>
+              </a:solidFill>
+              <a:ln>
+                <a:noFill/>
+              </a:ln>
+              <a:effectLst>
+                <a:outerShdw blurRad="254000" sx="102000" sy="102000" algn="ctr" rotWithShape="0">
+                  <a:prstClr val="black">
+                    <a:alpha val="20000"/>
+                  </a:prstClr>
+                </a:outerShdw>
+              </a:effectLst>
+            </c:spPr>
+            <c:extLst>
+              <c:ext xmlns:c16="http://schemas.microsoft.com/office/drawing/2014/chart" uri="{C3380CC4-5D6E-409C-BE32-E72D297353CC}">
+                <c16:uniqueId val="{00000015-39C9-4040-BD53-AC4CDC9A673E}"/>
+              </c:ext>
+            </c:extLst>
+          </c:dPt>
+          <c:dLbls>
+            <c:dLbl>
+              <c:idx val="0"/>
+              <c:layout>
+                <c:manualLayout>
+                  <c:x val="-7.1394602546082889E-2"/>
+                  <c:y val="0.11851549216725268"/>
+                </c:manualLayout>
+              </c:layout>
+              <c:dLblPos val="bestFit"/>
+              <c:showLegendKey val="0"/>
+              <c:showVal val="0"/>
+              <c:showCatName val="0"/>
+              <c:showSerName val="0"/>
+              <c:showPercent val="1"/>
+              <c:showBubbleSize val="0"/>
+              <c:extLst>
+                <c:ext xmlns:c15="http://schemas.microsoft.com/office/drawing/2012/chart" uri="{CE6537A1-D6FC-4f65-9D91-7224C49458BB}"/>
+                <c:ext xmlns:c16="http://schemas.microsoft.com/office/drawing/2014/chart" uri="{C3380CC4-5D6E-409C-BE32-E72D297353CC}">
+                  <c16:uniqueId val="{00000001-39C9-4040-BD53-AC4CDC9A673E}"/>
+                </c:ext>
+              </c:extLst>
+            </c:dLbl>
+            <c:dLbl>
+              <c:idx val="1"/>
+              <c:layout>
+                <c:manualLayout>
+                  <c:x val="-9.449536778152251E-2"/>
+                  <c:y val="-1.7342643490318426E-2"/>
+                </c:manualLayout>
+              </c:layout>
+              <c:dLblPos val="bestFit"/>
+              <c:showLegendKey val="0"/>
+              <c:showVal val="0"/>
+              <c:showCatName val="0"/>
+              <c:showSerName val="0"/>
+              <c:showPercent val="1"/>
+              <c:showBubbleSize val="0"/>
+              <c:extLst>
+                <c:ext xmlns:c15="http://schemas.microsoft.com/office/drawing/2012/chart" uri="{CE6537A1-D6FC-4f65-9D91-7224C49458BB}"/>
+                <c:ext xmlns:c16="http://schemas.microsoft.com/office/drawing/2014/chart" uri="{C3380CC4-5D6E-409C-BE32-E72D297353CC}">
+                  <c16:uniqueId val="{00000003-39C9-4040-BD53-AC4CDC9A673E}"/>
+                </c:ext>
+              </c:extLst>
+            </c:dLbl>
+            <c:dLbl>
+              <c:idx val="2"/>
+              <c:layout>
+                <c:manualLayout>
+                  <c:x val="-7.8446582133087556E-2"/>
+                  <c:y val="-9.5310256029317086E-2"/>
+                </c:manualLayout>
+              </c:layout>
+              <c:dLblPos val="bestFit"/>
+              <c:showLegendKey val="0"/>
+              <c:showVal val="0"/>
+              <c:showCatName val="0"/>
+              <c:showSerName val="0"/>
+              <c:showPercent val="1"/>
+              <c:showBubbleSize val="0"/>
+              <c:extLst>
+                <c:ext xmlns:c15="http://schemas.microsoft.com/office/drawing/2012/chart" uri="{CE6537A1-D6FC-4f65-9D91-7224C49458BB}"/>
+                <c:ext xmlns:c16="http://schemas.microsoft.com/office/drawing/2014/chart" uri="{C3380CC4-5D6E-409C-BE32-E72D297353CC}">
+                  <c16:uniqueId val="{00000005-39C9-4040-BD53-AC4CDC9A673E}"/>
+                </c:ext>
+              </c:extLst>
+            </c:dLbl>
+            <c:dLbl>
+              <c:idx val="3"/>
+              <c:layout>
+                <c:manualLayout>
+                  <c:x val="-3.8298169782519986E-2"/>
+                  <c:y val="-0.10925712705723115"/>
+                </c:manualLayout>
+              </c:layout>
+              <c:dLblPos val="bestFit"/>
+              <c:showLegendKey val="0"/>
+              <c:showVal val="0"/>
+              <c:showCatName val="0"/>
+              <c:showSerName val="0"/>
+              <c:showPercent val="1"/>
+              <c:showBubbleSize val="0"/>
+              <c:extLst>
+                <c:ext xmlns:c15="http://schemas.microsoft.com/office/drawing/2012/chart" uri="{CE6537A1-D6FC-4f65-9D91-7224C49458BB}"/>
+                <c:ext xmlns:c16="http://schemas.microsoft.com/office/drawing/2014/chart" uri="{C3380CC4-5D6E-409C-BE32-E72D297353CC}">
+                  <c16:uniqueId val="{00000007-39C9-4040-BD53-AC4CDC9A673E}"/>
+                </c:ext>
+              </c:extLst>
+            </c:dLbl>
+            <c:dLbl>
+              <c:idx val="4"/>
+              <c:layout>
+                <c:manualLayout>
+                  <c:x val="-1.2776383998065501E-2"/>
+                  <c:y val="-8.6125555060334438E-2"/>
+                </c:manualLayout>
+              </c:layout>
+              <c:dLblPos val="bestFit"/>
+              <c:showLegendKey val="0"/>
+              <c:showVal val="0"/>
+              <c:showCatName val="0"/>
+              <c:showSerName val="0"/>
+              <c:showPercent val="1"/>
+              <c:showBubbleSize val="0"/>
+              <c:extLst>
+                <c:ext xmlns:c15="http://schemas.microsoft.com/office/drawing/2012/chart" uri="{CE6537A1-D6FC-4f65-9D91-7224C49458BB}"/>
+                <c:ext xmlns:c16="http://schemas.microsoft.com/office/drawing/2014/chart" uri="{C3380CC4-5D6E-409C-BE32-E72D297353CC}">
+                  <c16:uniqueId val="{00000009-39C9-4040-BD53-AC4CDC9A673E}"/>
+                </c:ext>
+              </c:extLst>
+            </c:dLbl>
+            <c:dLbl>
+              <c:idx val="5"/>
+              <c:layout>
+                <c:manualLayout>
+                  <c:x val="1.7227872907441273E-2"/>
+                  <c:y val="-8.2478870565707588E-2"/>
+                </c:manualLayout>
+              </c:layout>
+              <c:dLblPos val="bestFit"/>
+              <c:showLegendKey val="0"/>
+              <c:showVal val="0"/>
+              <c:showCatName val="0"/>
+              <c:showSerName val="0"/>
+              <c:showPercent val="1"/>
+              <c:showBubbleSize val="0"/>
+              <c:extLst>
+                <c:ext xmlns:c15="http://schemas.microsoft.com/office/drawing/2012/chart" uri="{CE6537A1-D6FC-4f65-9D91-7224C49458BB}"/>
+                <c:ext xmlns:c16="http://schemas.microsoft.com/office/drawing/2014/chart" uri="{C3380CC4-5D6E-409C-BE32-E72D297353CC}">
+                  <c16:uniqueId val="{0000000B-39C9-4040-BD53-AC4CDC9A673E}"/>
+                </c:ext>
+              </c:extLst>
+            </c:dLbl>
+            <c:dLbl>
+              <c:idx val="6"/>
+              <c:layout>
+                <c:manualLayout>
+                  <c:x val="3.6263797159712043E-2"/>
+                  <c:y val="-8.583997754997616E-2"/>
+                </c:manualLayout>
+              </c:layout>
+              <c:dLblPos val="bestFit"/>
+              <c:showLegendKey val="0"/>
+              <c:showVal val="0"/>
+              <c:showCatName val="0"/>
+              <c:showSerName val="0"/>
+              <c:showPercent val="1"/>
+              <c:showBubbleSize val="0"/>
+              <c:extLst>
+                <c:ext xmlns:c15="http://schemas.microsoft.com/office/drawing/2012/chart" uri="{CE6537A1-D6FC-4f65-9D91-7224C49458BB}"/>
+                <c:ext xmlns:c16="http://schemas.microsoft.com/office/drawing/2014/chart" uri="{C3380CC4-5D6E-409C-BE32-E72D297353CC}">
+                  <c16:uniqueId val="{0000000D-39C9-4040-BD53-AC4CDC9A673E}"/>
+                </c:ext>
+              </c:extLst>
+            </c:dLbl>
+            <c:dLbl>
+              <c:idx val="7"/>
+              <c:layout>
+                <c:manualLayout>
+                  <c:x val="4.1738076886262507E-2"/>
+                  <c:y val="-8.0249765804997944E-2"/>
+                </c:manualLayout>
+              </c:layout>
+              <c:dLblPos val="bestFit"/>
+              <c:showLegendKey val="0"/>
+              <c:showVal val="0"/>
+              <c:showCatName val="0"/>
+              <c:showSerName val="0"/>
+              <c:showPercent val="1"/>
+              <c:showBubbleSize val="0"/>
+              <c:extLst>
+                <c:ext xmlns:c15="http://schemas.microsoft.com/office/drawing/2012/chart" uri="{CE6537A1-D6FC-4f65-9D91-7224C49458BB}"/>
+                <c:ext xmlns:c16="http://schemas.microsoft.com/office/drawing/2014/chart" uri="{C3380CC4-5D6E-409C-BE32-E72D297353CC}">
+                  <c16:uniqueId val="{0000000F-39C9-4040-BD53-AC4CDC9A673E}"/>
+                </c:ext>
+              </c:extLst>
+            </c:dLbl>
+            <c:dLbl>
+              <c:idx val="8"/>
+              <c:layout>
+                <c:manualLayout>
+                  <c:x val="4.4245494984911912E-2"/>
+                  <c:y val="-6.9070224742807371E-2"/>
+                </c:manualLayout>
+              </c:layout>
+              <c:dLblPos val="bestFit"/>
+              <c:showLegendKey val="0"/>
+              <c:showVal val="0"/>
+              <c:showCatName val="0"/>
+              <c:showSerName val="0"/>
+              <c:showPercent val="1"/>
+              <c:showBubbleSize val="0"/>
+              <c:extLst>
+                <c:ext xmlns:c15="http://schemas.microsoft.com/office/drawing/2012/chart" uri="{CE6537A1-D6FC-4f65-9D91-7224C49458BB}"/>
+                <c:ext xmlns:c16="http://schemas.microsoft.com/office/drawing/2014/chart" uri="{C3380CC4-5D6E-409C-BE32-E72D297353CC}">
+                  <c16:uniqueId val="{00000011-39C9-4040-BD53-AC4CDC9A673E}"/>
+                </c:ext>
+              </c:extLst>
+            </c:dLbl>
+            <c:dLbl>
+              <c:idx val="9"/>
+              <c:layout>
+                <c:manualLayout>
+                  <c:x val="5.4003002503765697E-2"/>
+                  <c:y val="-7.2124043176275091E-2"/>
+                </c:manualLayout>
+              </c:layout>
+              <c:dLblPos val="bestFit"/>
+              <c:showLegendKey val="0"/>
+              <c:showVal val="0"/>
+              <c:showCatName val="0"/>
+              <c:showSerName val="0"/>
+              <c:showPercent val="1"/>
+              <c:showBubbleSize val="0"/>
+              <c:extLst>
+                <c:ext xmlns:c15="http://schemas.microsoft.com/office/drawing/2012/chart" uri="{CE6537A1-D6FC-4f65-9D91-7224C49458BB}"/>
+                <c:ext xmlns:c16="http://schemas.microsoft.com/office/drawing/2014/chart" uri="{C3380CC4-5D6E-409C-BE32-E72D297353CC}">
+                  <c16:uniqueId val="{00000013-39C9-4040-BD53-AC4CDC9A673E}"/>
+                </c:ext>
+              </c:extLst>
+            </c:dLbl>
+            <c:dLbl>
+              <c:idx val="10"/>
+              <c:layout>
+                <c:manualLayout>
+                  <c:x val="8.8764288341116673E-2"/>
+                  <c:y val="4.1258109245778239E-2"/>
+                </c:manualLayout>
+              </c:layout>
+              <c:dLblPos val="bestFit"/>
+              <c:showLegendKey val="0"/>
+              <c:showVal val="0"/>
+              <c:showCatName val="0"/>
+              <c:showSerName val="0"/>
+              <c:showPercent val="1"/>
+              <c:showBubbleSize val="0"/>
+              <c:extLst>
+                <c:ext xmlns:c15="http://schemas.microsoft.com/office/drawing/2012/chart" uri="{CE6537A1-D6FC-4f65-9D91-7224C49458BB}"/>
+                <c:ext xmlns:c16="http://schemas.microsoft.com/office/drawing/2014/chart" uri="{C3380CC4-5D6E-409C-BE32-E72D297353CC}">
+                  <c16:uniqueId val="{00000015-39C9-4040-BD53-AC4CDC9A673E}"/>
+                </c:ext>
+              </c:extLst>
+            </c:dLbl>
+            <c:numFmt formatCode="General" sourceLinked="0"/>
+            <c:spPr>
+              <a:noFill/>
+              <a:ln>
+                <a:noFill/>
+              </a:ln>
+              <a:effectLst/>
+            </c:spPr>
+            <c:txPr>
+              <a:bodyPr rot="0" spcFirstLastPara="1" vertOverflow="ellipsis" vert="horz" wrap="square" lIns="38100" tIns="19050" rIns="38100" bIns="19050" anchor="ctr" anchorCtr="1">
+                <a:spAutoFit/>
+              </a:bodyPr>
+              <a:lstStyle/>
+              <a:p>
+                <a:pPr>
+                  <a:defRPr sz="1200" b="1" i="0" u="none" strike="noStrike" kern="1200" baseline="0">
+                    <a:solidFill>
+                      <a:schemeClr val="lt1"/>
+                    </a:solidFill>
+                    <a:latin typeface="+mn-lt"/>
+                    <a:ea typeface="+mn-ea"/>
+                    <a:cs typeface="+mn-cs"/>
+                  </a:defRPr>
+                </a:pPr>
+                <a:endParaRPr lang="en-US"/>
+              </a:p>
+            </c:txPr>
+            <c:dLblPos val="inEnd"/>
+            <c:showLegendKey val="0"/>
+            <c:showVal val="0"/>
+            <c:showCatName val="0"/>
+            <c:showSerName val="0"/>
+            <c:showPercent val="1"/>
+            <c:showBubbleSize val="0"/>
+            <c:showLeaderLines val="1"/>
+            <c:leaderLines>
+              <c:spPr>
+                <a:ln w="9525">
+                  <a:solidFill>
+                    <a:schemeClr val="dk1">
+                      <a:lumMod val="50000"/>
+                      <a:lumOff val="50000"/>
+                    </a:schemeClr>
+                  </a:solidFill>
+                </a:ln>
+                <a:effectLst/>
+              </c:spPr>
+            </c:leaderLines>
+            <c:extLst>
+              <c:ext xmlns:c15="http://schemas.microsoft.com/office/drawing/2012/chart" uri="{CE6537A1-D6FC-4f65-9D91-7224C49458BB}"/>
+            </c:extLst>
+          </c:dLbls>
+          <c:cat>
+            <c:strRef>
+              <c:f>test1!$B$2:$B$12</c:f>
+              <c:strCache>
+                <c:ptCount val="11"/>
+                <c:pt idx="0">
+                  <c:v>Hypertension</c:v>
+                </c:pt>
+                <c:pt idx="1">
+                  <c:v>Metabolic disorders</c:v>
+                </c:pt>
+                <c:pt idx="2">
+                  <c:v>Disorders of bone density and structure</c:v>
+                </c:pt>
+                <c:pt idx="3">
+                  <c:v>Renal failure</c:v>
+                </c:pt>
+                <c:pt idx="4">
+                  <c:v>Diseases of liver</c:v>
+                </c:pt>
+                <c:pt idx="5">
+                  <c:v>Abnormal tumor markers</c:v>
+                </c:pt>
+                <c:pt idx="6">
+                  <c:v>Abdominal and pelvic pain</c:v>
+                </c:pt>
+                <c:pt idx="7">
+                  <c:v>Age</c:v>
+                </c:pt>
+                <c:pt idx="8">
+                  <c:v>Aplastic and other anaemias</c:v>
+                </c:pt>
+                <c:pt idx="9">
+                  <c:v>Other medical care</c:v>
+                </c:pt>
+                <c:pt idx="10">
+                  <c:v>Other</c:v>
+                </c:pt>
+              </c:strCache>
+            </c:strRef>
+          </c:cat>
+          <c:val>
+            <c:numRef>
+              <c:f>test1!$C$2:$C$12</c:f>
+              <c:numCache>
+                <c:formatCode>General</c:formatCode>
+                <c:ptCount val="11"/>
+                <c:pt idx="0">
+                  <c:v>20.9238145161987</c:v>
+                </c:pt>
+                <c:pt idx="1">
+                  <c:v>9.7623797499246301</c:v>
+                </c:pt>
+                <c:pt idx="2">
+                  <c:v>9.2756480751932795</c:v>
+                </c:pt>
+                <c:pt idx="3">
+                  <c:v>6.2789808888295902</c:v>
+                </c:pt>
+                <c:pt idx="4">
+                  <c:v>4.3569654094662704</c:v>
+                </c:pt>
+                <c:pt idx="5">
+                  <c:v>4.3418743162017304</c:v>
+                </c:pt>
+                <c:pt idx="6">
+                  <c:v>3.5302281719497501</c:v>
+                </c:pt>
+                <c:pt idx="7">
+                  <c:v>2.68235707709972</c:v>
+                </c:pt>
+                <c:pt idx="8">
+                  <c:v>2.0524622030963999</c:v>
+                </c:pt>
+                <c:pt idx="9">
+                  <c:v>1.93342693902872</c:v>
+                </c:pt>
+                <c:pt idx="10">
+                  <c:v>34.861862653011201</c:v>
+                </c:pt>
+              </c:numCache>
+            </c:numRef>
+          </c:val>
+          <c:extLst>
+            <c:ext xmlns:c16="http://schemas.microsoft.com/office/drawing/2014/chart" uri="{C3380CC4-5D6E-409C-BE32-E72D297353CC}">
+              <c16:uniqueId val="{00000016-39C9-4040-BD53-AC4CDC9A673E}"/>
+            </c:ext>
+          </c:extLst>
+        </c:ser>
+        <c:dLbls>
+          <c:dLblPos val="ctr"/>
+          <c:showLegendKey val="0"/>
+          <c:showVal val="0"/>
+          <c:showCatName val="0"/>
+          <c:showSerName val="0"/>
+          <c:showPercent val="1"/>
+          <c:showBubbleSize val="0"/>
+          <c:showLeaderLines val="1"/>
+        </c:dLbls>
+        <c:firstSliceAng val="0"/>
+      </c:pieChart>
+      <c:spPr>
+        <a:noFill/>
+        <a:ln>
+          <a:noFill/>
+        </a:ln>
+        <a:effectLst/>
+      </c:spPr>
+    </c:plotArea>
+    <c:legend>
+      <c:legendPos val="r"/>
+      <c:layout>
+        <c:manualLayout>
+          <c:xMode val="edge"/>
+          <c:yMode val="edge"/>
+          <c:x val="0.64479813703709299"/>
+          <c:y val="0.25281533204575846"/>
+          <c:w val="0.3381317978246961"/>
+          <c:h val="0.60433809318851217"/>
+        </c:manualLayout>
+      </c:layout>
+      <c:overlay val="0"/>
+      <c:spPr>
+        <a:solidFill>
+          <a:schemeClr val="accent3">
+            <a:lumMod val="40000"/>
+            <a:lumOff val="60000"/>
+          </a:schemeClr>
+        </a:solidFill>
+        <a:ln>
+          <a:noFill/>
+        </a:ln>
+        <a:effectLst/>
+      </c:spPr>
+      <c:txPr>
+        <a:bodyPr rot="0" spcFirstLastPara="1" vertOverflow="ellipsis" vert="horz" wrap="square" anchor="ctr" anchorCtr="1"/>
+        <a:lstStyle/>
+        <a:p>
+          <a:pPr>
+            <a:defRPr sz="1200" b="0" i="0" u="none" strike="noStrike" kern="1200" baseline="0">
+              <a:solidFill>
+                <a:schemeClr val="dk1">
+                  <a:lumMod val="75000"/>
+                  <a:lumOff val="25000"/>
+                </a:schemeClr>
+              </a:solidFill>
+              <a:latin typeface="+mn-lt"/>
+              <a:ea typeface="+mn-ea"/>
+              <a:cs typeface="+mn-cs"/>
+            </a:defRPr>
+          </a:pPr>
+          <a:endParaRPr lang="en-US"/>
+        </a:p>
+      </c:txPr>
+    </c:legend>
+    <c:plotVisOnly val="1"/>
+    <c:dispBlanksAs val="gap"/>
+    <c:extLst>
+      <c:ext xmlns:c16r3="http://schemas.microsoft.com/office/drawing/2017/03/chart" uri="{56B9EC1D-385E-4148-901F-78D8002777C0}">
+        <c16r3:dataDisplayOptions16>
+          <c16r3:dispNaAsBlank val="1"/>
+        </c16r3:dataDisplayOptions16>
+      </c:ext>
+    </c:extLst>
+    <c:showDLblsOverMax val="0"/>
+  </c:chart>
+  <c:spPr>
+    <a:solidFill>
+      <a:schemeClr val="bg1"/>
+    </a:solidFill>
+    <a:ln w="9525" cap="flat" cmpd="sng" algn="ctr">
+      <a:solidFill>
+        <a:schemeClr val="dk1">
+          <a:lumMod val="25000"/>
+          <a:lumOff val="75000"/>
+        </a:schemeClr>
+      </a:solidFill>
+      <a:round/>
+    </a:ln>
+    <a:effectLst/>
+  </c:spPr>
+  <c:txPr>
+    <a:bodyPr/>
+    <a:lstStyle/>
+    <a:p>
+      <a:pPr>
+        <a:defRPr/>
+      </a:pPr>
+      <a:endParaRPr lang="en-US"/>
+    </a:p>
+  </c:txPr>
+  <c:externalData r:id="rId3">
+    <c:autoUpdate val="0"/>
+  </c:externalData>
+</c:chartSpace>
+</file>
+
+<file path=ppt/charts/chart2.xml><?xml version="1.0" encoding="utf-8"?>
+<c:chartSpace xmlns:c="http://schemas.openxmlformats.org/drawingml/2006/chart" xmlns:a="http://schemas.openxmlformats.org/drawingml/2006/main" xmlns:r="http://schemas.openxmlformats.org/officeDocument/2006/relationships" xmlns:c16r2="http://schemas.microsoft.com/office/drawing/2015/06/chart">
+  <c:date1904 val="0"/>
+  <c:lang val="en-US"/>
+  <c:roundedCorners val="0"/>
+  <mc:AlternateContent xmlns:mc="http://schemas.openxmlformats.org/markup-compatibility/2006">
+    <mc:Choice xmlns:c14="http://schemas.microsoft.com/office/drawing/2007/8/2/chart" Requires="c14">
+      <c14:style val="102"/>
+    </mc:Choice>
+    <mc:Fallback>
+      <c:style val="2"/>
+    </mc:Fallback>
+  </mc:AlternateContent>
+  <c:chart>
+    <c:title>
+      <c:tx>
+        <c:rich>
+          <a:bodyPr rot="0" spcFirstLastPara="1" vertOverflow="ellipsis" vert="horz" wrap="square" anchor="ctr" anchorCtr="1"/>
+          <a:lstStyle/>
+          <a:p>
+            <a:pPr>
+              <a:defRPr sz="1800" b="1" i="0" u="none" strike="noStrike" kern="1200" baseline="0">
+                <a:solidFill>
+                  <a:schemeClr val="dk1">
+                    <a:lumMod val="75000"/>
+                    <a:lumOff val="25000"/>
+                  </a:schemeClr>
+                </a:solidFill>
+                <a:latin typeface="+mn-lt"/>
+                <a:ea typeface="+mn-ea"/>
+                <a:cs typeface="+mn-cs"/>
+              </a:defRPr>
+            </a:pPr>
+            <a:r>
+              <a:rPr lang="en-US" sz="1800" b="1" i="0" baseline="0" dirty="0">
+                <a:effectLst/>
+              </a:rPr>
+              <a:t>Important model Features</a:t>
+            </a:r>
+            <a:endParaRPr lang="en-US" dirty="0">
+              <a:effectLst/>
+            </a:endParaRPr>
+          </a:p>
+        </c:rich>
+      </c:tx>
+      <c:layout>
+        <c:manualLayout>
+          <c:xMode val="edge"/>
+          <c:yMode val="edge"/>
+          <c:x val="0.46520995190923475"/>
+          <c:y val="1.6765285562096902E-2"/>
+        </c:manualLayout>
+      </c:layout>
+      <c:overlay val="0"/>
+      <c:spPr>
+        <a:noFill/>
+        <a:ln>
+          <a:noFill/>
+        </a:ln>
+        <a:effectLst/>
+      </c:spPr>
+      <c:txPr>
+        <a:bodyPr rot="0" spcFirstLastPara="1" vertOverflow="ellipsis" vert="horz" wrap="square" anchor="ctr" anchorCtr="1"/>
+        <a:lstStyle/>
+        <a:p>
+          <a:pPr>
+            <a:defRPr sz="1800" b="1" i="0" u="none" strike="noStrike" kern="1200" baseline="0">
+              <a:solidFill>
+                <a:schemeClr val="dk1">
+                  <a:lumMod val="75000"/>
+                  <a:lumOff val="25000"/>
+                </a:schemeClr>
+              </a:solidFill>
+              <a:latin typeface="+mn-lt"/>
+              <a:ea typeface="+mn-ea"/>
+              <a:cs typeface="+mn-cs"/>
+            </a:defRPr>
+          </a:pPr>
+          <a:endParaRPr lang="en-US"/>
+        </a:p>
+      </c:txPr>
+    </c:title>
+    <c:autoTitleDeleted val="0"/>
+    <c:plotArea>
+      <c:layout/>
+      <c:pieChart>
+        <c:varyColors val="1"/>
+        <c:ser>
+          <c:idx val="0"/>
+          <c:order val="0"/>
+          <c:dPt>
+            <c:idx val="0"/>
+            <c:bubble3D val="0"/>
+            <c:explosion val="9"/>
+            <c:spPr>
+              <a:solidFill>
+                <a:schemeClr val="accent1"/>
+              </a:solidFill>
+              <a:ln>
+                <a:noFill/>
+              </a:ln>
+              <a:effectLst>
+                <a:outerShdw blurRad="254000" sx="102000" sy="102000" algn="ctr" rotWithShape="0">
+                  <a:prstClr val="black">
+                    <a:alpha val="20000"/>
+                  </a:prstClr>
+                </a:outerShdw>
+              </a:effectLst>
+            </c:spPr>
+            <c:extLst>
+              <c:ext xmlns:c16="http://schemas.microsoft.com/office/drawing/2014/chart" uri="{C3380CC4-5D6E-409C-BE32-E72D297353CC}">
+                <c16:uniqueId val="{00000001-F74F-4369-9117-F8E1E2DAE68F}"/>
+              </c:ext>
+            </c:extLst>
+          </c:dPt>
+          <c:dPt>
+            <c:idx val="1"/>
+            <c:bubble3D val="0"/>
+            <c:explosion val="6"/>
+            <c:spPr>
+              <a:solidFill>
+                <a:schemeClr val="accent2"/>
+              </a:solidFill>
+              <a:ln>
+                <a:noFill/>
+              </a:ln>
+              <a:effectLst>
+                <a:outerShdw blurRad="254000" sx="102000" sy="102000" algn="ctr" rotWithShape="0">
+                  <a:prstClr val="black">
+                    <a:alpha val="20000"/>
+                  </a:prstClr>
+                </a:outerShdw>
+              </a:effectLst>
+            </c:spPr>
+            <c:extLst>
+              <c:ext xmlns:c16="http://schemas.microsoft.com/office/drawing/2014/chart" uri="{C3380CC4-5D6E-409C-BE32-E72D297353CC}">
+                <c16:uniqueId val="{00000003-F74F-4369-9117-F8E1E2DAE68F}"/>
+              </c:ext>
+            </c:extLst>
+          </c:dPt>
+          <c:dPt>
+            <c:idx val="2"/>
+            <c:bubble3D val="0"/>
+            <c:explosion val="3"/>
+            <c:spPr>
+              <a:solidFill>
+                <a:schemeClr val="accent3"/>
+              </a:solidFill>
+              <a:ln>
+                <a:noFill/>
+              </a:ln>
+              <a:effectLst>
+                <a:outerShdw blurRad="254000" sx="102000" sy="102000" algn="ctr" rotWithShape="0">
+                  <a:prstClr val="black">
+                    <a:alpha val="20000"/>
+                  </a:prstClr>
+                </a:outerShdw>
+              </a:effectLst>
+            </c:spPr>
+            <c:extLst>
+              <c:ext xmlns:c16="http://schemas.microsoft.com/office/drawing/2014/chart" uri="{C3380CC4-5D6E-409C-BE32-E72D297353CC}">
+                <c16:uniqueId val="{00000005-F74F-4369-9117-F8E1E2DAE68F}"/>
+              </c:ext>
+            </c:extLst>
+          </c:dPt>
+          <c:dPt>
+            <c:idx val="3"/>
+            <c:bubble3D val="0"/>
+            <c:explosion val="5"/>
+            <c:spPr>
+              <a:solidFill>
+                <a:schemeClr val="accent4"/>
+              </a:solidFill>
+              <a:ln>
+                <a:noFill/>
+              </a:ln>
+              <a:effectLst>
+                <a:outerShdw blurRad="254000" sx="102000" sy="102000" algn="ctr" rotWithShape="0">
+                  <a:prstClr val="black">
+                    <a:alpha val="20000"/>
+                  </a:prstClr>
+                </a:outerShdw>
+              </a:effectLst>
+            </c:spPr>
+            <c:extLst>
+              <c:ext xmlns:c16="http://schemas.microsoft.com/office/drawing/2014/chart" uri="{C3380CC4-5D6E-409C-BE32-E72D297353CC}">
+                <c16:uniqueId val="{00000007-F74F-4369-9117-F8E1E2DAE68F}"/>
+              </c:ext>
+            </c:extLst>
+          </c:dPt>
+          <c:dPt>
+            <c:idx val="4"/>
+            <c:bubble3D val="0"/>
+            <c:explosion val="9"/>
+            <c:spPr>
+              <a:solidFill>
+                <a:schemeClr val="accent5"/>
+              </a:solidFill>
+              <a:ln>
+                <a:noFill/>
+              </a:ln>
+              <a:effectLst>
+                <a:outerShdw blurRad="254000" sx="102000" sy="102000" algn="ctr" rotWithShape="0">
+                  <a:prstClr val="black">
+                    <a:alpha val="20000"/>
+                  </a:prstClr>
+                </a:outerShdw>
+              </a:effectLst>
+            </c:spPr>
+            <c:extLst>
+              <c:ext xmlns:c16="http://schemas.microsoft.com/office/drawing/2014/chart" uri="{C3380CC4-5D6E-409C-BE32-E72D297353CC}">
+                <c16:uniqueId val="{00000009-F74F-4369-9117-F8E1E2DAE68F}"/>
+              </c:ext>
+            </c:extLst>
+          </c:dPt>
+          <c:dPt>
+            <c:idx val="5"/>
+            <c:bubble3D val="0"/>
+            <c:explosion val="8"/>
+            <c:spPr>
+              <a:solidFill>
+                <a:schemeClr val="accent6"/>
+              </a:solidFill>
+              <a:ln>
+                <a:noFill/>
+              </a:ln>
+              <a:effectLst>
+                <a:outerShdw blurRad="254000" sx="102000" sy="102000" algn="ctr" rotWithShape="0">
+                  <a:prstClr val="black">
+                    <a:alpha val="20000"/>
+                  </a:prstClr>
+                </a:outerShdw>
+              </a:effectLst>
+            </c:spPr>
+            <c:extLst>
+              <c:ext xmlns:c16="http://schemas.microsoft.com/office/drawing/2014/chart" uri="{C3380CC4-5D6E-409C-BE32-E72D297353CC}">
+                <c16:uniqueId val="{0000000B-F74F-4369-9117-F8E1E2DAE68F}"/>
+              </c:ext>
+            </c:extLst>
+          </c:dPt>
+          <c:dPt>
+            <c:idx val="6"/>
+            <c:bubble3D val="0"/>
+            <c:explosion val="11"/>
+            <c:spPr>
+              <a:solidFill>
+                <a:schemeClr val="accent1">
+                  <a:lumMod val="60000"/>
+                </a:schemeClr>
+              </a:solidFill>
+              <a:ln>
+                <a:noFill/>
+              </a:ln>
+              <a:effectLst>
+                <a:outerShdw blurRad="254000" sx="102000" sy="102000" algn="ctr" rotWithShape="0">
+                  <a:prstClr val="black">
+                    <a:alpha val="20000"/>
+                  </a:prstClr>
+                </a:outerShdw>
+              </a:effectLst>
+            </c:spPr>
+            <c:extLst>
+              <c:ext xmlns:c16="http://schemas.microsoft.com/office/drawing/2014/chart" uri="{C3380CC4-5D6E-409C-BE32-E72D297353CC}">
+                <c16:uniqueId val="{0000000D-F74F-4369-9117-F8E1E2DAE68F}"/>
+              </c:ext>
+            </c:extLst>
+          </c:dPt>
+          <c:dPt>
+            <c:idx val="7"/>
+            <c:bubble3D val="0"/>
+            <c:explosion val="9"/>
+            <c:spPr>
+              <a:solidFill>
+                <a:schemeClr val="accent2">
+                  <a:lumMod val="60000"/>
+                </a:schemeClr>
+              </a:solidFill>
+              <a:ln>
+                <a:noFill/>
+              </a:ln>
+              <a:effectLst>
+                <a:outerShdw blurRad="254000" sx="102000" sy="102000" algn="ctr" rotWithShape="0">
+                  <a:prstClr val="black">
+                    <a:alpha val="20000"/>
+                  </a:prstClr>
+                </a:outerShdw>
+              </a:effectLst>
+            </c:spPr>
+            <c:extLst>
+              <c:ext xmlns:c16="http://schemas.microsoft.com/office/drawing/2014/chart" uri="{C3380CC4-5D6E-409C-BE32-E72D297353CC}">
+                <c16:uniqueId val="{0000000F-F74F-4369-9117-F8E1E2DAE68F}"/>
+              </c:ext>
+            </c:extLst>
+          </c:dPt>
+          <c:dPt>
+            <c:idx val="8"/>
+            <c:bubble3D val="0"/>
+            <c:explosion val="7"/>
+            <c:spPr>
+              <a:solidFill>
+                <a:schemeClr val="accent3">
+                  <a:lumMod val="60000"/>
+                </a:schemeClr>
+              </a:solidFill>
+              <a:ln>
+                <a:noFill/>
+              </a:ln>
+              <a:effectLst>
+                <a:outerShdw blurRad="254000" sx="102000" sy="102000" algn="ctr" rotWithShape="0">
+                  <a:prstClr val="black">
+                    <a:alpha val="20000"/>
+                  </a:prstClr>
+                </a:outerShdw>
+              </a:effectLst>
+            </c:spPr>
+            <c:extLst>
+              <c:ext xmlns:c16="http://schemas.microsoft.com/office/drawing/2014/chart" uri="{C3380CC4-5D6E-409C-BE32-E72D297353CC}">
+                <c16:uniqueId val="{00000011-F74F-4369-9117-F8E1E2DAE68F}"/>
+              </c:ext>
+            </c:extLst>
+          </c:dPt>
+          <c:dPt>
+            <c:idx val="9"/>
+            <c:bubble3D val="0"/>
+            <c:explosion val="5"/>
+            <c:spPr>
+              <a:solidFill>
+                <a:schemeClr val="accent4">
+                  <a:lumMod val="60000"/>
+                </a:schemeClr>
+              </a:solidFill>
+              <a:ln>
+                <a:noFill/>
+              </a:ln>
+              <a:effectLst>
+                <a:outerShdw blurRad="254000" sx="102000" sy="102000" algn="ctr" rotWithShape="0">
+                  <a:prstClr val="black">
+                    <a:alpha val="20000"/>
+                  </a:prstClr>
+                </a:outerShdw>
+              </a:effectLst>
+            </c:spPr>
+            <c:extLst>
+              <c:ext xmlns:c16="http://schemas.microsoft.com/office/drawing/2014/chart" uri="{C3380CC4-5D6E-409C-BE32-E72D297353CC}">
+                <c16:uniqueId val="{00000013-F74F-4369-9117-F8E1E2DAE68F}"/>
+              </c:ext>
+            </c:extLst>
+          </c:dPt>
+          <c:dPt>
+            <c:idx val="10"/>
+            <c:bubble3D val="0"/>
+            <c:spPr>
+              <a:solidFill>
+                <a:schemeClr val="accent5">
+                  <a:lumMod val="60000"/>
+                </a:schemeClr>
+              </a:solidFill>
+              <a:ln>
+                <a:noFill/>
+              </a:ln>
+              <a:effectLst>
+                <a:outerShdw blurRad="254000" sx="102000" sy="102000" algn="ctr" rotWithShape="0">
+                  <a:prstClr val="black">
+                    <a:alpha val="20000"/>
+                  </a:prstClr>
+                </a:outerShdw>
+              </a:effectLst>
+            </c:spPr>
+            <c:extLst>
+              <c:ext xmlns:c16="http://schemas.microsoft.com/office/drawing/2014/chart" uri="{C3380CC4-5D6E-409C-BE32-E72D297353CC}">
+                <c16:uniqueId val="{00000015-F74F-4369-9117-F8E1E2DAE68F}"/>
+              </c:ext>
+            </c:extLst>
+          </c:dPt>
+          <c:dLbls>
+            <c:dLbl>
+              <c:idx val="5"/>
+              <c:layout>
+                <c:manualLayout>
+                  <c:x val="5.7519590236978876E-2"/>
+                  <c:y val="2.2088078031341971E-2"/>
+                </c:manualLayout>
+              </c:layout>
+              <c:dLblPos val="bestFit"/>
+              <c:showLegendKey val="0"/>
+              <c:showVal val="0"/>
+              <c:showCatName val="0"/>
+              <c:showSerName val="0"/>
+              <c:showPercent val="1"/>
+              <c:showBubbleSize val="0"/>
+              <c:extLst>
+                <c:ext xmlns:c15="http://schemas.microsoft.com/office/drawing/2012/chart" uri="{CE6537A1-D6FC-4f65-9D91-7224C49458BB}"/>
+                <c:ext xmlns:c16="http://schemas.microsoft.com/office/drawing/2014/chart" uri="{C3380CC4-5D6E-409C-BE32-E72D297353CC}">
+                  <c16:uniqueId val="{0000000B-F74F-4369-9117-F8E1E2DAE68F}"/>
+                </c:ext>
+              </c:extLst>
+            </c:dLbl>
+            <c:dLbl>
+              <c:idx val="6"/>
+              <c:layout>
+                <c:manualLayout>
+                  <c:x val="4.8448355720240852E-2"/>
+                  <c:y val="6.1433245501846458E-2"/>
+                </c:manualLayout>
+              </c:layout>
+              <c:tx>
+                <c:rich>
+                  <a:bodyPr/>
+                  <a:lstStyle/>
+                  <a:p>
+                    <a:fld id="{2C8BACBC-7EAA-4FD2-B726-FF94F7F53732}" type="PERCENTAGE">
+                      <a:rPr lang="en-US">
+                        <a:solidFill>
+                          <a:schemeClr val="bg1"/>
+                        </a:solidFill>
+                      </a:rPr>
+                      <a:pPr/>
+                      <a:t>[PERCENTAGE]</a:t>
+                    </a:fld>
+                    <a:endParaRPr lang="en-US"/>
+                  </a:p>
+                </c:rich>
+              </c:tx>
+              <c:dLblPos val="bestFit"/>
+              <c:showLegendKey val="0"/>
+              <c:showVal val="0"/>
+              <c:showCatName val="0"/>
+              <c:showSerName val="0"/>
+              <c:showPercent val="1"/>
+              <c:showBubbleSize val="0"/>
+              <c:extLst>
+                <c:ext xmlns:c15="http://schemas.microsoft.com/office/drawing/2012/chart" uri="{CE6537A1-D6FC-4f65-9D91-7224C49458BB}">
+                  <c15:dlblFieldTable/>
+                  <c15:showDataLabelsRange val="0"/>
+                </c:ext>
+                <c:ext xmlns:c16="http://schemas.microsoft.com/office/drawing/2014/chart" uri="{C3380CC4-5D6E-409C-BE32-E72D297353CC}">
+                  <c16:uniqueId val="{0000000D-F74F-4369-9117-F8E1E2DAE68F}"/>
+                </c:ext>
+              </c:extLst>
+            </c:dLbl>
+            <c:dLbl>
+              <c:idx val="7"/>
+              <c:layout>
+                <c:manualLayout>
+                  <c:x val="4.4277321371980205E-2"/>
+                  <c:y val="7.4694002290809539E-2"/>
+                </c:manualLayout>
+              </c:layout>
+              <c:tx>
+                <c:rich>
+                  <a:bodyPr/>
+                  <a:lstStyle/>
+                  <a:p>
+                    <a:fld id="{7F2E0B1B-8781-429D-82B6-25AFC1AFD4FA}" type="PERCENTAGE">
+                      <a:rPr lang="en-US">
+                        <a:solidFill>
+                          <a:schemeClr val="bg1"/>
+                        </a:solidFill>
+                      </a:rPr>
+                      <a:pPr/>
+                      <a:t>[PERCENTAGE]</a:t>
+                    </a:fld>
+                    <a:endParaRPr lang="en-US"/>
+                  </a:p>
+                </c:rich>
+              </c:tx>
+              <c:dLblPos val="bestFit"/>
+              <c:showLegendKey val="0"/>
+              <c:showVal val="0"/>
+              <c:showCatName val="0"/>
+              <c:showSerName val="0"/>
+              <c:showPercent val="1"/>
+              <c:showBubbleSize val="0"/>
+              <c:extLst>
+                <c:ext xmlns:c15="http://schemas.microsoft.com/office/drawing/2012/chart" uri="{CE6537A1-D6FC-4f65-9D91-7224C49458BB}">
+                  <c15:dlblFieldTable/>
+                  <c15:showDataLabelsRange val="0"/>
+                </c:ext>
+                <c:ext xmlns:c16="http://schemas.microsoft.com/office/drawing/2014/chart" uri="{C3380CC4-5D6E-409C-BE32-E72D297353CC}">
+                  <c16:uniqueId val="{0000000F-F74F-4369-9117-F8E1E2DAE68F}"/>
+                </c:ext>
+              </c:extLst>
+            </c:dLbl>
+            <c:dLbl>
+              <c:idx val="8"/>
+              <c:layout>
+                <c:manualLayout>
+                  <c:x val="3.2538347567235212E-2"/>
+                  <c:y val="9.2957301570180437E-2"/>
+                </c:manualLayout>
+              </c:layout>
+              <c:tx>
+                <c:rich>
+                  <a:bodyPr/>
+                  <a:lstStyle/>
+                  <a:p>
+                    <a:fld id="{A5DE0F80-0A5B-4B34-BC9A-BBEE566A2E20}" type="PERCENTAGE">
+                      <a:rPr lang="en-US">
+                        <a:solidFill>
+                          <a:schemeClr val="bg1"/>
+                        </a:solidFill>
+                      </a:rPr>
+                      <a:pPr/>
+                      <a:t>[PERCENTAGE]</a:t>
+                    </a:fld>
+                    <a:endParaRPr lang="en-US"/>
+                  </a:p>
+                </c:rich>
+              </c:tx>
+              <c:dLblPos val="bestFit"/>
+              <c:showLegendKey val="0"/>
+              <c:showVal val="0"/>
+              <c:showCatName val="0"/>
+              <c:showSerName val="0"/>
+              <c:showPercent val="1"/>
+              <c:showBubbleSize val="0"/>
+              <c:extLst>
+                <c:ext xmlns:c15="http://schemas.microsoft.com/office/drawing/2012/chart" uri="{CE6537A1-D6FC-4f65-9D91-7224C49458BB}">
+                  <c15:dlblFieldTable/>
+                  <c15:showDataLabelsRange val="0"/>
+                </c:ext>
+                <c:ext xmlns:c16="http://schemas.microsoft.com/office/drawing/2014/chart" uri="{C3380CC4-5D6E-409C-BE32-E72D297353CC}">
+                  <c16:uniqueId val="{00000011-F74F-4369-9117-F8E1E2DAE68F}"/>
+                </c:ext>
+              </c:extLst>
+            </c:dLbl>
+            <c:dLbl>
+              <c:idx val="9"/>
+              <c:layout>
+                <c:manualLayout>
+                  <c:x val="1.532792147111642E-2"/>
+                  <c:y val="0.10049235920938746"/>
+                </c:manualLayout>
+              </c:layout>
+              <c:tx>
+                <c:rich>
+                  <a:bodyPr/>
+                  <a:lstStyle/>
+                  <a:p>
+                    <a:fld id="{9D6FC8CD-381C-41A4-86B2-BF24BEAA996C}" type="PERCENTAGE">
+                      <a:rPr lang="en-US">
+                        <a:solidFill>
+                          <a:schemeClr val="bg1"/>
+                        </a:solidFill>
+                      </a:rPr>
+                      <a:pPr/>
+                      <a:t>[PERCENTAGE]</a:t>
+                    </a:fld>
+                    <a:endParaRPr lang="en-US"/>
+                  </a:p>
+                </c:rich>
+              </c:tx>
+              <c:dLblPos val="bestFit"/>
+              <c:showLegendKey val="0"/>
+              <c:showVal val="0"/>
+              <c:showCatName val="0"/>
+              <c:showSerName val="0"/>
+              <c:showPercent val="1"/>
+              <c:showBubbleSize val="0"/>
+              <c:extLst>
+                <c:ext xmlns:c15="http://schemas.microsoft.com/office/drawing/2012/chart" uri="{CE6537A1-D6FC-4f65-9D91-7224C49458BB}">
+                  <c15:dlblFieldTable/>
+                  <c15:showDataLabelsRange val="0"/>
+                </c:ext>
+                <c:ext xmlns:c16="http://schemas.microsoft.com/office/drawing/2014/chart" uri="{C3380CC4-5D6E-409C-BE32-E72D297353CC}">
+                  <c16:uniqueId val="{00000013-F74F-4369-9117-F8E1E2DAE68F}"/>
+                </c:ext>
+              </c:extLst>
+            </c:dLbl>
+            <c:dLbl>
+              <c:idx val="10"/>
+              <c:layout>
+                <c:manualLayout>
+                  <c:x val="5.7336318196156482E-3"/>
+                  <c:y val="6.3086822511652221E-2"/>
+                </c:manualLayout>
+              </c:layout>
+              <c:tx>
+                <c:rich>
+                  <a:bodyPr/>
+                  <a:lstStyle/>
+                  <a:p>
+                    <a:fld id="{158CC863-11B3-44B9-9600-9836F27DA3A7}" type="PERCENTAGE">
+                      <a:rPr lang="en-US">
+                        <a:solidFill>
+                          <a:schemeClr val="bg1"/>
+                        </a:solidFill>
+                      </a:rPr>
+                      <a:pPr/>
+                      <a:t>[PERCENTAGE]</a:t>
+                    </a:fld>
+                    <a:endParaRPr lang="en-US"/>
+                  </a:p>
+                </c:rich>
+              </c:tx>
+              <c:dLblPos val="bestFit"/>
+              <c:showLegendKey val="0"/>
+              <c:showVal val="0"/>
+              <c:showCatName val="0"/>
+              <c:showSerName val="0"/>
+              <c:showPercent val="1"/>
+              <c:showBubbleSize val="0"/>
+              <c:extLst>
+                <c:ext xmlns:c15="http://schemas.microsoft.com/office/drawing/2012/chart" uri="{CE6537A1-D6FC-4f65-9D91-7224C49458BB}">
+                  <c15:dlblFieldTable/>
+                  <c15:showDataLabelsRange val="0"/>
+                </c:ext>
+                <c:ext xmlns:c16="http://schemas.microsoft.com/office/drawing/2014/chart" uri="{C3380CC4-5D6E-409C-BE32-E72D297353CC}">
+                  <c16:uniqueId val="{00000015-F74F-4369-9117-F8E1E2DAE68F}"/>
+                </c:ext>
+              </c:extLst>
+            </c:dLbl>
+            <c:numFmt formatCode="General" sourceLinked="0"/>
+            <c:spPr>
+              <a:noFill/>
+              <a:ln>
+                <a:noFill/>
+              </a:ln>
+              <a:effectLst/>
+            </c:spPr>
+            <c:txPr>
+              <a:bodyPr rot="0" spcFirstLastPara="1" vertOverflow="ellipsis" vert="horz" wrap="square" lIns="38100" tIns="19050" rIns="38100" bIns="19050" anchor="ctr" anchorCtr="1">
+                <a:spAutoFit/>
+              </a:bodyPr>
+              <a:lstStyle/>
+              <a:p>
+                <a:pPr>
+                  <a:defRPr sz="1000" b="1" i="0" u="none" strike="noStrike" kern="1200" baseline="0">
+                    <a:solidFill>
+                      <a:schemeClr val="lt1"/>
+                    </a:solidFill>
+                    <a:latin typeface="+mn-lt"/>
+                    <a:ea typeface="+mn-ea"/>
+                    <a:cs typeface="+mn-cs"/>
+                  </a:defRPr>
+                </a:pPr>
+                <a:endParaRPr lang="en-US"/>
+              </a:p>
+            </c:txPr>
+            <c:dLblPos val="inEnd"/>
+            <c:showLegendKey val="0"/>
+            <c:showVal val="0"/>
+            <c:showCatName val="0"/>
+            <c:showSerName val="0"/>
+            <c:showPercent val="1"/>
+            <c:showBubbleSize val="0"/>
+            <c:showLeaderLines val="1"/>
+            <c:leaderLines>
+              <c:spPr>
+                <a:ln w="9525">
+                  <a:solidFill>
+                    <a:schemeClr val="dk1">
+                      <a:lumMod val="50000"/>
+                      <a:lumOff val="50000"/>
+                    </a:schemeClr>
+                  </a:solidFill>
+                </a:ln>
+                <a:effectLst/>
+              </c:spPr>
+            </c:leaderLines>
+            <c:extLst>
+              <c:ext xmlns:c15="http://schemas.microsoft.com/office/drawing/2012/chart" uri="{CE6537A1-D6FC-4f65-9D91-7224C49458BB}"/>
+            </c:extLst>
+          </c:dLbls>
+          <c:cat>
+            <c:strRef>
+              <c:f>test1!$B$22:$B$31</c:f>
+              <c:strCache>
+                <c:ptCount val="10"/>
+                <c:pt idx="0">
+                  <c:v> Hypertension</c:v>
+                </c:pt>
+                <c:pt idx="1">
+                  <c:v>Disorders of metabolism</c:v>
+                </c:pt>
+                <c:pt idx="2">
+                  <c:v>Temperature</c:v>
+                </c:pt>
+                <c:pt idx="3">
+                  <c:v>Abdominal and pelvic pain</c:v>
+                </c:pt>
+                <c:pt idx="4">
+                  <c:v>Symptoms and signs concerning food and fluid intake</c:v>
+                </c:pt>
+                <c:pt idx="5">
+                  <c:v>Shock</c:v>
+                </c:pt>
+                <c:pt idx="6">
+                  <c:v>Phlebitis and thrombophlebitis</c:v>
+                </c:pt>
+                <c:pt idx="7">
+                  <c:v>Blood Pressure Mean</c:v>
+                </c:pt>
+                <c:pt idx="8">
+                  <c:v>Height</c:v>
+                </c:pt>
+                <c:pt idx="9">
+                  <c:v>Cachexia </c:v>
+                </c:pt>
+              </c:strCache>
+            </c:strRef>
+          </c:cat>
+          <c:val>
+            <c:numRef>
+              <c:f>test1!$C$22:$C$31</c:f>
+              <c:numCache>
+                <c:formatCode>General</c:formatCode>
+                <c:ptCount val="10"/>
+                <c:pt idx="0">
+                  <c:v>14.372205663189201</c:v>
+                </c:pt>
+                <c:pt idx="1">
+                  <c:v>9.3889716840536206</c:v>
+                </c:pt>
+                <c:pt idx="2">
+                  <c:v>6.1661698956780597</c:v>
+                </c:pt>
+                <c:pt idx="3">
+                  <c:v>5.2906110283159</c:v>
+                </c:pt>
+                <c:pt idx="4">
+                  <c:v>5.1136363636363402</c:v>
+                </c:pt>
+                <c:pt idx="5">
+                  <c:v>2.7384500745156601</c:v>
+                </c:pt>
+                <c:pt idx="6">
+                  <c:v>2.7384500745156601</c:v>
+                </c:pt>
+                <c:pt idx="7">
+                  <c:v>2.7105067064083501</c:v>
+                </c:pt>
+                <c:pt idx="8">
+                  <c:v>2.6825633383010401</c:v>
+                </c:pt>
+                <c:pt idx="9">
+                  <c:v>2.5521609538003101</c:v>
+                </c:pt>
+              </c:numCache>
+            </c:numRef>
+          </c:val>
+          <c:extLst>
+            <c:ext xmlns:c16="http://schemas.microsoft.com/office/drawing/2014/chart" uri="{C3380CC4-5D6E-409C-BE32-E72D297353CC}">
+              <c16:uniqueId val="{00000016-F74F-4369-9117-F8E1E2DAE68F}"/>
+            </c:ext>
+          </c:extLst>
+        </c:ser>
+        <c:dLbls>
+          <c:dLblPos val="ctr"/>
+          <c:showLegendKey val="0"/>
+          <c:showVal val="0"/>
+          <c:showCatName val="0"/>
+          <c:showSerName val="0"/>
+          <c:showPercent val="1"/>
+          <c:showBubbleSize val="0"/>
+          <c:showLeaderLines val="1"/>
+        </c:dLbls>
+        <c:firstSliceAng val="0"/>
+      </c:pieChart>
+      <c:spPr>
+        <a:noFill/>
+        <a:ln>
+          <a:noFill/>
+        </a:ln>
+        <a:effectLst/>
+      </c:spPr>
+    </c:plotArea>
+    <c:legend>
+      <c:legendPos val="r"/>
+      <c:layout>
+        <c:manualLayout>
+          <c:xMode val="edge"/>
+          <c:yMode val="edge"/>
+          <c:x val="0.62820222368827427"/>
+          <c:y val="0.11849076918453399"/>
+          <c:w val="0.36491776713207641"/>
+          <c:h val="0.74355122936083429"/>
+        </c:manualLayout>
+      </c:layout>
+      <c:overlay val="0"/>
+      <c:spPr>
+        <a:solidFill>
+          <a:schemeClr val="accent3">
+            <a:lumMod val="40000"/>
+            <a:lumOff val="60000"/>
+          </a:schemeClr>
+        </a:solidFill>
+        <a:ln>
+          <a:noFill/>
+        </a:ln>
+        <a:effectLst/>
+      </c:spPr>
+      <c:txPr>
+        <a:bodyPr rot="0" spcFirstLastPara="1" vertOverflow="ellipsis" vert="horz" wrap="square" anchor="ctr" anchorCtr="1"/>
+        <a:lstStyle/>
+        <a:p>
+          <a:pPr>
+            <a:defRPr sz="900" b="0" i="0" u="none" strike="noStrike" kern="1200" baseline="0">
+              <a:solidFill>
+                <a:schemeClr val="dk1">
+                  <a:lumMod val="75000"/>
+                  <a:lumOff val="25000"/>
+                </a:schemeClr>
+              </a:solidFill>
+              <a:latin typeface="+mn-lt"/>
+              <a:ea typeface="+mn-ea"/>
+              <a:cs typeface="+mn-cs"/>
+            </a:defRPr>
+          </a:pPr>
+          <a:endParaRPr lang="en-US"/>
+        </a:p>
+      </c:txPr>
+    </c:legend>
+    <c:plotVisOnly val="1"/>
+    <c:dispBlanksAs val="gap"/>
+    <c:showDLblsOverMax val="0"/>
+    <c:extLst/>
+  </c:chart>
+  <c:spPr>
+    <a:solidFill>
+      <a:sysClr val="window" lastClr="FFFFFF"/>
+    </a:solidFill>
+    <a:ln w="9525" cap="flat" cmpd="sng" algn="ctr">
+      <a:solidFill>
+        <a:schemeClr val="dk1">
+          <a:lumMod val="25000"/>
+          <a:lumOff val="75000"/>
+        </a:schemeClr>
+      </a:solidFill>
+      <a:round/>
+    </a:ln>
+    <a:effectLst/>
+  </c:spPr>
+  <c:txPr>
+    <a:bodyPr/>
+    <a:lstStyle/>
+    <a:p>
+      <a:pPr>
+        <a:defRPr/>
+      </a:pPr>
+      <a:endParaRPr lang="en-US"/>
+    </a:p>
+  </c:txPr>
+  <c:externalData r:id="rId3">
+    <c:autoUpdate val="0"/>
+  </c:externalData>
+</c:chartSpace>
+</file>
+
+<file path=ppt/charts/chart3.xml><?xml version="1.0" encoding="utf-8"?>
+<c:chartSpace xmlns:c="http://schemas.openxmlformats.org/drawingml/2006/chart" xmlns:a="http://schemas.openxmlformats.org/drawingml/2006/main" xmlns:r="http://schemas.openxmlformats.org/officeDocument/2006/relationships" xmlns:c16r2="http://schemas.microsoft.com/office/drawing/2015/06/chart">
+  <c:date1904 val="0"/>
+  <c:lang val="en-US"/>
+  <c:roundedCorners val="0"/>
+  <mc:AlternateContent xmlns:mc="http://schemas.openxmlformats.org/markup-compatibility/2006">
+    <mc:Choice xmlns:c14="http://schemas.microsoft.com/office/drawing/2007/8/2/chart" Requires="c14">
+      <c14:style val="102"/>
+    </mc:Choice>
+    <mc:Fallback>
+      <c:style val="2"/>
+    </mc:Fallback>
+  </mc:AlternateContent>
+  <c:chart>
+    <c:title>
+      <c:tx>
+        <c:rich>
+          <a:bodyPr rot="0" spcFirstLastPara="1" vertOverflow="ellipsis" vert="horz" wrap="square" anchor="ctr" anchorCtr="1"/>
+          <a:lstStyle/>
+          <a:p>
+            <a:pPr>
+              <a:defRPr sz="1400" b="0" i="0" u="none" strike="noStrike" kern="1200" spc="0" baseline="0">
+                <a:solidFill>
+                  <a:schemeClr val="tx1">
+                    <a:lumMod val="65000"/>
+                    <a:lumOff val="35000"/>
+                  </a:schemeClr>
+                </a:solidFill>
+                <a:latin typeface="+mn-lt"/>
+                <a:ea typeface="+mn-ea"/>
+                <a:cs typeface="+mn-cs"/>
+              </a:defRPr>
+            </a:pPr>
+            <a:r>
+              <a:rPr lang="en-US"/>
+              <a:t>Top Risk Factors</a:t>
+            </a:r>
+          </a:p>
+        </c:rich>
+      </c:tx>
+      <c:overlay val="0"/>
+      <c:spPr>
+        <a:noFill/>
+        <a:ln>
+          <a:noFill/>
+        </a:ln>
+        <a:effectLst/>
+      </c:spPr>
+      <c:txPr>
+        <a:bodyPr rot="0" spcFirstLastPara="1" vertOverflow="ellipsis" vert="horz" wrap="square" anchor="ctr" anchorCtr="1"/>
+        <a:lstStyle/>
+        <a:p>
+          <a:pPr>
+            <a:defRPr sz="1400" b="0" i="0" u="none" strike="noStrike" kern="1200" spc="0" baseline="0">
+              <a:solidFill>
+                <a:schemeClr val="tx1">
+                  <a:lumMod val="65000"/>
+                  <a:lumOff val="35000"/>
+                </a:schemeClr>
+              </a:solidFill>
+              <a:latin typeface="+mn-lt"/>
+              <a:ea typeface="+mn-ea"/>
+              <a:cs typeface="+mn-cs"/>
+            </a:defRPr>
+          </a:pPr>
+          <a:endParaRPr lang="en-US"/>
+        </a:p>
+      </c:txPr>
+    </c:title>
+    <c:autoTitleDeleted val="0"/>
+    <c:plotArea>
+      <c:layout/>
+      <c:barChart>
+        <c:barDir val="bar"/>
+        <c:grouping val="clustered"/>
+        <c:varyColors val="0"/>
+        <c:ser>
+          <c:idx val="0"/>
+          <c:order val="0"/>
+          <c:spPr>
+            <a:solidFill>
+              <a:srgbClr val="FF0000"/>
+            </a:solidFill>
+            <a:ln>
+              <a:noFill/>
+            </a:ln>
+            <a:effectLst/>
+          </c:spPr>
+          <c:invertIfNegative val="0"/>
+          <c:dLbls>
+            <c:spPr>
+              <a:noFill/>
+              <a:ln>
+                <a:noFill/>
+              </a:ln>
+              <a:effectLst/>
+            </c:spPr>
+            <c:txPr>
+              <a:bodyPr rot="0" spcFirstLastPara="1" vertOverflow="ellipsis" vert="horz" wrap="square" lIns="38100" tIns="19050" rIns="38100" bIns="19050" anchor="ctr" anchorCtr="1">
+                <a:spAutoFit/>
+              </a:bodyPr>
+              <a:lstStyle/>
+              <a:p>
+                <a:pPr>
+                  <a:defRPr sz="900" b="0" i="0" u="none" strike="noStrike" kern="1200" baseline="0">
+                    <a:solidFill>
+                      <a:schemeClr val="tx1">
+                        <a:lumMod val="75000"/>
+                        <a:lumOff val="25000"/>
+                      </a:schemeClr>
+                    </a:solidFill>
+                    <a:latin typeface="+mn-lt"/>
+                    <a:ea typeface="+mn-ea"/>
+                    <a:cs typeface="+mn-cs"/>
+                  </a:defRPr>
+                </a:pPr>
+                <a:endParaRPr lang="en-US"/>
+              </a:p>
+            </c:txPr>
+            <c:dLblPos val="outEnd"/>
+            <c:showLegendKey val="0"/>
+            <c:showVal val="1"/>
+            <c:showCatName val="0"/>
+            <c:showSerName val="0"/>
+            <c:showPercent val="0"/>
+            <c:showBubbleSize val="0"/>
+            <c:showLeaderLines val="0"/>
+            <c:extLst>
+              <c:ext xmlns:c15="http://schemas.microsoft.com/office/drawing/2012/chart" uri="{CE6537A1-D6FC-4f65-9D91-7224C49458BB}">
+                <c15:showLeaderLines val="1"/>
+                <c15:leaderLines>
+                  <c:spPr>
+                    <a:ln w="9525" cap="flat" cmpd="sng" algn="ctr">
+                      <a:solidFill>
+                        <a:schemeClr val="tx1">
+                          <a:lumMod val="35000"/>
+                          <a:lumOff val="65000"/>
+                        </a:schemeClr>
+                      </a:solidFill>
+                      <a:round/>
+                    </a:ln>
+                    <a:effectLst/>
+                  </c:spPr>
+                </c15:leaderLines>
+              </c:ext>
+            </c:extLst>
+          </c:dLbls>
+          <c:cat>
+            <c:strRef>
+              <c:f>test12!$B$2:$B$11</c:f>
+              <c:strCache>
+                <c:ptCount val="10"/>
+                <c:pt idx="0">
+                  <c:v>Hypertension</c:v>
+                </c:pt>
+                <c:pt idx="1">
+                  <c:v>Metabolic disorders</c:v>
+                </c:pt>
+                <c:pt idx="2">
+                  <c:v>Disorders of bone density and structure</c:v>
+                </c:pt>
+                <c:pt idx="3">
+                  <c:v>Renal failure</c:v>
+                </c:pt>
+                <c:pt idx="4">
+                  <c:v>Diseases of liver</c:v>
+                </c:pt>
+                <c:pt idx="5">
+                  <c:v>Abnormal tumor markers</c:v>
+                </c:pt>
+                <c:pt idx="6">
+                  <c:v>Abdominal and pelvic pain</c:v>
+                </c:pt>
+                <c:pt idx="7">
+                  <c:v>Age</c:v>
+                </c:pt>
+                <c:pt idx="8">
+                  <c:v>Aplastic and other anaemias</c:v>
+                </c:pt>
+                <c:pt idx="9">
+                  <c:v>Other medical care</c:v>
+                </c:pt>
+              </c:strCache>
+            </c:strRef>
+          </c:cat>
+          <c:val>
+            <c:numRef>
+              <c:f>test12!$D$2:$D$11</c:f>
+              <c:numCache>
+                <c:formatCode>General</c:formatCode>
+                <c:ptCount val="10"/>
+                <c:pt idx="0">
+                  <c:v>2.13</c:v>
+                </c:pt>
+                <c:pt idx="1">
+                  <c:v>0.99</c:v>
+                </c:pt>
+                <c:pt idx="2">
+                  <c:v>0.94</c:v>
+                </c:pt>
+                <c:pt idx="3">
+                  <c:v>0.64</c:v>
+                </c:pt>
+                <c:pt idx="4">
+                  <c:v>0.44</c:v>
+                </c:pt>
+                <c:pt idx="5">
+                  <c:v>0.44</c:v>
+                </c:pt>
+                <c:pt idx="6">
+                  <c:v>0.36</c:v>
+                </c:pt>
+                <c:pt idx="7">
+                  <c:v>0.27</c:v>
+                </c:pt>
+                <c:pt idx="8">
+                  <c:v>0.21</c:v>
+                </c:pt>
+                <c:pt idx="9">
+                  <c:v>0.2</c:v>
+                </c:pt>
+              </c:numCache>
+            </c:numRef>
+          </c:val>
+          <c:extLst>
+            <c:ext xmlns:c16="http://schemas.microsoft.com/office/drawing/2014/chart" uri="{C3380CC4-5D6E-409C-BE32-E72D297353CC}">
+              <c16:uniqueId val="{00000000-49C9-494B-9F3D-5FC908495169}"/>
+            </c:ext>
+          </c:extLst>
+        </c:ser>
+        <c:dLbls>
+          <c:dLblPos val="outEnd"/>
+          <c:showLegendKey val="0"/>
+          <c:showVal val="1"/>
+          <c:showCatName val="0"/>
+          <c:showSerName val="0"/>
+          <c:showPercent val="0"/>
+          <c:showBubbleSize val="0"/>
+        </c:dLbls>
+        <c:gapWidth val="182"/>
+        <c:axId val="738825840"/>
+        <c:axId val="738826168"/>
+      </c:barChart>
+      <c:catAx>
+        <c:axId val="738825840"/>
+        <c:scaling>
+          <c:orientation val="maxMin"/>
+        </c:scaling>
+        <c:delete val="0"/>
+        <c:axPos val="l"/>
+        <c:numFmt formatCode="General" sourceLinked="1"/>
+        <c:majorTickMark val="out"/>
+        <c:minorTickMark val="none"/>
+        <c:tickLblPos val="nextTo"/>
+        <c:spPr>
+          <a:noFill/>
+          <a:ln w="9525" cap="flat" cmpd="sng" algn="ctr">
+            <a:solidFill>
+              <a:schemeClr val="tx1">
+                <a:lumMod val="15000"/>
+                <a:lumOff val="85000"/>
+              </a:schemeClr>
+            </a:solidFill>
+            <a:round/>
+          </a:ln>
+          <a:effectLst/>
+        </c:spPr>
+        <c:txPr>
+          <a:bodyPr rot="-60000000" spcFirstLastPara="1" vertOverflow="ellipsis" vert="horz" wrap="square" anchor="ctr" anchorCtr="1"/>
+          <a:lstStyle/>
+          <a:p>
+            <a:pPr>
+              <a:defRPr sz="900" b="0" i="0" u="none" strike="noStrike" kern="1200" baseline="0">
+                <a:solidFill>
+                  <a:schemeClr val="tx1">
+                    <a:lumMod val="65000"/>
+                    <a:lumOff val="35000"/>
+                  </a:schemeClr>
+                </a:solidFill>
+                <a:latin typeface="+mn-lt"/>
+                <a:ea typeface="+mn-ea"/>
+                <a:cs typeface="+mn-cs"/>
+              </a:defRPr>
+            </a:pPr>
+            <a:endParaRPr lang="en-US"/>
+          </a:p>
+        </c:txPr>
+        <c:crossAx val="738826168"/>
+        <c:crosses val="autoZero"/>
+        <c:auto val="1"/>
+        <c:lblAlgn val="ctr"/>
+        <c:lblOffset val="100"/>
+        <c:noMultiLvlLbl val="0"/>
+      </c:catAx>
+      <c:valAx>
+        <c:axId val="738826168"/>
+        <c:scaling>
+          <c:orientation val="minMax"/>
+        </c:scaling>
+        <c:delete val="1"/>
+        <c:axPos val="t"/>
+        <c:majorGridlines>
+          <c:spPr>
+            <a:ln w="9525" cap="flat" cmpd="sng" algn="ctr">
+              <a:solidFill>
+                <a:schemeClr val="tx1">
+                  <a:lumMod val="15000"/>
+                  <a:lumOff val="85000"/>
+                </a:schemeClr>
+              </a:solidFill>
+              <a:round/>
+            </a:ln>
+            <a:effectLst/>
+          </c:spPr>
+        </c:majorGridlines>
+        <c:numFmt formatCode="General" sourceLinked="1"/>
+        <c:majorTickMark val="out"/>
+        <c:minorTickMark val="none"/>
+        <c:tickLblPos val="nextTo"/>
+        <c:crossAx val="738825840"/>
+        <c:crosses val="autoZero"/>
+        <c:crossBetween val="between"/>
+      </c:valAx>
+      <c:spPr>
+        <a:noFill/>
+        <a:ln>
+          <a:noFill/>
+        </a:ln>
+        <a:effectLst/>
+      </c:spPr>
+    </c:plotArea>
+    <c:plotVisOnly val="1"/>
+    <c:dispBlanksAs val="gap"/>
+    <c:extLst>
+      <c:ext xmlns:c16r3="http://schemas.microsoft.com/office/drawing/2017/03/chart" uri="{56B9EC1D-385E-4148-901F-78D8002777C0}">
+        <c16r3:dataDisplayOptions16>
+          <c16r3:dispNaAsBlank val="1"/>
+        </c16r3:dataDisplayOptions16>
+      </c:ext>
+    </c:extLst>
+    <c:showDLblsOverMax val="0"/>
+  </c:chart>
+  <c:spPr>
+    <a:noFill/>
+    <a:ln>
+      <a:noFill/>
+    </a:ln>
+    <a:effectLst/>
+  </c:spPr>
+  <c:txPr>
+    <a:bodyPr/>
+    <a:lstStyle/>
+    <a:p>
+      <a:pPr>
+        <a:defRPr/>
+      </a:pPr>
+      <a:endParaRPr lang="en-US"/>
+    </a:p>
+  </c:txPr>
+  <c:externalData r:id="rId3">
+    <c:autoUpdate val="0"/>
+  </c:externalData>
+</c:chartSpace>
+</file>
+
+<file path=ppt/charts/colors1.xml><?xml version="1.0" encoding="utf-8"?>
+<cs:colorStyle xmlns:cs="http://schemas.microsoft.com/office/drawing/2012/chartStyle" xmlns:a="http://schemas.openxmlformats.org/drawingml/2006/main" meth="cycle" id="10">
+  <a:schemeClr val="accent1"/>
+  <a:schemeClr val="accent2"/>
+  <a:schemeClr val="accent3"/>
+  <a:schemeClr val="accent4"/>
+  <a:schemeClr val="accent5"/>
+  <a:schemeClr val="accent6"/>
+  <cs:variation/>
+  <cs:variation>
+    <a:lumMod val="60000"/>
+  </cs:variation>
+  <cs:variation>
+    <a:lumMod val="80000"/>
+    <a:lumOff val="20000"/>
+  </cs:variation>
+  <cs:variation>
+    <a:lumMod val="80000"/>
+  </cs:variation>
+  <cs:variation>
+    <a:lumMod val="60000"/>
+    <a:lumOff val="40000"/>
+  </cs:variation>
+  <cs:variation>
+    <a:lumMod val="50000"/>
+  </cs:variation>
+  <cs:variation>
+    <a:lumMod val="70000"/>
+    <a:lumOff val="30000"/>
+  </cs:variation>
+  <cs:variation>
+    <a:lumMod val="70000"/>
+  </cs:variation>
+  <cs:variation>
+    <a:lumMod val="50000"/>
+    <a:lumOff val="50000"/>
+  </cs:variation>
+</cs:colorStyle>
+</file>
+
+<file path=ppt/charts/colors2.xml><?xml version="1.0" encoding="utf-8"?>
+<cs:colorStyle xmlns:cs="http://schemas.microsoft.com/office/drawing/2012/chartStyle" xmlns:a="http://schemas.openxmlformats.org/drawingml/2006/main" meth="cycle" id="10">
+  <a:schemeClr val="accent1"/>
+  <a:schemeClr val="accent2"/>
+  <a:schemeClr val="accent3"/>
+  <a:schemeClr val="accent4"/>
+  <a:schemeClr val="accent5"/>
+  <a:schemeClr val="accent6"/>
+  <cs:variation/>
+  <cs:variation>
+    <a:lumMod val="60000"/>
+  </cs:variation>
+  <cs:variation>
+    <a:lumMod val="80000"/>
+    <a:lumOff val="20000"/>
+  </cs:variation>
+  <cs:variation>
+    <a:lumMod val="80000"/>
+  </cs:variation>
+  <cs:variation>
+    <a:lumMod val="60000"/>
+    <a:lumOff val="40000"/>
+  </cs:variation>
+  <cs:variation>
+    <a:lumMod val="50000"/>
+  </cs:variation>
+  <cs:variation>
+    <a:lumMod val="70000"/>
+    <a:lumOff val="30000"/>
+  </cs:variation>
+  <cs:variation>
+    <a:lumMod val="70000"/>
+  </cs:variation>
+  <cs:variation>
+    <a:lumMod val="50000"/>
+    <a:lumOff val="50000"/>
+  </cs:variation>
+</cs:colorStyle>
+</file>
+
+<file path=ppt/charts/colors3.xml><?xml version="1.0" encoding="utf-8"?>
+<cs:colorStyle xmlns:cs="http://schemas.microsoft.com/office/drawing/2012/chartStyle" xmlns:a="http://schemas.openxmlformats.org/drawingml/2006/main" meth="cycle" id="10">
+  <a:schemeClr val="accent1"/>
+  <a:schemeClr val="accent2"/>
+  <a:schemeClr val="accent3"/>
+  <a:schemeClr val="accent4"/>
+  <a:schemeClr val="accent5"/>
+  <a:schemeClr val="accent6"/>
+  <cs:variation/>
+  <cs:variation>
+    <a:lumMod val="60000"/>
+  </cs:variation>
+  <cs:variation>
+    <a:lumMod val="80000"/>
+    <a:lumOff val="20000"/>
+  </cs:variation>
+  <cs:variation>
+    <a:lumMod val="80000"/>
+  </cs:variation>
+  <cs:variation>
+    <a:lumMod val="60000"/>
+    <a:lumOff val="40000"/>
+  </cs:variation>
+  <cs:variation>
+    <a:lumMod val="50000"/>
+  </cs:variation>
+  <cs:variation>
+    <a:lumMod val="70000"/>
+    <a:lumOff val="30000"/>
+  </cs:variation>
+  <cs:variation>
+    <a:lumMod val="70000"/>
+  </cs:variation>
+  <cs:variation>
+    <a:lumMod val="50000"/>
+    <a:lumOff val="50000"/>
+  </cs:variation>
+</cs:colorStyle>
+</file>
+
+<file path=ppt/charts/style1.xml><?xml version="1.0" encoding="utf-8"?>
+<cs:chartStyle xmlns:cs="http://schemas.microsoft.com/office/drawing/2012/chartStyle" xmlns:a="http://schemas.openxmlformats.org/drawingml/2006/main" id="253">
+  <cs:axisTitle>
+    <cs:lnRef idx="0"/>
+    <cs:fillRef idx="0"/>
+    <cs:effectRef idx="0"/>
+    <cs:fontRef idx="minor">
+      <a:schemeClr val="dk1">
+        <a:lumMod val="75000"/>
+        <a:lumOff val="25000"/>
+      </a:schemeClr>
+    </cs:fontRef>
+    <cs:defRPr sz="900" b="1" kern="1200"/>
+  </cs:axisTitle>
+  <cs:categoryAxis>
+    <cs:lnRef idx="0"/>
+    <cs:fillRef idx="0"/>
+    <cs:effectRef idx="0"/>
+    <cs:fontRef idx="minor">
+      <a:schemeClr val="dk1">
+        <a:lumMod val="75000"/>
+        <a:lumOff val="25000"/>
+      </a:schemeClr>
+    </cs:fontRef>
+    <cs:spPr>
+      <a:ln w="19050" cap="flat" cmpd="sng" algn="ctr">
+        <a:solidFill>
+          <a:schemeClr val="dk1">
+            <a:lumMod val="75000"/>
+            <a:lumOff val="25000"/>
+          </a:schemeClr>
+        </a:solidFill>
+        <a:round/>
+      </a:ln>
+    </cs:spPr>
+    <cs:defRPr sz="900" kern="1200" cap="all" baseline="0"/>
+  </cs:categoryAxis>
+  <cs:chartArea>
+    <cs:lnRef idx="0"/>
+    <cs:fillRef idx="0"/>
+    <cs:effectRef idx="0"/>
+    <cs:fontRef idx="minor">
+      <a:schemeClr val="dk1"/>
+    </cs:fontRef>
+    <cs:spPr>
+      <a:gradFill flip="none" rotWithShape="1">
+        <a:gsLst>
+          <a:gs pos="0">
+            <a:schemeClr val="lt1"/>
+          </a:gs>
+          <a:gs pos="39000">
+            <a:schemeClr val="lt1"/>
+          </a:gs>
+          <a:gs pos="100000">
+            <a:schemeClr val="lt1">
+              <a:lumMod val="75000"/>
+            </a:schemeClr>
+          </a:gs>
+        </a:gsLst>
+        <a:path path="circle">
+          <a:fillToRect l="50000" t="-80000" r="50000" b="180000"/>
+        </a:path>
+        <a:tileRect/>
+      </a:gradFill>
+      <a:ln w="9525" cap="flat" cmpd="sng" algn="ctr">
+        <a:solidFill>
+          <a:schemeClr val="dk1">
+            <a:lumMod val="25000"/>
+            <a:lumOff val="75000"/>
+          </a:schemeClr>
+        </a:solidFill>
+        <a:round/>
+      </a:ln>
+    </cs:spPr>
+    <cs:defRPr sz="900" kern="1200"/>
+  </cs:chartArea>
+  <cs:dataLabel>
+    <cs:lnRef idx="0"/>
+    <cs:fillRef idx="0"/>
+    <cs:effectRef idx="0"/>
+    <cs:fontRef idx="minor">
+      <a:schemeClr val="lt1"/>
+    </cs:fontRef>
+    <cs:spPr>
+      <a:pattFill prst="pct75">
+        <a:fgClr>
+          <a:schemeClr val="dk1">
+            <a:lumMod val="75000"/>
+            <a:lumOff val="25000"/>
+          </a:schemeClr>
+        </a:fgClr>
+        <a:bgClr>
+          <a:schemeClr val="dk1">
+            <a:lumMod val="65000"/>
+            <a:lumOff val="35000"/>
+          </a:schemeClr>
+        </a:bgClr>
+      </a:pattFill>
+      <a:effectLst>
+        <a:outerShdw blurRad="50800" dist="38100" dir="2700000" algn="tl" rotWithShape="0">
+          <a:prstClr val="black">
+            <a:alpha val="40000"/>
+          </a:prstClr>
+        </a:outerShdw>
+      </a:effectLst>
+    </cs:spPr>
+    <cs:defRPr sz="1000" b="1" i="0" u="none" strike="noStrike" kern="1200" baseline="0"/>
+  </cs:dataLabel>
+  <cs:dataLabelCallout>
+    <cs:lnRef idx="0"/>
+    <cs:fillRef idx="0"/>
+    <cs:effectRef idx="0"/>
+    <cs:fontRef idx="minor">
+      <a:schemeClr val="lt1"/>
+    </cs:fontRef>
+    <cs:spPr>
+      <a:pattFill prst="pct75">
+        <a:fgClr>
+          <a:schemeClr val="dk1">
+            <a:lumMod val="75000"/>
+            <a:lumOff val="25000"/>
+          </a:schemeClr>
+        </a:fgClr>
+        <a:bgClr>
+          <a:schemeClr val="dk1">
+            <a:lumMod val="65000"/>
+            <a:lumOff val="35000"/>
+          </a:schemeClr>
+        </a:bgClr>
+      </a:pattFill>
+      <a:effectLst>
+        <a:outerShdw blurRad="50800" dist="38100" dir="2700000" algn="tl" rotWithShape="0">
+          <a:prstClr val="black">
+            <a:alpha val="40000"/>
+          </a:prstClr>
+        </a:outerShdw>
+      </a:effectLst>
+    </cs:spPr>
+    <cs:defRPr sz="1000" b="1" i="0" u="none" strike="noStrike" kern="1200" baseline="0"/>
+    <cs:bodyPr rot="0" spcFirstLastPara="1" vertOverflow="clip" horzOverflow="clip" vert="horz" wrap="square" lIns="36576" tIns="18288" rIns="36576" bIns="18288" anchor="ctr" anchorCtr="1">
+      <a:spAutoFit/>
+    </cs:bodyPr>
+  </cs:dataLabelCallout>
+  <cs:dataPoint>
+    <cs:lnRef idx="0"/>
+    <cs:fillRef idx="0">
+      <cs:styleClr val="auto"/>
+    </cs:fillRef>
+    <cs:effectRef idx="0"/>
+    <cs:fontRef idx="minor">
+      <a:schemeClr val="dk1"/>
+    </cs:fontRef>
+    <cs:spPr>
+      <a:solidFill>
+        <a:schemeClr val="phClr"/>
+      </a:solidFill>
+      <a:effectLst>
+        <a:outerShdw blurRad="254000" sx="102000" sy="102000" algn="ctr" rotWithShape="0">
+          <a:prstClr val="black">
+            <a:alpha val="20000"/>
+          </a:prstClr>
+        </a:outerShdw>
+      </a:effectLst>
+    </cs:spPr>
+  </cs:dataPoint>
+  <cs:dataPoint3D>
+    <cs:lnRef idx="0"/>
+    <cs:fillRef idx="0">
+      <cs:styleClr val="auto"/>
+    </cs:fillRef>
+    <cs:effectRef idx="0"/>
+    <cs:fontRef idx="minor">
+      <a:schemeClr val="dk1"/>
+    </cs:fontRef>
+    <cs:spPr>
+      <a:solidFill>
+        <a:schemeClr val="phClr"/>
+      </a:solidFill>
+      <a:effectLst>
+        <a:outerShdw blurRad="254000" sx="102000" sy="102000" algn="ctr" rotWithShape="0">
+          <a:prstClr val="black">
+            <a:alpha val="20000"/>
+          </a:prstClr>
+        </a:outerShdw>
+      </a:effectLst>
+    </cs:spPr>
+  </cs:dataPoint3D>
+  <cs:dataPointLine>
+    <cs:lnRef idx="0">
+      <cs:styleClr val="auto"/>
+    </cs:lnRef>
+    <cs:fillRef idx="0"/>
+    <cs:effectRef idx="0"/>
+    <cs:fontRef idx="minor">
+      <a:schemeClr val="dk1"/>
+    </cs:fontRef>
+    <cs:spPr>
+      <a:ln w="31750" cap="rnd">
+        <a:solidFill>
+          <a:schemeClr val="phClr">
+            <a:alpha val="85000"/>
+          </a:schemeClr>
+        </a:solidFill>
+        <a:round/>
+      </a:ln>
+    </cs:spPr>
+  </cs:dataPointLine>
+  <cs:dataPointMarker>
+    <cs:lnRef idx="0"/>
+    <cs:fillRef idx="0">
+      <cs:styleClr val="auto"/>
+    </cs:fillRef>
+    <cs:effectRef idx="0"/>
+    <cs:fontRef idx="minor">
+      <a:schemeClr val="dk1"/>
+    </cs:fontRef>
+    <cs:spPr>
+      <a:solidFill>
+        <a:schemeClr val="phClr">
+          <a:alpha val="85000"/>
+        </a:schemeClr>
+      </a:solidFill>
+    </cs:spPr>
+  </cs:dataPointMarker>
+  <cs:dataPointMarkerLayout symbol="circle" size="6"/>
+  <cs:dataPointWireframe>
+    <cs:lnRef idx="0">
+      <cs:styleClr val="auto"/>
+    </cs:lnRef>
+    <cs:fillRef idx="0"/>
+    <cs:effectRef idx="0"/>
+    <cs:fontRef idx="minor">
+      <a:schemeClr val="dk1"/>
+    </cs:fontRef>
+    <cs:spPr>
+      <a:ln w="9525" cap="rnd">
+        <a:solidFill>
+          <a:schemeClr val="phClr"/>
+        </a:solidFill>
+        <a:round/>
+      </a:ln>
+    </cs:spPr>
+  </cs:dataPointWireframe>
+  <cs:dataTable>
+    <cs:lnRef idx="0"/>
+    <cs:fillRef idx="0"/>
+    <cs:effectRef idx="0"/>
+    <cs:fontRef idx="minor">
+      <a:schemeClr val="dk1">
+        <a:lumMod val="75000"/>
+        <a:lumOff val="25000"/>
+      </a:schemeClr>
+    </cs:fontRef>
+    <cs:spPr>
+      <a:ln w="9525">
+        <a:solidFill>
+          <a:schemeClr val="dk1">
+            <a:lumMod val="35000"/>
+            <a:lumOff val="65000"/>
+          </a:schemeClr>
+        </a:solidFill>
+      </a:ln>
+    </cs:spPr>
+    <cs:defRPr sz="900" kern="1200"/>
+  </cs:dataTable>
+  <cs:downBar>
+    <cs:lnRef idx="0"/>
+    <cs:fillRef idx="0"/>
+    <cs:effectRef idx="0"/>
+    <cs:fontRef idx="minor">
+      <a:schemeClr val="dk1"/>
+    </cs:fontRef>
+    <cs:spPr>
+      <a:solidFill>
+        <a:schemeClr val="dk1">
+          <a:lumMod val="50000"/>
+          <a:lumOff val="50000"/>
+        </a:schemeClr>
+      </a:solidFill>
+      <a:ln w="9525">
+        <a:solidFill>
+          <a:schemeClr val="dk1">
+            <a:lumMod val="65000"/>
+            <a:lumOff val="35000"/>
+          </a:schemeClr>
+        </a:solidFill>
+      </a:ln>
+    </cs:spPr>
+  </cs:downBar>
+  <cs:dropLine>
+    <cs:lnRef idx="0"/>
+    <cs:fillRef idx="0"/>
+    <cs:effectRef idx="0"/>
+    <cs:fontRef idx="minor">
+      <a:schemeClr val="dk1"/>
+    </cs:fontRef>
+    <cs:spPr>
+      <a:ln w="9525">
+        <a:solidFill>
+          <a:schemeClr val="dk1">
+            <a:lumMod val="35000"/>
+            <a:lumOff val="65000"/>
+          </a:schemeClr>
+        </a:solidFill>
+        <a:prstDash val="dash"/>
+      </a:ln>
+    </cs:spPr>
+  </cs:dropLine>
+  <cs:errorBar>
+    <cs:lnRef idx="0"/>
+    <cs:fillRef idx="0"/>
+    <cs:effectRef idx="0"/>
+    <cs:fontRef idx="minor">
+      <a:schemeClr val="dk1"/>
+    </cs:fontRef>
+    <cs:spPr>
+      <a:ln w="9525">
+        <a:solidFill>
+          <a:schemeClr val="dk1">
+            <a:lumMod val="65000"/>
+            <a:lumOff val="35000"/>
+          </a:schemeClr>
+        </a:solidFill>
+        <a:round/>
+      </a:ln>
+    </cs:spPr>
+  </cs:errorBar>
+  <cs:floor>
+    <cs:lnRef idx="0"/>
+    <cs:fillRef idx="0"/>
+    <cs:effectRef idx="0"/>
+    <cs:fontRef idx="minor">
+      <a:schemeClr val="dk1"/>
+    </cs:fontRef>
+  </cs:floor>
+  <cs:gridlineMajor>
+    <cs:lnRef idx="0"/>
+    <cs:fillRef idx="0"/>
+    <cs:effectRef idx="0"/>
+    <cs:fontRef idx="minor">
+      <a:schemeClr val="dk1"/>
+    </cs:fontRef>
+    <cs:spPr>
+      <a:ln w="9525" cap="flat" cmpd="sng" algn="ctr">
+        <a:gradFill>
+          <a:gsLst>
+            <a:gs pos="100000">
+              <a:schemeClr val="dk1">
+                <a:lumMod val="95000"/>
+                <a:lumOff val="5000"/>
+                <a:alpha val="42000"/>
+              </a:schemeClr>
+            </a:gs>
+            <a:gs pos="0">
+              <a:schemeClr val="lt1">
+                <a:lumMod val="75000"/>
+                <a:alpha val="36000"/>
+              </a:schemeClr>
+            </a:gs>
+          </a:gsLst>
+          <a:lin ang="5400000" scaled="0"/>
+        </a:gradFill>
+        <a:round/>
+      </a:ln>
+    </cs:spPr>
+  </cs:gridlineMajor>
+  <cs:gridlineMinor>
+    <cs:lnRef idx="0"/>
+    <cs:fillRef idx="0"/>
+    <cs:effectRef idx="0"/>
+    <cs:fontRef idx="minor">
+      <a:schemeClr val="dk1"/>
+    </cs:fontRef>
+    <cs:spPr>
+      <a:ln>
+        <a:gradFill>
+          <a:gsLst>
+            <a:gs pos="100000">
+              <a:schemeClr val="dk1">
+                <a:lumMod val="95000"/>
+                <a:lumOff val="5000"/>
+                <a:alpha val="42000"/>
+              </a:schemeClr>
+            </a:gs>
+            <a:gs pos="0">
+              <a:schemeClr val="lt1">
+                <a:lumMod val="75000"/>
+                <a:alpha val="36000"/>
+              </a:schemeClr>
+            </a:gs>
+          </a:gsLst>
+          <a:lin ang="5400000" scaled="0"/>
+        </a:gradFill>
+      </a:ln>
+    </cs:spPr>
+  </cs:gridlineMinor>
+  <cs:hiLoLine>
+    <cs:lnRef idx="0"/>
+    <cs:fillRef idx="0"/>
+    <cs:effectRef idx="0"/>
+    <cs:fontRef idx="minor">
+      <a:schemeClr val="dk1"/>
+    </cs:fontRef>
+    <cs:spPr>
+      <a:ln w="9525">
+        <a:solidFill>
+          <a:schemeClr val="dk1">
+            <a:lumMod val="35000"/>
+            <a:lumOff val="65000"/>
+          </a:schemeClr>
+        </a:solidFill>
+        <a:prstDash val="dash"/>
+      </a:ln>
+    </cs:spPr>
+  </cs:hiLoLine>
+  <cs:leaderLine>
+    <cs:lnRef idx="0"/>
+    <cs:fillRef idx="0"/>
+    <cs:effectRef idx="0"/>
+    <cs:fontRef idx="minor">
+      <a:schemeClr val="dk1"/>
+    </cs:fontRef>
+    <cs:spPr>
+      <a:ln w="9525">
+        <a:solidFill>
+          <a:schemeClr val="dk1">
+            <a:lumMod val="50000"/>
+            <a:lumOff val="50000"/>
+          </a:schemeClr>
+        </a:solidFill>
+      </a:ln>
+    </cs:spPr>
+  </cs:leaderLine>
+  <cs:legend>
+    <cs:lnRef idx="0"/>
+    <cs:fillRef idx="0"/>
+    <cs:effectRef idx="0"/>
+    <cs:fontRef idx="minor">
+      <a:schemeClr val="dk1">
+        <a:lumMod val="75000"/>
+        <a:lumOff val="25000"/>
+      </a:schemeClr>
+    </cs:fontRef>
+    <cs:spPr>
+      <a:solidFill>
+        <a:schemeClr val="lt1">
+          <a:lumMod val="95000"/>
+          <a:alpha val="39000"/>
+        </a:schemeClr>
+      </a:solidFill>
+    </cs:spPr>
+    <cs:defRPr sz="900" kern="1200"/>
+  </cs:legend>
+  <cs:plotArea>
+    <cs:lnRef idx="0"/>
+    <cs:fillRef idx="0"/>
+    <cs:effectRef idx="0"/>
+    <cs:fontRef idx="minor">
+      <a:schemeClr val="dk1"/>
+    </cs:fontRef>
+  </cs:plotArea>
+  <cs:plotArea3D>
+    <cs:lnRef idx="0"/>
+    <cs:fillRef idx="0"/>
+    <cs:effectRef idx="0"/>
+    <cs:fontRef idx="minor">
+      <a:schemeClr val="dk1"/>
+    </cs:fontRef>
+  </cs:plotArea3D>
+  <cs:seriesAxis>
+    <cs:lnRef idx="0"/>
+    <cs:fillRef idx="0"/>
+    <cs:effectRef idx="0"/>
+    <cs:fontRef idx="minor">
+      <a:schemeClr val="dk1">
+        <a:lumMod val="75000"/>
+        <a:lumOff val="25000"/>
+      </a:schemeClr>
+    </cs:fontRef>
+    <cs:spPr>
+      <a:ln w="31750" cap="flat" cmpd="sng" algn="ctr">
+        <a:solidFill>
+          <a:schemeClr val="dk1">
+            <a:lumMod val="75000"/>
+            <a:lumOff val="25000"/>
+          </a:schemeClr>
+        </a:solidFill>
+        <a:round/>
+      </a:ln>
+    </cs:spPr>
+    <cs:defRPr sz="900" kern="1200"/>
+  </cs:seriesAxis>
+  <cs:seriesLine>
+    <cs:lnRef idx="0"/>
+    <cs:fillRef idx="0"/>
+    <cs:effectRef idx="0"/>
+    <cs:fontRef idx="minor">
+      <a:schemeClr val="dk1"/>
+    </cs:fontRef>
+    <cs:spPr>
+      <a:ln w="9525">
+        <a:solidFill>
+          <a:schemeClr val="dk1">
+            <a:lumMod val="50000"/>
+            <a:lumOff val="50000"/>
+          </a:schemeClr>
+        </a:solidFill>
+        <a:round/>
+      </a:ln>
+    </cs:spPr>
+  </cs:seriesLine>
+  <cs:title>
+    <cs:lnRef idx="0"/>
+    <cs:fillRef idx="0"/>
+    <cs:effectRef idx="0"/>
+    <cs:fontRef idx="minor">
+      <a:schemeClr val="dk1">
+        <a:lumMod val="75000"/>
+        <a:lumOff val="25000"/>
+      </a:schemeClr>
+    </cs:fontRef>
+    <cs:defRPr sz="1800" b="1" kern="1200" baseline="0"/>
+  </cs:title>
+  <cs:trendline>
+    <cs:lnRef idx="0">
+      <cs:styleClr val="auto"/>
+    </cs:lnRef>
+    <cs:fillRef idx="0"/>
+    <cs:effectRef idx="0"/>
+    <cs:fontRef idx="minor">
+      <a:schemeClr val="dk1"/>
+    </cs:fontRef>
+    <cs:spPr>
+      <a:ln w="19050" cap="rnd">
+        <a:solidFill>
+          <a:schemeClr val="phClr"/>
+        </a:solidFill>
+      </a:ln>
+    </cs:spPr>
+  </cs:trendline>
+  <cs:trendlineLabel>
+    <cs:lnRef idx="0"/>
+    <cs:fillRef idx="0"/>
+    <cs:effectRef idx="0"/>
+    <cs:fontRef idx="minor">
+      <a:schemeClr val="dk1">
+        <a:lumMod val="75000"/>
+        <a:lumOff val="25000"/>
+      </a:schemeClr>
+    </cs:fontRef>
+    <cs:defRPr sz="900" kern="1200"/>
+  </cs:trendlineLabel>
+  <cs:upBar>
+    <cs:lnRef idx="0"/>
+    <cs:fillRef idx="0"/>
+    <cs:effectRef idx="0"/>
+    <cs:fontRef idx="minor">
+      <a:schemeClr val="dk1"/>
+    </cs:fontRef>
+    <cs:spPr>
+      <a:solidFill>
+        <a:schemeClr val="lt1"/>
+      </a:solidFill>
+      <a:ln w="9525">
+        <a:solidFill>
+          <a:schemeClr val="dk1">
+            <a:lumMod val="65000"/>
+            <a:lumOff val="35000"/>
+          </a:schemeClr>
+        </a:solidFill>
+      </a:ln>
+    </cs:spPr>
+  </cs:upBar>
+  <cs:valueAxis>
+    <cs:lnRef idx="0"/>
+    <cs:fillRef idx="0"/>
+    <cs:effectRef idx="0"/>
+    <cs:fontRef idx="minor">
+      <a:schemeClr val="dk1">
+        <a:lumMod val="75000"/>
+        <a:lumOff val="25000"/>
+      </a:schemeClr>
+    </cs:fontRef>
+    <cs:spPr>
+      <a:ln>
+        <a:noFill/>
+      </a:ln>
+    </cs:spPr>
+    <cs:defRPr sz="900" kern="1200"/>
+  </cs:valueAxis>
+  <cs:wall>
+    <cs:lnRef idx="0"/>
+    <cs:fillRef idx="0"/>
+    <cs:effectRef idx="0"/>
+    <cs:fontRef idx="minor">
+      <a:schemeClr val="dk1"/>
+    </cs:fontRef>
+  </cs:wall>
+</cs:chartStyle>
+</file>
+
+<file path=ppt/charts/style2.xml><?xml version="1.0" encoding="utf-8"?>
+<cs:chartStyle xmlns:cs="http://schemas.microsoft.com/office/drawing/2012/chartStyle" xmlns:a="http://schemas.openxmlformats.org/drawingml/2006/main" id="253">
+  <cs:axisTitle>
+    <cs:lnRef idx="0"/>
+    <cs:fillRef idx="0"/>
+    <cs:effectRef idx="0"/>
+    <cs:fontRef idx="minor">
+      <a:schemeClr val="dk1">
+        <a:lumMod val="75000"/>
+        <a:lumOff val="25000"/>
+      </a:schemeClr>
+    </cs:fontRef>
+    <cs:defRPr sz="900" b="1" kern="1200"/>
+  </cs:axisTitle>
+  <cs:categoryAxis>
+    <cs:lnRef idx="0"/>
+    <cs:fillRef idx="0"/>
+    <cs:effectRef idx="0"/>
+    <cs:fontRef idx="minor">
+      <a:schemeClr val="dk1">
+        <a:lumMod val="75000"/>
+        <a:lumOff val="25000"/>
+      </a:schemeClr>
+    </cs:fontRef>
+    <cs:spPr>
+      <a:ln w="19050" cap="flat" cmpd="sng" algn="ctr">
+        <a:solidFill>
+          <a:schemeClr val="dk1">
+            <a:lumMod val="75000"/>
+            <a:lumOff val="25000"/>
+          </a:schemeClr>
+        </a:solidFill>
+        <a:round/>
+      </a:ln>
+    </cs:spPr>
+    <cs:defRPr sz="900" kern="1200" cap="all" baseline="0"/>
+  </cs:categoryAxis>
+  <cs:chartArea>
+    <cs:lnRef idx="0"/>
+    <cs:fillRef idx="0"/>
+    <cs:effectRef idx="0"/>
+    <cs:fontRef idx="minor">
+      <a:schemeClr val="dk1"/>
+    </cs:fontRef>
+    <cs:spPr>
+      <a:gradFill flip="none" rotWithShape="1">
+        <a:gsLst>
+          <a:gs pos="0">
+            <a:schemeClr val="lt1"/>
+          </a:gs>
+          <a:gs pos="39000">
+            <a:schemeClr val="lt1"/>
+          </a:gs>
+          <a:gs pos="100000">
+            <a:schemeClr val="lt1">
+              <a:lumMod val="75000"/>
+            </a:schemeClr>
+          </a:gs>
+        </a:gsLst>
+        <a:path path="circle">
+          <a:fillToRect l="50000" t="-80000" r="50000" b="180000"/>
+        </a:path>
+        <a:tileRect/>
+      </a:gradFill>
+      <a:ln w="9525" cap="flat" cmpd="sng" algn="ctr">
+        <a:solidFill>
+          <a:schemeClr val="dk1">
+            <a:lumMod val="25000"/>
+            <a:lumOff val="75000"/>
+          </a:schemeClr>
+        </a:solidFill>
+        <a:round/>
+      </a:ln>
+    </cs:spPr>
+    <cs:defRPr sz="900" kern="1200"/>
+  </cs:chartArea>
+  <cs:dataLabel>
+    <cs:lnRef idx="0"/>
+    <cs:fillRef idx="0"/>
+    <cs:effectRef idx="0"/>
+    <cs:fontRef idx="minor">
+      <a:schemeClr val="lt1"/>
+    </cs:fontRef>
+    <cs:spPr>
+      <a:pattFill prst="pct75">
+        <a:fgClr>
+          <a:schemeClr val="dk1">
+            <a:lumMod val="75000"/>
+            <a:lumOff val="25000"/>
+          </a:schemeClr>
+        </a:fgClr>
+        <a:bgClr>
+          <a:schemeClr val="dk1">
+            <a:lumMod val="65000"/>
+            <a:lumOff val="35000"/>
+          </a:schemeClr>
+        </a:bgClr>
+      </a:pattFill>
+      <a:effectLst>
+        <a:outerShdw blurRad="50800" dist="38100" dir="2700000" algn="tl" rotWithShape="0">
+          <a:prstClr val="black">
+            <a:alpha val="40000"/>
+          </a:prstClr>
+        </a:outerShdw>
+      </a:effectLst>
+    </cs:spPr>
+    <cs:defRPr sz="1000" b="1" i="0" u="none" strike="noStrike" kern="1200" baseline="0"/>
+  </cs:dataLabel>
+  <cs:dataLabelCallout>
+    <cs:lnRef idx="0"/>
+    <cs:fillRef idx="0"/>
+    <cs:effectRef idx="0"/>
+    <cs:fontRef idx="minor">
+      <a:schemeClr val="lt1"/>
+    </cs:fontRef>
+    <cs:spPr>
+      <a:pattFill prst="pct75">
+        <a:fgClr>
+          <a:schemeClr val="dk1">
+            <a:lumMod val="75000"/>
+            <a:lumOff val="25000"/>
+          </a:schemeClr>
+        </a:fgClr>
+        <a:bgClr>
+          <a:schemeClr val="dk1">
+            <a:lumMod val="65000"/>
+            <a:lumOff val="35000"/>
+          </a:schemeClr>
+        </a:bgClr>
+      </a:pattFill>
+      <a:effectLst>
+        <a:outerShdw blurRad="50800" dist="38100" dir="2700000" algn="tl" rotWithShape="0">
+          <a:prstClr val="black">
+            <a:alpha val="40000"/>
+          </a:prstClr>
+        </a:outerShdw>
+      </a:effectLst>
+    </cs:spPr>
+    <cs:defRPr sz="1000" b="1" i="0" u="none" strike="noStrike" kern="1200" baseline="0"/>
+    <cs:bodyPr rot="0" spcFirstLastPara="1" vertOverflow="clip" horzOverflow="clip" vert="horz" wrap="square" lIns="36576" tIns="18288" rIns="36576" bIns="18288" anchor="ctr" anchorCtr="1">
+      <a:spAutoFit/>
+    </cs:bodyPr>
+  </cs:dataLabelCallout>
+  <cs:dataPoint>
+    <cs:lnRef idx="0"/>
+    <cs:fillRef idx="0">
+      <cs:styleClr val="auto"/>
+    </cs:fillRef>
+    <cs:effectRef idx="0"/>
+    <cs:fontRef idx="minor">
+      <a:schemeClr val="dk1"/>
+    </cs:fontRef>
+    <cs:spPr>
+      <a:solidFill>
+        <a:schemeClr val="phClr"/>
+      </a:solidFill>
+      <a:effectLst>
+        <a:outerShdw blurRad="254000" sx="102000" sy="102000" algn="ctr" rotWithShape="0">
+          <a:prstClr val="black">
+            <a:alpha val="20000"/>
+          </a:prstClr>
+        </a:outerShdw>
+      </a:effectLst>
+    </cs:spPr>
+  </cs:dataPoint>
+  <cs:dataPoint3D>
+    <cs:lnRef idx="0"/>
+    <cs:fillRef idx="0">
+      <cs:styleClr val="auto"/>
+    </cs:fillRef>
+    <cs:effectRef idx="0"/>
+    <cs:fontRef idx="minor">
+      <a:schemeClr val="dk1"/>
+    </cs:fontRef>
+    <cs:spPr>
+      <a:solidFill>
+        <a:schemeClr val="phClr"/>
+      </a:solidFill>
+      <a:effectLst>
+        <a:outerShdw blurRad="254000" sx="102000" sy="102000" algn="ctr" rotWithShape="0">
+          <a:prstClr val="black">
+            <a:alpha val="20000"/>
+          </a:prstClr>
+        </a:outerShdw>
+      </a:effectLst>
+    </cs:spPr>
+  </cs:dataPoint3D>
+  <cs:dataPointLine>
+    <cs:lnRef idx="0">
+      <cs:styleClr val="auto"/>
+    </cs:lnRef>
+    <cs:fillRef idx="0"/>
+    <cs:effectRef idx="0"/>
+    <cs:fontRef idx="minor">
+      <a:schemeClr val="dk1"/>
+    </cs:fontRef>
+    <cs:spPr>
+      <a:ln w="31750" cap="rnd">
+        <a:solidFill>
+          <a:schemeClr val="phClr">
+            <a:alpha val="85000"/>
+          </a:schemeClr>
+        </a:solidFill>
+        <a:round/>
+      </a:ln>
+    </cs:spPr>
+  </cs:dataPointLine>
+  <cs:dataPointMarker>
+    <cs:lnRef idx="0"/>
+    <cs:fillRef idx="0">
+      <cs:styleClr val="auto"/>
+    </cs:fillRef>
+    <cs:effectRef idx="0"/>
+    <cs:fontRef idx="minor">
+      <a:schemeClr val="dk1"/>
+    </cs:fontRef>
+    <cs:spPr>
+      <a:solidFill>
+        <a:schemeClr val="phClr">
+          <a:alpha val="85000"/>
+        </a:schemeClr>
+      </a:solidFill>
+    </cs:spPr>
+  </cs:dataPointMarker>
+  <cs:dataPointMarkerLayout symbol="circle" size="6"/>
+  <cs:dataPointWireframe>
+    <cs:lnRef idx="0">
+      <cs:styleClr val="auto"/>
+    </cs:lnRef>
+    <cs:fillRef idx="0"/>
+    <cs:effectRef idx="0"/>
+    <cs:fontRef idx="minor">
+      <a:schemeClr val="dk1"/>
+    </cs:fontRef>
+    <cs:spPr>
+      <a:ln w="9525" cap="rnd">
+        <a:solidFill>
+          <a:schemeClr val="phClr"/>
+        </a:solidFill>
+        <a:round/>
+      </a:ln>
+    </cs:spPr>
+  </cs:dataPointWireframe>
+  <cs:dataTable>
+    <cs:lnRef idx="0"/>
+    <cs:fillRef idx="0"/>
+    <cs:effectRef idx="0"/>
+    <cs:fontRef idx="minor">
+      <a:schemeClr val="dk1">
+        <a:lumMod val="75000"/>
+        <a:lumOff val="25000"/>
+      </a:schemeClr>
+    </cs:fontRef>
+    <cs:spPr>
+      <a:ln w="9525">
+        <a:solidFill>
+          <a:schemeClr val="dk1">
+            <a:lumMod val="35000"/>
+            <a:lumOff val="65000"/>
+          </a:schemeClr>
+        </a:solidFill>
+      </a:ln>
+    </cs:spPr>
+    <cs:defRPr sz="900" kern="1200"/>
+  </cs:dataTable>
+  <cs:downBar>
+    <cs:lnRef idx="0"/>
+    <cs:fillRef idx="0"/>
+    <cs:effectRef idx="0"/>
+    <cs:fontRef idx="minor">
+      <a:schemeClr val="dk1"/>
+    </cs:fontRef>
+    <cs:spPr>
+      <a:solidFill>
+        <a:schemeClr val="dk1">
+          <a:lumMod val="50000"/>
+          <a:lumOff val="50000"/>
+        </a:schemeClr>
+      </a:solidFill>
+      <a:ln w="9525">
+        <a:solidFill>
+          <a:schemeClr val="dk1">
+            <a:lumMod val="65000"/>
+            <a:lumOff val="35000"/>
+          </a:schemeClr>
+        </a:solidFill>
+      </a:ln>
+    </cs:spPr>
+  </cs:downBar>
+  <cs:dropLine>
+    <cs:lnRef idx="0"/>
+    <cs:fillRef idx="0"/>
+    <cs:effectRef idx="0"/>
+    <cs:fontRef idx="minor">
+      <a:schemeClr val="dk1"/>
+    </cs:fontRef>
+    <cs:spPr>
+      <a:ln w="9525">
+        <a:solidFill>
+          <a:schemeClr val="dk1">
+            <a:lumMod val="35000"/>
+            <a:lumOff val="65000"/>
+          </a:schemeClr>
+        </a:solidFill>
+        <a:prstDash val="dash"/>
+      </a:ln>
+    </cs:spPr>
+  </cs:dropLine>
+  <cs:errorBar>
+    <cs:lnRef idx="0"/>
+    <cs:fillRef idx="0"/>
+    <cs:effectRef idx="0"/>
+    <cs:fontRef idx="minor">
+      <a:schemeClr val="dk1"/>
+    </cs:fontRef>
+    <cs:spPr>
+      <a:ln w="9525">
+        <a:solidFill>
+          <a:schemeClr val="dk1">
+            <a:lumMod val="65000"/>
+            <a:lumOff val="35000"/>
+          </a:schemeClr>
+        </a:solidFill>
+        <a:round/>
+      </a:ln>
+    </cs:spPr>
+  </cs:errorBar>
+  <cs:floor>
+    <cs:lnRef idx="0"/>
+    <cs:fillRef idx="0"/>
+    <cs:effectRef idx="0"/>
+    <cs:fontRef idx="minor">
+      <a:schemeClr val="dk1"/>
+    </cs:fontRef>
+  </cs:floor>
+  <cs:gridlineMajor>
+    <cs:lnRef idx="0"/>
+    <cs:fillRef idx="0"/>
+    <cs:effectRef idx="0"/>
+    <cs:fontRef idx="minor">
+      <a:schemeClr val="dk1"/>
+    </cs:fontRef>
+    <cs:spPr>
+      <a:ln w="9525" cap="flat" cmpd="sng" algn="ctr">
+        <a:gradFill>
+          <a:gsLst>
+            <a:gs pos="100000">
+              <a:schemeClr val="dk1">
+                <a:lumMod val="95000"/>
+                <a:lumOff val="5000"/>
+                <a:alpha val="42000"/>
+              </a:schemeClr>
+            </a:gs>
+            <a:gs pos="0">
+              <a:schemeClr val="lt1">
+                <a:lumMod val="75000"/>
+                <a:alpha val="36000"/>
+              </a:schemeClr>
+            </a:gs>
+          </a:gsLst>
+          <a:lin ang="5400000" scaled="0"/>
+        </a:gradFill>
+        <a:round/>
+      </a:ln>
+    </cs:spPr>
+  </cs:gridlineMajor>
+  <cs:gridlineMinor>
+    <cs:lnRef idx="0"/>
+    <cs:fillRef idx="0"/>
+    <cs:effectRef idx="0"/>
+    <cs:fontRef idx="minor">
+      <a:schemeClr val="dk1"/>
+    </cs:fontRef>
+    <cs:spPr>
+      <a:ln>
+        <a:gradFill>
+          <a:gsLst>
+            <a:gs pos="100000">
+              <a:schemeClr val="dk1">
+                <a:lumMod val="95000"/>
+                <a:lumOff val="5000"/>
+                <a:alpha val="42000"/>
+              </a:schemeClr>
+            </a:gs>
+            <a:gs pos="0">
+              <a:schemeClr val="lt1">
+                <a:lumMod val="75000"/>
+                <a:alpha val="36000"/>
+              </a:schemeClr>
+            </a:gs>
+          </a:gsLst>
+          <a:lin ang="5400000" scaled="0"/>
+        </a:gradFill>
+      </a:ln>
+    </cs:spPr>
+  </cs:gridlineMinor>
+  <cs:hiLoLine>
+    <cs:lnRef idx="0"/>
+    <cs:fillRef idx="0"/>
+    <cs:effectRef idx="0"/>
+    <cs:fontRef idx="minor">
+      <a:schemeClr val="dk1"/>
+    </cs:fontRef>
+    <cs:spPr>
+      <a:ln w="9525">
+        <a:solidFill>
+          <a:schemeClr val="dk1">
+            <a:lumMod val="35000"/>
+            <a:lumOff val="65000"/>
+          </a:schemeClr>
+        </a:solidFill>
+        <a:prstDash val="dash"/>
+      </a:ln>
+    </cs:spPr>
+  </cs:hiLoLine>
+  <cs:leaderLine>
+    <cs:lnRef idx="0"/>
+    <cs:fillRef idx="0"/>
+    <cs:effectRef idx="0"/>
+    <cs:fontRef idx="minor">
+      <a:schemeClr val="dk1"/>
+    </cs:fontRef>
+    <cs:spPr>
+      <a:ln w="9525">
+        <a:solidFill>
+          <a:schemeClr val="dk1">
+            <a:lumMod val="50000"/>
+            <a:lumOff val="50000"/>
+          </a:schemeClr>
+        </a:solidFill>
+      </a:ln>
+    </cs:spPr>
+  </cs:leaderLine>
+  <cs:legend>
+    <cs:lnRef idx="0"/>
+    <cs:fillRef idx="0"/>
+    <cs:effectRef idx="0"/>
+    <cs:fontRef idx="minor">
+      <a:schemeClr val="dk1">
+        <a:lumMod val="75000"/>
+        <a:lumOff val="25000"/>
+      </a:schemeClr>
+    </cs:fontRef>
+    <cs:spPr>
+      <a:solidFill>
+        <a:schemeClr val="lt1">
+          <a:lumMod val="95000"/>
+          <a:alpha val="39000"/>
+        </a:schemeClr>
+      </a:solidFill>
+    </cs:spPr>
+    <cs:defRPr sz="900" kern="1200"/>
+  </cs:legend>
+  <cs:plotArea>
+    <cs:lnRef idx="0"/>
+    <cs:fillRef idx="0"/>
+    <cs:effectRef idx="0"/>
+    <cs:fontRef idx="minor">
+      <a:schemeClr val="dk1"/>
+    </cs:fontRef>
+  </cs:plotArea>
+  <cs:plotArea3D>
+    <cs:lnRef idx="0"/>
+    <cs:fillRef idx="0"/>
+    <cs:effectRef idx="0"/>
+    <cs:fontRef idx="minor">
+      <a:schemeClr val="dk1"/>
+    </cs:fontRef>
+  </cs:plotArea3D>
+  <cs:seriesAxis>
+    <cs:lnRef idx="0"/>
+    <cs:fillRef idx="0"/>
+    <cs:effectRef idx="0"/>
+    <cs:fontRef idx="minor">
+      <a:schemeClr val="dk1">
+        <a:lumMod val="75000"/>
+        <a:lumOff val="25000"/>
+      </a:schemeClr>
+    </cs:fontRef>
+    <cs:spPr>
+      <a:ln w="31750" cap="flat" cmpd="sng" algn="ctr">
+        <a:solidFill>
+          <a:schemeClr val="dk1">
+            <a:lumMod val="75000"/>
+            <a:lumOff val="25000"/>
+          </a:schemeClr>
+        </a:solidFill>
+        <a:round/>
+      </a:ln>
+    </cs:spPr>
+    <cs:defRPr sz="900" kern="1200"/>
+  </cs:seriesAxis>
+  <cs:seriesLine>
+    <cs:lnRef idx="0"/>
+    <cs:fillRef idx="0"/>
+    <cs:effectRef idx="0"/>
+    <cs:fontRef idx="minor">
+      <a:schemeClr val="dk1"/>
+    </cs:fontRef>
+    <cs:spPr>
+      <a:ln w="9525">
+        <a:solidFill>
+          <a:schemeClr val="dk1">
+            <a:lumMod val="50000"/>
+            <a:lumOff val="50000"/>
+          </a:schemeClr>
+        </a:solidFill>
+        <a:round/>
+      </a:ln>
+    </cs:spPr>
+  </cs:seriesLine>
+  <cs:title>
+    <cs:lnRef idx="0"/>
+    <cs:fillRef idx="0"/>
+    <cs:effectRef idx="0"/>
+    <cs:fontRef idx="minor">
+      <a:schemeClr val="dk1">
+        <a:lumMod val="75000"/>
+        <a:lumOff val="25000"/>
+      </a:schemeClr>
+    </cs:fontRef>
+    <cs:defRPr sz="1800" b="1" kern="1200" baseline="0"/>
+  </cs:title>
+  <cs:trendline>
+    <cs:lnRef idx="0">
+      <cs:styleClr val="auto"/>
+    </cs:lnRef>
+    <cs:fillRef idx="0"/>
+    <cs:effectRef idx="0"/>
+    <cs:fontRef idx="minor">
+      <a:schemeClr val="dk1"/>
+    </cs:fontRef>
+    <cs:spPr>
+      <a:ln w="19050" cap="rnd">
+        <a:solidFill>
+          <a:schemeClr val="phClr"/>
+        </a:solidFill>
+      </a:ln>
+    </cs:spPr>
+  </cs:trendline>
+  <cs:trendlineLabel>
+    <cs:lnRef idx="0"/>
+    <cs:fillRef idx="0"/>
+    <cs:effectRef idx="0"/>
+    <cs:fontRef idx="minor">
+      <a:schemeClr val="dk1">
+        <a:lumMod val="75000"/>
+        <a:lumOff val="25000"/>
+      </a:schemeClr>
+    </cs:fontRef>
+    <cs:defRPr sz="900" kern="1200"/>
+  </cs:trendlineLabel>
+  <cs:upBar>
+    <cs:lnRef idx="0"/>
+    <cs:fillRef idx="0"/>
+    <cs:effectRef idx="0"/>
+    <cs:fontRef idx="minor">
+      <a:schemeClr val="dk1"/>
+    </cs:fontRef>
+    <cs:spPr>
+      <a:solidFill>
+        <a:schemeClr val="lt1"/>
+      </a:solidFill>
+      <a:ln w="9525">
+        <a:solidFill>
+          <a:schemeClr val="dk1">
+            <a:lumMod val="65000"/>
+            <a:lumOff val="35000"/>
+          </a:schemeClr>
+        </a:solidFill>
+      </a:ln>
+    </cs:spPr>
+  </cs:upBar>
+  <cs:valueAxis>
+    <cs:lnRef idx="0"/>
+    <cs:fillRef idx="0"/>
+    <cs:effectRef idx="0"/>
+    <cs:fontRef idx="minor">
+      <a:schemeClr val="dk1">
+        <a:lumMod val="75000"/>
+        <a:lumOff val="25000"/>
+      </a:schemeClr>
+    </cs:fontRef>
+    <cs:spPr>
+      <a:ln>
+        <a:noFill/>
+      </a:ln>
+    </cs:spPr>
+    <cs:defRPr sz="900" kern="1200"/>
+  </cs:valueAxis>
+  <cs:wall>
+    <cs:lnRef idx="0"/>
+    <cs:fillRef idx="0"/>
+    <cs:effectRef idx="0"/>
+    <cs:fontRef idx="minor">
+      <a:schemeClr val="dk1"/>
+    </cs:fontRef>
+  </cs:wall>
+</cs:chartStyle>
+</file>
+
+<file path=ppt/charts/style3.xml><?xml version="1.0" encoding="utf-8"?>
+<cs:chartStyle xmlns:cs="http://schemas.microsoft.com/office/drawing/2012/chartStyle" xmlns:a="http://schemas.openxmlformats.org/drawingml/2006/main" id="216">
+  <cs:axisTitle>
+    <cs:lnRef idx="0"/>
+    <cs:fillRef idx="0"/>
+    <cs:effectRef idx="0"/>
+    <cs:fontRef idx="minor">
+      <a:schemeClr val="tx1">
+        <a:lumMod val="65000"/>
+        <a:lumOff val="35000"/>
+      </a:schemeClr>
+    </cs:fontRef>
+    <cs:defRPr sz="1000" kern="1200"/>
+  </cs:axisTitle>
+  <cs:categoryAxis>
+    <cs:lnRef idx="0"/>
+    <cs:fillRef idx="0"/>
+    <cs:effectRef idx="0"/>
+    <cs:fontRef idx="minor">
+      <a:schemeClr val="tx1">
+        <a:lumMod val="65000"/>
+        <a:lumOff val="35000"/>
+      </a:schemeClr>
+    </cs:fontRef>
+    <cs:spPr>
+      <a:ln w="9525" cap="flat" cmpd="sng" algn="ctr">
+        <a:solidFill>
+          <a:schemeClr val="tx1">
+            <a:lumMod val="15000"/>
+            <a:lumOff val="85000"/>
+          </a:schemeClr>
+        </a:solidFill>
+        <a:round/>
+      </a:ln>
+    </cs:spPr>
+    <cs:defRPr sz="900" kern="1200"/>
+  </cs:categoryAxis>
+  <cs:chartArea mods="allowNoFillOverride allowNoLineOverride">
+    <cs:lnRef idx="0"/>
+    <cs:fillRef idx="0"/>
+    <cs:effectRef idx="0"/>
+    <cs:fontRef idx="minor">
+      <a:schemeClr val="tx1"/>
+    </cs:fontRef>
+    <cs:spPr>
+      <a:solidFill>
+        <a:schemeClr val="bg1"/>
+      </a:solidFill>
+      <a:ln w="9525" cap="flat" cmpd="sng" algn="ctr">
+        <a:solidFill>
+          <a:schemeClr val="tx1">
+            <a:lumMod val="15000"/>
+            <a:lumOff val="85000"/>
+          </a:schemeClr>
+        </a:solidFill>
+        <a:round/>
+      </a:ln>
+    </cs:spPr>
+    <cs:defRPr sz="1000" kern="1200"/>
+  </cs:chartArea>
+  <cs:dataLabel>
+    <cs:lnRef idx="0"/>
+    <cs:fillRef idx="0"/>
+    <cs:effectRef idx="0"/>
+    <cs:fontRef idx="minor">
+      <a:schemeClr val="tx1">
+        <a:lumMod val="75000"/>
+        <a:lumOff val="25000"/>
+      </a:schemeClr>
+    </cs:fontRef>
+    <cs:defRPr sz="900" kern="1200"/>
+  </cs:dataLabel>
+  <cs:dataLabelCallout>
+    <cs:lnRef idx="0"/>
+    <cs:fillRef idx="0"/>
+    <cs:effectRef idx="0"/>
+    <cs:fontRef idx="minor">
+      <a:schemeClr val="dk1">
+        <a:lumMod val="65000"/>
+        <a:lumOff val="35000"/>
+      </a:schemeClr>
+    </cs:fontRef>
+    <cs:spPr>
+      <a:solidFill>
+        <a:schemeClr val="lt1"/>
+      </a:solidFill>
+      <a:ln>
+        <a:solidFill>
+          <a:schemeClr val="dk1">
+            <a:lumMod val="25000"/>
+            <a:lumOff val="75000"/>
+          </a:schemeClr>
+        </a:solidFill>
+      </a:ln>
+    </cs:spPr>
+    <cs:defRPr sz="900" kern="1200"/>
+    <cs:bodyPr rot="0" spcFirstLastPara="1" vertOverflow="clip" horzOverflow="clip" vert="horz" wrap="square" lIns="36576" tIns="18288" rIns="36576" bIns="18288" anchor="ctr" anchorCtr="1">
+      <a:spAutoFit/>
+    </cs:bodyPr>
+  </cs:dataLabelCallout>
+  <cs:dataPoint>
+    <cs:lnRef idx="0"/>
+    <cs:fillRef idx="1">
+      <cs:styleClr val="auto"/>
+    </cs:fillRef>
+    <cs:effectRef idx="0"/>
+    <cs:fontRef idx="minor">
+      <a:schemeClr val="tx1"/>
+    </cs:fontRef>
+  </cs:dataPoint>
+  <cs:dataPoint3D>
+    <cs:lnRef idx="0"/>
+    <cs:fillRef idx="1">
+      <cs:styleClr val="auto"/>
+    </cs:fillRef>
+    <cs:effectRef idx="0"/>
+    <cs:fontRef idx="minor">
+      <a:schemeClr val="tx1"/>
+    </cs:fontRef>
+  </cs:dataPoint3D>
+  <cs:dataPointLine>
+    <cs:lnRef idx="0">
+      <cs:styleClr val="auto"/>
+    </cs:lnRef>
+    <cs:fillRef idx="1"/>
+    <cs:effectRef idx="0"/>
+    <cs:fontRef idx="minor">
+      <a:schemeClr val="tx1"/>
+    </cs:fontRef>
+    <cs:spPr>
+      <a:ln w="28575" cap="rnd">
+        <a:solidFill>
+          <a:schemeClr val="phClr"/>
+        </a:solidFill>
+        <a:round/>
+      </a:ln>
+    </cs:spPr>
+  </cs:dataPointLine>
+  <cs:dataPointMarker>
+    <cs:lnRef idx="0">
+      <cs:styleClr val="auto"/>
+    </cs:lnRef>
+    <cs:fillRef idx="1">
+      <cs:styleClr val="auto"/>
+    </cs:fillRef>
+    <cs:effectRef idx="0"/>
+    <cs:fontRef idx="minor">
+      <a:schemeClr val="tx1"/>
+    </cs:fontRef>
+    <cs:spPr>
+      <a:ln w="9525">
+        <a:solidFill>
+          <a:schemeClr val="phClr"/>
+        </a:solidFill>
+      </a:ln>
+    </cs:spPr>
+  </cs:dataPointMarker>
+  <cs:dataPointMarkerLayout symbol="circle" size="5"/>
+  <cs:dataPointWireframe>
+    <cs:lnRef idx="0">
+      <cs:styleClr val="auto"/>
+    </cs:lnRef>
+    <cs:fillRef idx="1"/>
+    <cs:effectRef idx="0"/>
+    <cs:fontRef idx="minor">
+      <a:schemeClr val="tx1"/>
+    </cs:fontRef>
+    <cs:spPr>
+      <a:ln w="9525" cap="rnd">
+        <a:solidFill>
+          <a:schemeClr val="phClr"/>
+        </a:solidFill>
+        <a:round/>
+      </a:ln>
+    </cs:spPr>
+  </cs:dataPointWireframe>
+  <cs:dataTable>
+    <cs:lnRef idx="0"/>
+    <cs:fillRef idx="0"/>
+    <cs:effectRef idx="0"/>
+    <cs:fontRef idx="minor">
+      <a:schemeClr val="tx1">
+        <a:lumMod val="65000"/>
+        <a:lumOff val="35000"/>
+      </a:schemeClr>
+    </cs:fontRef>
+    <cs:spPr>
+      <a:noFill/>
+      <a:ln w="9525" cap="flat" cmpd="sng" algn="ctr">
+        <a:solidFill>
+          <a:schemeClr val="tx1">
+            <a:lumMod val="15000"/>
+            <a:lumOff val="85000"/>
+          </a:schemeClr>
+        </a:solidFill>
+        <a:round/>
+      </a:ln>
+    </cs:spPr>
+    <cs:defRPr sz="900" kern="1200"/>
+  </cs:dataTable>
+  <cs:downBar>
+    <cs:lnRef idx="0"/>
+    <cs:fillRef idx="0"/>
+    <cs:effectRef idx="0"/>
+    <cs:fontRef idx="minor">
+      <a:schemeClr val="tx1"/>
+    </cs:fontRef>
+    <cs:spPr>
+      <a:solidFill>
+        <a:schemeClr val="dk1">
+          <a:lumMod val="75000"/>
+          <a:lumOff val="25000"/>
+        </a:schemeClr>
+      </a:solidFill>
+      <a:ln w="9525" cap="flat" cmpd="sng" algn="ctr">
+        <a:solidFill>
+          <a:schemeClr val="tx1">
+            <a:lumMod val="65000"/>
+            <a:lumOff val="35000"/>
+          </a:schemeClr>
+        </a:solidFill>
+        <a:round/>
+      </a:ln>
+    </cs:spPr>
+  </cs:downBar>
+  <cs:dropLine>
+    <cs:lnRef idx="0"/>
+    <cs:fillRef idx="0"/>
+    <cs:effectRef idx="0"/>
+    <cs:fontRef idx="minor">
+      <a:schemeClr val="tx1"/>
+    </cs:fontRef>
+    <cs:spPr>
+      <a:ln w="9525" cap="flat" cmpd="sng" algn="ctr">
+        <a:solidFill>
+          <a:schemeClr val="tx1">
+            <a:lumMod val="35000"/>
+            <a:lumOff val="65000"/>
+          </a:schemeClr>
+        </a:solidFill>
+        <a:round/>
+      </a:ln>
+    </cs:spPr>
+  </cs:dropLine>
+  <cs:errorBar>
+    <cs:lnRef idx="0"/>
+    <cs:fillRef idx="0"/>
+    <cs:effectRef idx="0"/>
+    <cs:fontRef idx="minor">
+      <a:schemeClr val="tx1"/>
+    </cs:fontRef>
+    <cs:spPr>
+      <a:ln w="9525" cap="flat" cmpd="sng" algn="ctr">
+        <a:solidFill>
+          <a:schemeClr val="tx1">
+            <a:lumMod val="65000"/>
+            <a:lumOff val="35000"/>
+          </a:schemeClr>
+        </a:solidFill>
+        <a:round/>
+      </a:ln>
+    </cs:spPr>
+  </cs:errorBar>
+  <cs:floor>
+    <cs:lnRef idx="0"/>
+    <cs:fillRef idx="0"/>
+    <cs:effectRef idx="0"/>
+    <cs:fontRef idx="minor">
+      <a:schemeClr val="tx1"/>
+    </cs:fontRef>
+    <cs:spPr>
+      <a:noFill/>
+      <a:ln>
+        <a:noFill/>
+      </a:ln>
+    </cs:spPr>
+  </cs:floor>
+  <cs:gridlineMajor>
+    <cs:lnRef idx="0"/>
+    <cs:fillRef idx="0"/>
+    <cs:effectRef idx="0"/>
+    <cs:fontRef idx="minor">
+      <a:schemeClr val="tx1"/>
+    </cs:fontRef>
+    <cs:spPr>
+      <a:ln w="9525" cap="flat" cmpd="sng" algn="ctr">
+        <a:solidFill>
+          <a:schemeClr val="tx1">
+            <a:lumMod val="15000"/>
+            <a:lumOff val="85000"/>
+          </a:schemeClr>
+        </a:solidFill>
+        <a:round/>
+      </a:ln>
+    </cs:spPr>
+  </cs:gridlineMajor>
+  <cs:gridlineMinor>
+    <cs:lnRef idx="0"/>
+    <cs:fillRef idx="0"/>
+    <cs:effectRef idx="0"/>
+    <cs:fontRef idx="minor">
+      <a:schemeClr val="tx1"/>
+    </cs:fontRef>
+    <cs:spPr>
+      <a:ln w="9525" cap="flat" cmpd="sng" algn="ctr">
+        <a:solidFill>
+          <a:schemeClr val="tx1">
+            <a:lumMod val="5000"/>
+            <a:lumOff val="95000"/>
+          </a:schemeClr>
+        </a:solidFill>
+        <a:round/>
+      </a:ln>
+    </cs:spPr>
+  </cs:gridlineMinor>
+  <cs:hiLoLine>
+    <cs:lnRef idx="0"/>
+    <cs:fillRef idx="0"/>
+    <cs:effectRef idx="0"/>
+    <cs:fontRef idx="minor">
+      <a:schemeClr val="tx1"/>
+    </cs:fontRef>
+    <cs:spPr>
+      <a:ln w="9525" cap="flat" cmpd="sng" algn="ctr">
+        <a:solidFill>
+          <a:schemeClr val="tx1">
+            <a:lumMod val="50000"/>
+            <a:lumOff val="50000"/>
+          </a:schemeClr>
+        </a:solidFill>
+        <a:round/>
+      </a:ln>
+    </cs:spPr>
+  </cs:hiLoLine>
+  <cs:leaderLine>
+    <cs:lnRef idx="0"/>
+    <cs:fillRef idx="0"/>
+    <cs:effectRef idx="0"/>
+    <cs:fontRef idx="minor">
+      <a:schemeClr val="tx1"/>
+    </cs:fontRef>
+    <cs:spPr>
+      <a:ln w="9525" cap="flat" cmpd="sng" algn="ctr">
+        <a:solidFill>
+          <a:schemeClr val="tx1">
+            <a:lumMod val="35000"/>
+            <a:lumOff val="65000"/>
+          </a:schemeClr>
+        </a:solidFill>
+        <a:round/>
+      </a:ln>
+    </cs:spPr>
+  </cs:leaderLine>
+  <cs:legend>
+    <cs:lnRef idx="0"/>
+    <cs:fillRef idx="0"/>
+    <cs:effectRef idx="0"/>
+    <cs:fontRef idx="minor">
+      <a:schemeClr val="tx1">
+        <a:lumMod val="65000"/>
+        <a:lumOff val="35000"/>
+      </a:schemeClr>
+    </cs:fontRef>
+    <cs:defRPr sz="900" kern="1200"/>
+  </cs:legend>
+  <cs:plotArea mods="allowNoFillOverride allowNoLineOverride">
+    <cs:lnRef idx="0"/>
+    <cs:fillRef idx="0"/>
+    <cs:effectRef idx="0"/>
+    <cs:fontRef idx="minor">
+      <a:schemeClr val="tx1"/>
+    </cs:fontRef>
+  </cs:plotArea>
+  <cs:plotArea3D mods="allowNoFillOverride allowNoLineOverride">
+    <cs:lnRef idx="0"/>
+    <cs:fillRef idx="0"/>
+    <cs:effectRef idx="0"/>
+    <cs:fontRef idx="minor">
+      <a:schemeClr val="tx1"/>
+    </cs:fontRef>
+  </cs:plotArea3D>
+  <cs:seriesAxis>
+    <cs:lnRef idx="0"/>
+    <cs:fillRef idx="0"/>
+    <cs:effectRef idx="0"/>
+    <cs:fontRef idx="minor">
+      <a:schemeClr val="tx1">
+        <a:lumMod val="65000"/>
+        <a:lumOff val="35000"/>
+      </a:schemeClr>
+    </cs:fontRef>
+    <cs:defRPr sz="900" kern="1200"/>
+  </cs:seriesAxis>
+  <cs:seriesLine>
+    <cs:lnRef idx="0"/>
+    <cs:fillRef idx="0"/>
+    <cs:effectRef idx="0"/>
+    <cs:fontRef idx="minor">
+      <a:schemeClr val="tx1"/>
+    </cs:fontRef>
+    <cs:spPr>
+      <a:ln w="9525" cap="flat" cmpd="sng" algn="ctr">
+        <a:solidFill>
+          <a:schemeClr val="tx1">
+            <a:lumMod val="35000"/>
+            <a:lumOff val="65000"/>
+          </a:schemeClr>
+        </a:solidFill>
+        <a:round/>
+      </a:ln>
+    </cs:spPr>
+  </cs:seriesLine>
+  <cs:title>
+    <cs:lnRef idx="0"/>
+    <cs:fillRef idx="0"/>
+    <cs:effectRef idx="0"/>
+    <cs:fontRef idx="minor">
+      <a:schemeClr val="tx1">
+        <a:lumMod val="65000"/>
+        <a:lumOff val="35000"/>
+      </a:schemeClr>
+    </cs:fontRef>
+    <cs:defRPr sz="1400" b="0" kern="1200" spc="0" baseline="0"/>
+  </cs:title>
+  <cs:trendline>
+    <cs:lnRef idx="0">
+      <cs:styleClr val="auto"/>
+    </cs:lnRef>
+    <cs:fillRef idx="0"/>
+    <cs:effectRef idx="0"/>
+    <cs:fontRef idx="minor">
+      <a:schemeClr val="tx1"/>
+    </cs:fontRef>
+    <cs:spPr>
+      <a:ln w="19050" cap="rnd">
+        <a:solidFill>
+          <a:schemeClr val="phClr"/>
+        </a:solidFill>
+        <a:prstDash val="sysDot"/>
+      </a:ln>
+    </cs:spPr>
+  </cs:trendline>
+  <cs:trendlineLabel>
+    <cs:lnRef idx="0"/>
+    <cs:fillRef idx="0"/>
+    <cs:effectRef idx="0"/>
+    <cs:fontRef idx="minor">
+      <a:schemeClr val="tx1">
+        <a:lumMod val="65000"/>
+        <a:lumOff val="35000"/>
+      </a:schemeClr>
+    </cs:fontRef>
+    <cs:defRPr sz="900" kern="1200"/>
+  </cs:trendlineLabel>
+  <cs:upBar>
+    <cs:lnRef idx="0"/>
+    <cs:fillRef idx="0"/>
+    <cs:effectRef idx="0"/>
+    <cs:fontRef idx="minor">
+      <a:schemeClr val="tx1"/>
+    </cs:fontRef>
+    <cs:spPr>
+      <a:solidFill>
+        <a:schemeClr val="lt1"/>
+      </a:solidFill>
+      <a:ln w="9525" cap="flat" cmpd="sng" algn="ctr">
+        <a:solidFill>
+          <a:schemeClr val="tx1">
+            <a:lumMod val="65000"/>
+            <a:lumOff val="35000"/>
+          </a:schemeClr>
+        </a:solidFill>
+        <a:round/>
+      </a:ln>
+    </cs:spPr>
+  </cs:upBar>
+  <cs:valueAxis>
+    <cs:lnRef idx="0"/>
+    <cs:fillRef idx="0"/>
+    <cs:effectRef idx="0"/>
+    <cs:fontRef idx="minor">
+      <a:schemeClr val="tx1">
+        <a:lumMod val="65000"/>
+        <a:lumOff val="35000"/>
+      </a:schemeClr>
+    </cs:fontRef>
+    <cs:defRPr sz="900" kern="1200"/>
+  </cs:valueAxis>
+  <cs:wall>
+    <cs:lnRef idx="0"/>
+    <cs:fillRef idx="0"/>
+    <cs:effectRef idx="0"/>
+    <cs:fontRef idx="minor">
+      <a:schemeClr val="tx1"/>
+    </cs:fontRef>
+    <cs:spPr>
+      <a:noFill/>
+      <a:ln>
+        <a:noFill/>
+      </a:ln>
+    </cs:spPr>
+  </cs:wall>
+</cs:chartStyle>
 </file>
 
 <file path=ppt/notesMasters/notesMaster1.xml><?xml version="1.0" encoding="utf-8"?>
@@ -3888,7 +7797,182 @@
           <p:cNvPr id="2" name="Title 1">
             <a:extLst>
               <a:ext uri="{FF2B5EF4-FFF2-40B4-BE49-F238E27FC236}">
-                <a16:creationId xmlns:a16="http://schemas.microsoft.com/office/drawing/2014/main" id="{C91B27D7-9411-47F6-8723-05C81109A0F4}"/>
+                <a16:creationId xmlns:a16="http://schemas.microsoft.com/office/drawing/2014/main" id="{3095C4D5-5300-400D-BFBF-CD8626CECC07}"/>
+              </a:ext>
+            </a:extLst>
+          </p:cNvPr>
+          <p:cNvSpPr>
+            <a:spLocks noGrp="1"/>
+          </p:cNvSpPr>
+          <p:nvPr>
+            <p:ph type="ctrTitle"/>
+          </p:nvPr>
+        </p:nvSpPr>
+        <p:spPr/>
+        <p:txBody>
+          <a:bodyPr>
+            <a:normAutofit fontScale="90000"/>
+          </a:bodyPr>
+          <a:lstStyle/>
+          <a:p>
+            <a:r>
+              <a:rPr lang="en-US" dirty="0"/>
+              <a:t>Diabetes Prediction for Patients with Pancreatic Cancer</a:t>
+            </a:r>
+          </a:p>
+        </p:txBody>
+      </p:sp>
+      <p:sp>
+        <p:nvSpPr>
+          <p:cNvPr id="3" name="Subtitle 2">
+            <a:extLst>
+              <a:ext uri="{FF2B5EF4-FFF2-40B4-BE49-F238E27FC236}">
+                <a16:creationId xmlns:a16="http://schemas.microsoft.com/office/drawing/2014/main" id="{AC45F1EC-73DC-4FA1-9543-510498276B55}"/>
+              </a:ext>
+            </a:extLst>
+          </p:cNvPr>
+          <p:cNvSpPr>
+            <a:spLocks noGrp="1"/>
+          </p:cNvSpPr>
+          <p:nvPr>
+            <p:ph type="subTitle" idx="1"/>
+          </p:nvPr>
+        </p:nvSpPr>
+        <p:spPr/>
+        <p:txBody>
+          <a:bodyPr/>
+          <a:lstStyle/>
+          <a:p>
+            <a:r>
+              <a:rPr lang="en-US" dirty="0"/>
+              <a:t>Pancreatic Cancer Leading to Diabetes</a:t>
+            </a:r>
+          </a:p>
+        </p:txBody>
+      </p:sp>
+      <p:sp>
+        <p:nvSpPr>
+          <p:cNvPr id="4" name="Date Placeholder 3">
+            <a:extLst>
+              <a:ext uri="{FF2B5EF4-FFF2-40B4-BE49-F238E27FC236}">
+                <a16:creationId xmlns:a16="http://schemas.microsoft.com/office/drawing/2014/main" id="{B7FE6B43-939D-4145-9C36-997267B61333}"/>
+              </a:ext>
+            </a:extLst>
+          </p:cNvPr>
+          <p:cNvSpPr>
+            <a:spLocks noGrp="1"/>
+          </p:cNvSpPr>
+          <p:nvPr>
+            <p:ph type="dt" sz="half" idx="10"/>
+          </p:nvPr>
+        </p:nvSpPr>
+        <p:spPr/>
+        <p:txBody>
+          <a:bodyPr/>
+          <a:lstStyle/>
+          <a:p>
+            <a:r>
+              <a:rPr lang="en-US"/>
+              <a:t>6/7/2023</a:t>
+            </a:r>
+          </a:p>
+        </p:txBody>
+      </p:sp>
+      <p:sp>
+        <p:nvSpPr>
+          <p:cNvPr id="5" name="Slide Number Placeholder 4">
+            <a:extLst>
+              <a:ext uri="{FF2B5EF4-FFF2-40B4-BE49-F238E27FC236}">
+                <a16:creationId xmlns:a16="http://schemas.microsoft.com/office/drawing/2014/main" id="{3EE07FE3-A4C8-4C6F-B867-28CDEA2A28FF}"/>
+              </a:ext>
+            </a:extLst>
+          </p:cNvPr>
+          <p:cNvSpPr>
+            <a:spLocks noGrp="1"/>
+          </p:cNvSpPr>
+          <p:nvPr>
+            <p:ph type="sldNum" sz="quarter" idx="12"/>
+          </p:nvPr>
+        </p:nvSpPr>
+        <p:spPr/>
+        <p:txBody>
+          <a:bodyPr/>
+          <a:lstStyle/>
+          <a:p>
+            <a:fld id="{BCD31FF8-ED74-4814-BEC8-373D79CF1B66}" type="slidenum">
+              <a:rPr lang="en-US" smtClean="0"/>
+              <a:t>10</a:t>
+            </a:fld>
+            <a:endParaRPr lang="en-US"/>
+          </a:p>
+        </p:txBody>
+      </p:sp>
+      <p:pic>
+        <p:nvPicPr>
+          <p:cNvPr id="6" name="Picture 5">
+            <a:extLst>
+              <a:ext uri="{FF2B5EF4-FFF2-40B4-BE49-F238E27FC236}">
+                <a16:creationId xmlns:a16="http://schemas.microsoft.com/office/drawing/2014/main" id="{4F496157-8B93-4A3A-BCD1-474E6C096612}"/>
+              </a:ext>
+            </a:extLst>
+          </p:cNvPr>
+          <p:cNvPicPr>
+            <a:picLocks noChangeAspect="1"/>
+          </p:cNvPicPr>
+          <p:nvPr/>
+        </p:nvPicPr>
+        <p:blipFill>
+          <a:blip r:embed="rId2"/>
+          <a:stretch>
+            <a:fillRect/>
+          </a:stretch>
+        </p:blipFill>
+        <p:spPr>
+          <a:xfrm>
+            <a:off x="10702980" y="136525"/>
+            <a:ext cx="1301640" cy="477268"/>
+          </a:xfrm>
+          <a:prstGeom prst="rect">
+            <a:avLst/>
+          </a:prstGeom>
+        </p:spPr>
+      </p:pic>
+    </p:spTree>
+    <p:extLst>
+      <p:ext uri="{BB962C8B-B14F-4D97-AF65-F5344CB8AC3E}">
+        <p14:creationId xmlns:p14="http://schemas.microsoft.com/office/powerpoint/2010/main" val="3993105120"/>
+      </p:ext>
+    </p:extLst>
+  </p:cSld>
+  <p:clrMapOvr>
+    <a:masterClrMapping/>
+  </p:clrMapOvr>
+</p:sld>
+</file>
+
+<file path=ppt/slides/slide11.xml><?xml version="1.0" encoding="utf-8"?>
+<p:sld xmlns:a="http://schemas.openxmlformats.org/drawingml/2006/main" xmlns:r="http://schemas.openxmlformats.org/officeDocument/2006/relationships" xmlns:p="http://schemas.openxmlformats.org/presentationml/2006/main">
+  <p:cSld>
+    <p:spTree>
+      <p:nvGrpSpPr>
+        <p:cNvPr id="1" name=""/>
+        <p:cNvGrpSpPr/>
+        <p:nvPr/>
+      </p:nvGrpSpPr>
+      <p:grpSpPr>
+        <a:xfrm>
+          <a:off x="0" y="0"/>
+          <a:ext cx="0" cy="0"/>
+          <a:chOff x="0" y="0"/>
+          <a:chExt cx="0" cy="0"/>
+        </a:xfrm>
+      </p:grpSpPr>
+      <p:sp>
+        <p:nvSpPr>
+          <p:cNvPr id="2" name="Title 1">
+            <a:extLst>
+              <a:ext uri="{FF2B5EF4-FFF2-40B4-BE49-F238E27FC236}">
+                <a16:creationId xmlns:a16="http://schemas.microsoft.com/office/drawing/2014/main" id="{03461547-1490-4B9B-AB2B-F72DB7D00174}"/>
               </a:ext>
             </a:extLst>
           </p:cNvPr>
@@ -3904,9 +7988,226 @@
           <a:bodyPr/>
           <a:lstStyle/>
           <a:p>
+            <a:pPr algn="ctr"/>
             <a:r>
               <a:rPr lang="en-US" dirty="0"/>
-              <a:t>Patients with Pancreatic Cancer and Diabetes</a:t>
+              <a:t>Preprocessing</a:t>
+            </a:r>
+          </a:p>
+        </p:txBody>
+      </p:sp>
+      <p:pic>
+        <p:nvPicPr>
+          <p:cNvPr id="6" name="Content Placeholder 5">
+            <a:extLst>
+              <a:ext uri="{FF2B5EF4-FFF2-40B4-BE49-F238E27FC236}">
+                <a16:creationId xmlns:a16="http://schemas.microsoft.com/office/drawing/2014/main" id="{C6320451-2D68-4AAE-86F9-C29FC92D6AF4}"/>
+              </a:ext>
+            </a:extLst>
+          </p:cNvPr>
+          <p:cNvPicPr>
+            <a:picLocks noGrp="1" noChangeAspect="1"/>
+          </p:cNvPicPr>
+          <p:nvPr>
+            <p:ph idx="1"/>
+          </p:nvPr>
+        </p:nvPicPr>
+        <p:blipFill>
+          <a:blip r:embed="rId2"/>
+          <a:stretch>
+            <a:fillRect/>
+          </a:stretch>
+        </p:blipFill>
+        <p:spPr>
+          <a:xfrm>
+            <a:off x="273381" y="1762998"/>
+            <a:ext cx="11645238" cy="465093"/>
+          </a:xfrm>
+          <a:prstGeom prst="rect">
+            <a:avLst/>
+          </a:prstGeom>
+        </p:spPr>
+      </p:pic>
+      <p:sp>
+        <p:nvSpPr>
+          <p:cNvPr id="4" name="Date Placeholder 3">
+            <a:extLst>
+              <a:ext uri="{FF2B5EF4-FFF2-40B4-BE49-F238E27FC236}">
+                <a16:creationId xmlns:a16="http://schemas.microsoft.com/office/drawing/2014/main" id="{1212BEB7-B9E4-4B70-A726-2A88F3E1AB0E}"/>
+              </a:ext>
+            </a:extLst>
+          </p:cNvPr>
+          <p:cNvSpPr>
+            <a:spLocks noGrp="1"/>
+          </p:cNvSpPr>
+          <p:nvPr>
+            <p:ph type="dt" sz="half" idx="10"/>
+          </p:nvPr>
+        </p:nvSpPr>
+        <p:spPr/>
+        <p:txBody>
+          <a:bodyPr/>
+          <a:lstStyle/>
+          <a:p>
+            <a:r>
+              <a:rPr lang="en-US"/>
+              <a:t>6/7/2023</a:t>
+            </a:r>
+          </a:p>
+        </p:txBody>
+      </p:sp>
+      <p:sp>
+        <p:nvSpPr>
+          <p:cNvPr id="5" name="Slide Number Placeholder 4">
+            <a:extLst>
+              <a:ext uri="{FF2B5EF4-FFF2-40B4-BE49-F238E27FC236}">
+                <a16:creationId xmlns:a16="http://schemas.microsoft.com/office/drawing/2014/main" id="{5444D495-D97F-4CBE-8169-621DEA5FE650}"/>
+              </a:ext>
+            </a:extLst>
+          </p:cNvPr>
+          <p:cNvSpPr>
+            <a:spLocks noGrp="1"/>
+          </p:cNvSpPr>
+          <p:nvPr>
+            <p:ph type="sldNum" sz="quarter" idx="12"/>
+          </p:nvPr>
+        </p:nvSpPr>
+        <p:spPr/>
+        <p:txBody>
+          <a:bodyPr/>
+          <a:lstStyle/>
+          <a:p>
+            <a:fld id="{BCD31FF8-ED74-4814-BEC8-373D79CF1B66}" type="slidenum">
+              <a:rPr lang="en-US" smtClean="0"/>
+              <a:t>11</a:t>
+            </a:fld>
+            <a:endParaRPr lang="en-US"/>
+          </a:p>
+        </p:txBody>
+      </p:sp>
+      <p:sp>
+        <p:nvSpPr>
+          <p:cNvPr id="7" name="TextBox 6">
+            <a:extLst>
+              <a:ext uri="{FF2B5EF4-FFF2-40B4-BE49-F238E27FC236}">
+                <a16:creationId xmlns:a16="http://schemas.microsoft.com/office/drawing/2014/main" id="{E9BE719D-DC17-4733-B820-AB35ED2E3F43}"/>
+              </a:ext>
+            </a:extLst>
+          </p:cNvPr>
+          <p:cNvSpPr txBox="1"/>
+          <p:nvPr/>
+        </p:nvSpPr>
+        <p:spPr>
+          <a:xfrm>
+            <a:off x="1349829" y="2975429"/>
+            <a:ext cx="8969828" cy="1964512"/>
+          </a:xfrm>
+          <a:prstGeom prst="rect">
+            <a:avLst/>
+          </a:prstGeom>
+          <a:noFill/>
+        </p:spPr>
+        <p:txBody>
+          <a:bodyPr wrap="square" rtlCol="0">
+            <a:spAutoFit/>
+          </a:bodyPr>
+          <a:lstStyle/>
+          <a:p>
+            <a:pPr marL="285750" indent="-285750">
+              <a:lnSpc>
+                <a:spcPct val="150000"/>
+              </a:lnSpc>
+              <a:buFont typeface="Arial" panose="020B0604020202020204" pitchFamily="34" charset="0"/>
+              <a:buChar char="•"/>
+            </a:pPr>
+            <a:r>
+              <a:rPr lang="en-US" sz="2800" dirty="0"/>
+              <a:t>One-hot encoding</a:t>
+            </a:r>
+          </a:p>
+          <a:p>
+            <a:pPr marL="285750" indent="-285750">
+              <a:lnSpc>
+                <a:spcPct val="150000"/>
+              </a:lnSpc>
+              <a:buFont typeface="Arial" panose="020B0604020202020204" pitchFamily="34" charset="0"/>
+              <a:buChar char="•"/>
+            </a:pPr>
+            <a:r>
+              <a:rPr lang="en-US" sz="2800" dirty="0"/>
+              <a:t>Age calculation</a:t>
+            </a:r>
+          </a:p>
+          <a:p>
+            <a:pPr marL="285750" indent="-285750">
+              <a:lnSpc>
+                <a:spcPct val="150000"/>
+              </a:lnSpc>
+              <a:buFont typeface="Arial" panose="020B0604020202020204" pitchFamily="34" charset="0"/>
+              <a:buChar char="•"/>
+            </a:pPr>
+            <a:r>
+              <a:rPr lang="en-US" sz="2800" dirty="0"/>
+              <a:t>Patients Vitals</a:t>
+            </a:r>
+          </a:p>
+        </p:txBody>
+      </p:sp>
+    </p:spTree>
+    <p:extLst>
+      <p:ext uri="{BB962C8B-B14F-4D97-AF65-F5344CB8AC3E}">
+        <p14:creationId xmlns:p14="http://schemas.microsoft.com/office/powerpoint/2010/main" val="2809109493"/>
+      </p:ext>
+    </p:extLst>
+  </p:cSld>
+  <p:clrMapOvr>
+    <a:masterClrMapping/>
+  </p:clrMapOvr>
+</p:sld>
+</file>
+
+<file path=ppt/slides/slide12.xml><?xml version="1.0" encoding="utf-8"?>
+<p:sld xmlns:a="http://schemas.openxmlformats.org/drawingml/2006/main" xmlns:r="http://schemas.openxmlformats.org/officeDocument/2006/relationships" xmlns:p="http://schemas.openxmlformats.org/presentationml/2006/main">
+  <p:cSld>
+    <p:spTree>
+      <p:nvGrpSpPr>
+        <p:cNvPr id="1" name=""/>
+        <p:cNvGrpSpPr/>
+        <p:nvPr/>
+      </p:nvGrpSpPr>
+      <p:grpSpPr>
+        <a:xfrm>
+          <a:off x="0" y="0"/>
+          <a:ext cx="0" cy="0"/>
+          <a:chOff x="0" y="0"/>
+          <a:chExt cx="0" cy="0"/>
+        </a:xfrm>
+      </p:grpSpPr>
+      <p:sp>
+        <p:nvSpPr>
+          <p:cNvPr id="2" name="Title 1">
+            <a:extLst>
+              <a:ext uri="{FF2B5EF4-FFF2-40B4-BE49-F238E27FC236}">
+                <a16:creationId xmlns:a16="http://schemas.microsoft.com/office/drawing/2014/main" id="{C91B27D7-9411-47F6-8723-05C81109A0F4}"/>
+              </a:ext>
+            </a:extLst>
+          </p:cNvPr>
+          <p:cNvSpPr>
+            <a:spLocks noGrp="1"/>
+          </p:cNvSpPr>
+          <p:nvPr>
+            <p:ph type="title"/>
+          </p:nvPr>
+        </p:nvSpPr>
+        <p:spPr/>
+        <p:txBody>
+          <a:bodyPr/>
+          <a:lstStyle/>
+          <a:p>
+            <a:pPr algn="ctr"/>
+            <a:r>
+              <a:rPr lang="en-US" dirty="0"/>
+              <a:t>Patients Distribution</a:t>
             </a:r>
           </a:p>
         </p:txBody>
@@ -4635,7 +8936,7 @@
           <a:p>
             <a:fld id="{BCD31FF8-ED74-4814-BEC8-373D79CF1B66}" type="slidenum">
               <a:rPr lang="en-US" smtClean="0"/>
-              <a:t>10</a:t>
+              <a:t>12</a:t>
             </a:fld>
             <a:endParaRPr lang="en-US"/>
           </a:p>
@@ -4684,7 +8985,7 @@
 </p:sld>
 </file>
 
-<file path=ppt/slides/slide11.xml><?xml version="1.0" encoding="utf-8"?>
+<file path=ppt/slides/slide13.xml><?xml version="1.0" encoding="utf-8"?>
 <p:sld xmlns:a="http://schemas.openxmlformats.org/drawingml/2006/main" xmlns:r="http://schemas.openxmlformats.org/officeDocument/2006/relationships" xmlns:p="http://schemas.openxmlformats.org/presentationml/2006/main">
   <p:cSld>
     <p:spTree>
@@ -4706,7 +9007,7 @@
           <p:cNvPr id="2" name="Title 1">
             <a:extLst>
               <a:ext uri="{FF2B5EF4-FFF2-40B4-BE49-F238E27FC236}">
-                <a16:creationId xmlns:a16="http://schemas.microsoft.com/office/drawing/2014/main" id="{C91B27D7-9411-47F6-8723-05C81109A0F4}"/>
+                <a16:creationId xmlns:a16="http://schemas.microsoft.com/office/drawing/2014/main" id="{1A718C2B-5562-4FB1-8F09-8F49EDD305AF}"/>
               </a:ext>
             </a:extLst>
           </p:cNvPr>
@@ -4722,111 +9023,297 @@
           <a:bodyPr/>
           <a:lstStyle/>
           <a:p>
-            <a:endParaRPr lang="en-US" dirty="0"/>
+            <a:pPr algn="ctr"/>
+            <a:r>
+              <a:rPr lang="en-US" dirty="0"/>
+              <a:t>Dataset</a:t>
+            </a:r>
+          </a:p>
+        </p:txBody>
+      </p:sp>
+      <p:graphicFrame>
+        <p:nvGraphicFramePr>
+          <p:cNvPr id="4" name="Content Placeholder 3">
+            <a:extLst>
+              <a:ext uri="{FF2B5EF4-FFF2-40B4-BE49-F238E27FC236}">
+                <a16:creationId xmlns:a16="http://schemas.microsoft.com/office/drawing/2014/main" id="{5437ECBF-08AC-4430-8C87-B7F914B97BE9}"/>
+              </a:ext>
+            </a:extLst>
+          </p:cNvPr>
+          <p:cNvGraphicFramePr>
+            <a:graphicFrameLocks noGrp="1"/>
+          </p:cNvGraphicFramePr>
+          <p:nvPr>
+            <p:ph idx="1"/>
+            <p:extLst/>
+          </p:nvPr>
+        </p:nvGraphicFramePr>
+        <p:xfrm>
+          <a:off x="838200" y="1825625"/>
+          <a:ext cx="10515600" cy="1112520"/>
+        </p:xfrm>
+        <a:graphic>
+          <a:graphicData uri="http://schemas.openxmlformats.org/drawingml/2006/table">
+            <a:tbl>
+              <a:tblPr firstRow="1" bandRow="1">
+                <a:tableStyleId>{5C22544A-7EE6-4342-B048-85BDC9FD1C3A}</a:tableStyleId>
+              </a:tblPr>
+              <a:tblGrid>
+                <a:gridCol w="3505200">
+                  <a:extLst>
+                    <a:ext uri="{9D8B030D-6E8A-4147-A177-3AD203B41FA5}">
+                      <a16:colId xmlns:a16="http://schemas.microsoft.com/office/drawing/2014/main" val="3522728660"/>
+                    </a:ext>
+                  </a:extLst>
+                </a:gridCol>
+                <a:gridCol w="3505200">
+                  <a:extLst>
+                    <a:ext uri="{9D8B030D-6E8A-4147-A177-3AD203B41FA5}">
+                      <a16:colId xmlns:a16="http://schemas.microsoft.com/office/drawing/2014/main" val="1129325163"/>
+                    </a:ext>
+                  </a:extLst>
+                </a:gridCol>
+                <a:gridCol w="3505200">
+                  <a:extLst>
+                    <a:ext uri="{9D8B030D-6E8A-4147-A177-3AD203B41FA5}">
+                      <a16:colId xmlns:a16="http://schemas.microsoft.com/office/drawing/2014/main" val="4043573492"/>
+                    </a:ext>
+                  </a:extLst>
+                </a:gridCol>
+              </a:tblGrid>
+              <a:tr h="370840">
+                <a:tc>
+                  <a:txBody>
+                    <a:bodyPr/>
+                    <a:lstStyle/>
+                    <a:p>
+                      <a:r>
+                        <a:rPr lang="en-US" dirty="0"/>
+                        <a:t>First Diagnosis</a:t>
+                      </a:r>
+                    </a:p>
+                  </a:txBody>
+                  <a:tcPr/>
+                </a:tc>
+                <a:tc>
+                  <a:txBody>
+                    <a:bodyPr/>
+                    <a:lstStyle/>
+                    <a:p>
+                      <a:r>
+                        <a:rPr lang="en-US" dirty="0"/>
+                        <a:t>Second diagnosis</a:t>
+                      </a:r>
+                    </a:p>
+                  </a:txBody>
+                  <a:tcPr/>
+                </a:tc>
+                <a:tc>
+                  <a:txBody>
+                    <a:bodyPr/>
+                    <a:lstStyle/>
+                    <a:p>
+                      <a:r>
+                        <a:rPr lang="en-US" dirty="0"/>
+                        <a:t>No. of Patients</a:t>
+                      </a:r>
+                    </a:p>
+                  </a:txBody>
+                  <a:tcPr/>
+                </a:tc>
+                <a:extLst>
+                  <a:ext uri="{0D108BD9-81ED-4DB2-BD59-A6C34878D82A}">
+                    <a16:rowId xmlns:a16="http://schemas.microsoft.com/office/drawing/2014/main" val="4129505036"/>
+                  </a:ext>
+                </a:extLst>
+              </a:tr>
+              <a:tr h="370840">
+                <a:tc>
+                  <a:txBody>
+                    <a:bodyPr/>
+                    <a:lstStyle/>
+                    <a:p>
+                      <a:r>
+                        <a:rPr lang="en-US" dirty="0"/>
+                        <a:t>Pancreatic Cancer</a:t>
+                      </a:r>
+                    </a:p>
+                  </a:txBody>
+                  <a:tcPr/>
+                </a:tc>
+                <a:tc>
+                  <a:txBody>
+                    <a:bodyPr/>
+                    <a:lstStyle/>
+                    <a:p>
+                      <a:r>
+                        <a:rPr lang="en-US" dirty="0"/>
+                        <a:t>Diabetes</a:t>
+                      </a:r>
+                    </a:p>
+                  </a:txBody>
+                  <a:tcPr/>
+                </a:tc>
+                <a:tc>
+                  <a:txBody>
+                    <a:bodyPr/>
+                    <a:lstStyle/>
+                    <a:p>
+                      <a:r>
+                        <a:rPr lang="en-US" dirty="0"/>
+                        <a:t>84</a:t>
+                      </a:r>
+                    </a:p>
+                  </a:txBody>
+                  <a:tcPr/>
+                </a:tc>
+                <a:extLst>
+                  <a:ext uri="{0D108BD9-81ED-4DB2-BD59-A6C34878D82A}">
+                    <a16:rowId xmlns:a16="http://schemas.microsoft.com/office/drawing/2014/main" val="3041017449"/>
+                  </a:ext>
+                </a:extLst>
+              </a:tr>
+              <a:tr h="370840">
+                <a:tc>
+                  <a:txBody>
+                    <a:bodyPr/>
+                    <a:lstStyle/>
+                    <a:p>
+                      <a:r>
+                        <a:rPr lang="en-US" dirty="0"/>
+                        <a:t>Diabetes</a:t>
+                      </a:r>
+                    </a:p>
+                  </a:txBody>
+                  <a:tcPr/>
+                </a:tc>
+                <a:tc>
+                  <a:txBody>
+                    <a:bodyPr/>
+                    <a:lstStyle/>
+                    <a:p>
+                      <a:r>
+                        <a:rPr lang="en-US" dirty="0"/>
+                        <a:t>Pancreatic Cancer</a:t>
+                      </a:r>
+                    </a:p>
+                  </a:txBody>
+                  <a:tcPr/>
+                </a:tc>
+                <a:tc>
+                  <a:txBody>
+                    <a:bodyPr/>
+                    <a:lstStyle/>
+                    <a:p>
+                      <a:r>
+                        <a:rPr lang="en-US" dirty="0"/>
+                        <a:t>69</a:t>
+                      </a:r>
+                    </a:p>
+                  </a:txBody>
+                  <a:tcPr/>
+                </a:tc>
+                <a:extLst>
+                  <a:ext uri="{0D108BD9-81ED-4DB2-BD59-A6C34878D82A}">
+                    <a16:rowId xmlns:a16="http://schemas.microsoft.com/office/drawing/2014/main" val="1685020089"/>
+                  </a:ext>
+                </a:extLst>
+              </a:tr>
+            </a:tbl>
+          </a:graphicData>
+        </a:graphic>
+      </p:graphicFrame>
+      <p:sp>
+        <p:nvSpPr>
+          <p:cNvPr id="5" name="TextBox 4">
+            <a:extLst>
+              <a:ext uri="{FF2B5EF4-FFF2-40B4-BE49-F238E27FC236}">
+                <a16:creationId xmlns:a16="http://schemas.microsoft.com/office/drawing/2014/main" id="{C7729C2E-D2C3-4A38-BFEA-B67D12277AE4}"/>
+              </a:ext>
+            </a:extLst>
+          </p:cNvPr>
+          <p:cNvSpPr txBox="1"/>
+          <p:nvPr/>
+        </p:nvSpPr>
+        <p:spPr>
+          <a:xfrm>
+            <a:off x="749808" y="3246120"/>
+            <a:ext cx="4645152" cy="365760"/>
+          </a:xfrm>
+          <a:prstGeom prst="rect">
+            <a:avLst/>
+          </a:prstGeom>
+          <a:noFill/>
+        </p:spPr>
+        <p:txBody>
+          <a:bodyPr wrap="square" rtlCol="0">
+            <a:spAutoFit/>
+          </a:bodyPr>
+          <a:lstStyle/>
+          <a:p>
+            <a:r>
+              <a:rPr lang="en-US" dirty="0"/>
+              <a:t>Both Diagnosed Simultaneously = 76</a:t>
+            </a:r>
           </a:p>
         </p:txBody>
       </p:sp>
       <p:sp>
         <p:nvSpPr>
-          <p:cNvPr id="3" name="Content Placeholder 2">
-            <a:extLst>
-              <a:ext uri="{FF2B5EF4-FFF2-40B4-BE49-F238E27FC236}">
-                <a16:creationId xmlns:a16="http://schemas.microsoft.com/office/drawing/2014/main" id="{338ADB18-BDEC-4CC8-9B1F-9AFBB84BD174}"/>
-              </a:ext>
-            </a:extLst>
-          </p:cNvPr>
-          <p:cNvSpPr>
-            <a:spLocks noGrp="1"/>
-          </p:cNvSpPr>
-          <p:nvPr>
-            <p:ph idx="1"/>
-          </p:nvPr>
+          <p:cNvPr id="6" name="TextBox 5">
+            <a:extLst>
+              <a:ext uri="{FF2B5EF4-FFF2-40B4-BE49-F238E27FC236}">
+                <a16:creationId xmlns:a16="http://schemas.microsoft.com/office/drawing/2014/main" id="{5799B4C0-C4A9-400C-8E86-E058B03EA8C5}"/>
+              </a:ext>
+            </a:extLst>
+          </p:cNvPr>
+          <p:cNvSpPr txBox="1"/>
+          <p:nvPr/>
         </p:nvSpPr>
         <p:spPr>
           <a:xfrm>
-            <a:off x="838200" y="3214348"/>
-            <a:ext cx="10515600" cy="429303"/>
+            <a:off x="749808" y="4155311"/>
+            <a:ext cx="10035251" cy="1323439"/>
           </a:xfrm>
+          <a:prstGeom prst="rect">
+            <a:avLst/>
+          </a:prstGeom>
+          <a:noFill/>
         </p:spPr>
         <p:txBody>
-          <a:bodyPr>
-            <a:noAutofit/>
+          <a:bodyPr wrap="square" rtlCol="0">
+            <a:spAutoFit/>
           </a:bodyPr>
           <a:lstStyle/>
           <a:p>
-            <a:pPr marL="0" indent="0" algn="ctr">
-              <a:buNone/>
-            </a:pPr>
             <a:r>
-              <a:rPr lang="en-US" sz="4000" dirty="0"/>
-              <a:t>Thank you!</a:t>
+              <a:rPr lang="en-US" sz="2600" b="1" dirty="0"/>
+              <a:t>For Pancreatic Leading to Diabetes Model</a:t>
             </a:r>
           </a:p>
-        </p:txBody>
-      </p:sp>
-      <p:sp>
-        <p:nvSpPr>
-          <p:cNvPr id="4" name="Date Placeholder 3">
-            <a:extLst>
-              <a:ext uri="{FF2B5EF4-FFF2-40B4-BE49-F238E27FC236}">
-                <a16:creationId xmlns:a16="http://schemas.microsoft.com/office/drawing/2014/main" id="{00ADB80A-EDF0-49D3-85B3-C19365238B59}"/>
-              </a:ext>
-            </a:extLst>
-          </p:cNvPr>
-          <p:cNvSpPr>
-            <a:spLocks noGrp="1"/>
-          </p:cNvSpPr>
-          <p:nvPr>
-            <p:ph type="dt" sz="half" idx="10"/>
-          </p:nvPr>
-        </p:nvSpPr>
-        <p:spPr/>
-        <p:txBody>
-          <a:bodyPr/>
-          <a:lstStyle/>
           <a:p>
             <a:r>
-              <a:rPr lang="en-US"/>
-              <a:t>6/7/2023</a:t>
+              <a:rPr lang="en-US" dirty="0"/>
+              <a:t>Patients with Pancreatic Cancer led to Diabetes = 84</a:t>
             </a:r>
           </a:p>
-        </p:txBody>
-      </p:sp>
-      <p:sp>
-        <p:nvSpPr>
-          <p:cNvPr id="5" name="Slide Number Placeholder 4">
-            <a:extLst>
-              <a:ext uri="{FF2B5EF4-FFF2-40B4-BE49-F238E27FC236}">
-                <a16:creationId xmlns:a16="http://schemas.microsoft.com/office/drawing/2014/main" id="{449078F0-00B3-40F6-857F-4AB3D059869D}"/>
-              </a:ext>
-            </a:extLst>
-          </p:cNvPr>
-          <p:cNvSpPr>
-            <a:spLocks noGrp="1"/>
-          </p:cNvSpPr>
-          <p:nvPr>
-            <p:ph type="sldNum" sz="quarter" idx="12"/>
-          </p:nvPr>
-        </p:nvSpPr>
-        <p:spPr/>
-        <p:txBody>
-          <a:bodyPr/>
-          <a:lstStyle/>
-          <a:p>
-            <a:fld id="{BCD31FF8-ED74-4814-BEC8-373D79CF1B66}" type="slidenum">
-              <a:rPr lang="en-US" smtClean="0"/>
-              <a:t>11</a:t>
-            </a:fld>
-            <a:endParaRPr lang="en-US"/>
+          <a:p>
+            <a:r>
+              <a:rPr lang="en-US" dirty="0"/>
+              <a:t>Patients with Pancreatic Cancer but non Diabetic = 250 (Sampled from 2203 patients)</a:t>
+            </a:r>
+          </a:p>
+          <a:p>
+            <a:endParaRPr lang="en-US" dirty="0"/>
           </a:p>
         </p:txBody>
       </p:sp>
       <p:pic>
         <p:nvPicPr>
-          <p:cNvPr id="6" name="Picture 5">
-            <a:extLst>
-              <a:ext uri="{FF2B5EF4-FFF2-40B4-BE49-F238E27FC236}">
-                <a16:creationId xmlns:a16="http://schemas.microsoft.com/office/drawing/2014/main" id="{A76F4972-7E81-4C57-9460-F9F914467486}"/>
+          <p:cNvPr id="7" name="Picture 6">
+            <a:extLst>
+              <a:ext uri="{FF2B5EF4-FFF2-40B4-BE49-F238E27FC236}">
+                <a16:creationId xmlns:a16="http://schemas.microsoft.com/office/drawing/2014/main" id="{1A6A44B3-387B-448B-85AB-0D5D71436135}"/>
               </a:ext>
             </a:extLst>
           </p:cNvPr>
@@ -4854,7 +9341,7 @@
     </p:spTree>
     <p:extLst>
       <p:ext uri="{BB962C8B-B14F-4D97-AF65-F5344CB8AC3E}">
-        <p14:creationId xmlns:p14="http://schemas.microsoft.com/office/powerpoint/2010/main" val="2291153336"/>
+        <p14:creationId xmlns:p14="http://schemas.microsoft.com/office/powerpoint/2010/main" val="608491019"/>
       </p:ext>
     </p:extLst>
   </p:cSld>
@@ -4864,7 +9351,7 @@
 </p:sld>
 </file>
 
-<file path=ppt/slides/slide12.xml><?xml version="1.0" encoding="utf-8"?>
+<file path=ppt/slides/slide14.xml><?xml version="1.0" encoding="utf-8"?>
 <p:sld xmlns:a="http://schemas.openxmlformats.org/drawingml/2006/main" xmlns:r="http://schemas.openxmlformats.org/officeDocument/2006/relationships" xmlns:p="http://schemas.openxmlformats.org/presentationml/2006/main">
   <p:cSld>
     <p:spTree>
@@ -4902,6 +9389,3159 @@
           <a:bodyPr/>
           <a:lstStyle/>
           <a:p>
+            <a:pPr algn="ctr"/>
+            <a:r>
+              <a:rPr lang="en-US" dirty="0"/>
+              <a:t>Classifiers Results</a:t>
+            </a:r>
+          </a:p>
+        </p:txBody>
+      </p:sp>
+      <p:sp>
+        <p:nvSpPr>
+          <p:cNvPr id="4" name="Date Placeholder 3">
+            <a:extLst>
+              <a:ext uri="{FF2B5EF4-FFF2-40B4-BE49-F238E27FC236}">
+                <a16:creationId xmlns:a16="http://schemas.microsoft.com/office/drawing/2014/main" id="{83959505-BCDC-4DF1-AD1D-B9E3716981CC}"/>
+              </a:ext>
+            </a:extLst>
+          </p:cNvPr>
+          <p:cNvSpPr>
+            <a:spLocks noGrp="1"/>
+          </p:cNvSpPr>
+          <p:nvPr>
+            <p:ph type="dt" sz="half" idx="10"/>
+          </p:nvPr>
+        </p:nvSpPr>
+        <p:spPr/>
+        <p:txBody>
+          <a:bodyPr/>
+          <a:lstStyle/>
+          <a:p>
+            <a:r>
+              <a:rPr lang="en-US"/>
+              <a:t>6/7/2023</a:t>
+            </a:r>
+          </a:p>
+        </p:txBody>
+      </p:sp>
+      <p:sp>
+        <p:nvSpPr>
+          <p:cNvPr id="5" name="Slide Number Placeholder 4">
+            <a:extLst>
+              <a:ext uri="{FF2B5EF4-FFF2-40B4-BE49-F238E27FC236}">
+                <a16:creationId xmlns:a16="http://schemas.microsoft.com/office/drawing/2014/main" id="{935E9B5C-4741-4EE9-8606-7A29DC09ACDF}"/>
+              </a:ext>
+            </a:extLst>
+          </p:cNvPr>
+          <p:cNvSpPr>
+            <a:spLocks noGrp="1"/>
+          </p:cNvSpPr>
+          <p:nvPr>
+            <p:ph type="sldNum" sz="quarter" idx="12"/>
+          </p:nvPr>
+        </p:nvSpPr>
+        <p:spPr/>
+        <p:txBody>
+          <a:bodyPr/>
+          <a:lstStyle/>
+          <a:p>
+            <a:fld id="{BCD31FF8-ED74-4814-BEC8-373D79CF1B66}" type="slidenum">
+              <a:rPr lang="en-US" smtClean="0"/>
+              <a:t>14</a:t>
+            </a:fld>
+            <a:endParaRPr lang="en-US"/>
+          </a:p>
+        </p:txBody>
+      </p:sp>
+      <p:pic>
+        <p:nvPicPr>
+          <p:cNvPr id="6" name="Picture 5">
+            <a:extLst>
+              <a:ext uri="{FF2B5EF4-FFF2-40B4-BE49-F238E27FC236}">
+                <a16:creationId xmlns:a16="http://schemas.microsoft.com/office/drawing/2014/main" id="{A2CFD827-6899-4E71-B993-1625FE25E375}"/>
+              </a:ext>
+            </a:extLst>
+          </p:cNvPr>
+          <p:cNvPicPr>
+            <a:picLocks noChangeAspect="1"/>
+          </p:cNvPicPr>
+          <p:nvPr/>
+        </p:nvPicPr>
+        <p:blipFill>
+          <a:blip r:embed="rId2"/>
+          <a:stretch>
+            <a:fillRect/>
+          </a:stretch>
+        </p:blipFill>
+        <p:spPr>
+          <a:xfrm>
+            <a:off x="10702980" y="136525"/>
+            <a:ext cx="1301640" cy="477268"/>
+          </a:xfrm>
+          <a:prstGeom prst="rect">
+            <a:avLst/>
+          </a:prstGeom>
+        </p:spPr>
+      </p:pic>
+      <p:graphicFrame>
+        <p:nvGraphicFramePr>
+          <p:cNvPr id="8" name="Content Placeholder 3">
+            <a:extLst>
+              <a:ext uri="{FF2B5EF4-FFF2-40B4-BE49-F238E27FC236}">
+                <a16:creationId xmlns:a16="http://schemas.microsoft.com/office/drawing/2014/main" id="{A73AEE9E-7498-42D1-A650-F36217F9CA13}"/>
+              </a:ext>
+            </a:extLst>
+          </p:cNvPr>
+          <p:cNvGraphicFramePr>
+            <a:graphicFrameLocks/>
+          </p:cNvGraphicFramePr>
+          <p:nvPr>
+            <p:extLst>
+              <p:ext uri="{D42A27DB-BD31-4B8C-83A1-F6EECF244321}">
+                <p14:modId xmlns:p14="http://schemas.microsoft.com/office/powerpoint/2010/main" val="546221311"/>
+              </p:ext>
+            </p:extLst>
+          </p:nvPr>
+        </p:nvGraphicFramePr>
+        <p:xfrm>
+          <a:off x="838200" y="2110928"/>
+          <a:ext cx="10528177" cy="2636144"/>
+        </p:xfrm>
+        <a:graphic>
+          <a:graphicData uri="http://schemas.openxmlformats.org/drawingml/2006/table">
+            <a:tbl>
+              <a:tblPr firstRow="1" bandRow="1">
+                <a:tableStyleId>{5C22544A-7EE6-4342-B048-85BDC9FD1C3A}</a:tableStyleId>
+              </a:tblPr>
+              <a:tblGrid>
+                <a:gridCol w="2902998">
+                  <a:extLst>
+                    <a:ext uri="{9D8B030D-6E8A-4147-A177-3AD203B41FA5}">
+                      <a16:colId xmlns:a16="http://schemas.microsoft.com/office/drawing/2014/main" val="4188642167"/>
+                    </a:ext>
+                  </a:extLst>
+                </a:gridCol>
+                <a:gridCol w="1464816">
+                  <a:extLst>
+                    <a:ext uri="{9D8B030D-6E8A-4147-A177-3AD203B41FA5}">
+                      <a16:colId xmlns:a16="http://schemas.microsoft.com/office/drawing/2014/main" val="1660464765"/>
+                    </a:ext>
+                  </a:extLst>
+                </a:gridCol>
+                <a:gridCol w="1553592">
+                  <a:extLst>
+                    <a:ext uri="{9D8B030D-6E8A-4147-A177-3AD203B41FA5}">
+                      <a16:colId xmlns:a16="http://schemas.microsoft.com/office/drawing/2014/main" val="3095455113"/>
+                    </a:ext>
+                  </a:extLst>
+                </a:gridCol>
+                <a:gridCol w="1571348">
+                  <a:extLst>
+                    <a:ext uri="{9D8B030D-6E8A-4147-A177-3AD203B41FA5}">
+                      <a16:colId xmlns:a16="http://schemas.microsoft.com/office/drawing/2014/main" val="117432761"/>
+                    </a:ext>
+                  </a:extLst>
+                </a:gridCol>
+                <a:gridCol w="1669002">
+                  <a:extLst>
+                    <a:ext uri="{9D8B030D-6E8A-4147-A177-3AD203B41FA5}">
+                      <a16:colId xmlns:a16="http://schemas.microsoft.com/office/drawing/2014/main" val="2658702865"/>
+                    </a:ext>
+                  </a:extLst>
+                </a:gridCol>
+                <a:gridCol w="1366421">
+                  <a:extLst>
+                    <a:ext uri="{9D8B030D-6E8A-4147-A177-3AD203B41FA5}">
+                      <a16:colId xmlns:a16="http://schemas.microsoft.com/office/drawing/2014/main" val="4046853624"/>
+                    </a:ext>
+                  </a:extLst>
+                </a:gridCol>
+              </a:tblGrid>
+              <a:tr h="370840">
+                <a:tc>
+                  <a:txBody>
+                    <a:bodyPr/>
+                    <a:lstStyle/>
+                    <a:p>
+                      <a:r>
+                        <a:rPr lang="en-US" dirty="0"/>
+                        <a:t>Algorithm</a:t>
+                      </a:r>
+                    </a:p>
+                  </a:txBody>
+                  <a:tcPr/>
+                </a:tc>
+                <a:tc>
+                  <a:txBody>
+                    <a:bodyPr/>
+                    <a:lstStyle/>
+                    <a:p>
+                      <a:pPr algn="ctr"/>
+                      <a:r>
+                        <a:rPr lang="en-US" dirty="0"/>
+                        <a:t>Accuracy</a:t>
+                      </a:r>
+                    </a:p>
+                  </a:txBody>
+                  <a:tcPr/>
+                </a:tc>
+                <a:tc>
+                  <a:txBody>
+                    <a:bodyPr/>
+                    <a:lstStyle/>
+                    <a:p>
+                      <a:pPr algn="ctr"/>
+                      <a:r>
+                        <a:rPr lang="en-US" dirty="0"/>
+                        <a:t>Precision</a:t>
+                      </a:r>
+                    </a:p>
+                  </a:txBody>
+                  <a:tcPr/>
+                </a:tc>
+                <a:tc>
+                  <a:txBody>
+                    <a:bodyPr/>
+                    <a:lstStyle/>
+                    <a:p>
+                      <a:pPr algn="ctr"/>
+                      <a:r>
+                        <a:rPr lang="en-US" dirty="0"/>
+                        <a:t>Recall</a:t>
+                      </a:r>
+                    </a:p>
+                  </a:txBody>
+                  <a:tcPr/>
+                </a:tc>
+                <a:tc>
+                  <a:txBody>
+                    <a:bodyPr/>
+                    <a:lstStyle/>
+                    <a:p>
+                      <a:pPr algn="ctr"/>
+                      <a:r>
+                        <a:rPr lang="en-US" dirty="0"/>
+                        <a:t>F1 score</a:t>
+                      </a:r>
+                    </a:p>
+                  </a:txBody>
+                  <a:tcPr/>
+                </a:tc>
+                <a:tc>
+                  <a:txBody>
+                    <a:bodyPr/>
+                    <a:lstStyle/>
+                    <a:p>
+                      <a:pPr algn="ctr"/>
+                      <a:r>
+                        <a:rPr lang="en-US" dirty="0"/>
+                        <a:t>AUC</a:t>
+                      </a:r>
+                    </a:p>
+                  </a:txBody>
+                  <a:tcPr/>
+                </a:tc>
+                <a:extLst>
+                  <a:ext uri="{0D108BD9-81ED-4DB2-BD59-A6C34878D82A}">
+                    <a16:rowId xmlns:a16="http://schemas.microsoft.com/office/drawing/2014/main" val="4239756224"/>
+                  </a:ext>
+                </a:extLst>
+              </a:tr>
+              <a:tr h="370840">
+                <a:tc>
+                  <a:txBody>
+                    <a:bodyPr/>
+                    <a:lstStyle/>
+                    <a:p>
+                      <a:r>
+                        <a:rPr lang="en-US" dirty="0"/>
+                        <a:t>Logistic Regression</a:t>
+                      </a:r>
+                    </a:p>
+                  </a:txBody>
+                  <a:tcPr/>
+                </a:tc>
+                <a:tc>
+                  <a:txBody>
+                    <a:bodyPr/>
+                    <a:lstStyle/>
+                    <a:p>
+                      <a:pPr algn="ctr" fontAlgn="b"/>
+                      <a:r>
+                        <a:rPr lang="en-US" sz="1800" b="1" i="0" u="none" strike="noStrike" dirty="0">
+                          <a:solidFill>
+                            <a:srgbClr val="000000"/>
+                          </a:solidFill>
+                          <a:effectLst/>
+                          <a:latin typeface="Calibri" panose="020F0502020204030204" pitchFamily="34" charset="0"/>
+                        </a:rPr>
+                        <a:t>0.811</a:t>
+                      </a:r>
+                    </a:p>
+                  </a:txBody>
+                  <a:tcPr marL="7620" marR="7620" marT="7620" marB="0" anchor="b"/>
+                </a:tc>
+                <a:tc>
+                  <a:txBody>
+                    <a:bodyPr/>
+                    <a:lstStyle/>
+                    <a:p>
+                      <a:pPr algn="ctr" fontAlgn="b"/>
+                      <a:r>
+                        <a:rPr lang="en-US" sz="1800" b="0" i="0" u="none" strike="noStrike">
+                          <a:solidFill>
+                            <a:srgbClr val="000000"/>
+                          </a:solidFill>
+                          <a:effectLst/>
+                          <a:latin typeface="Calibri" panose="020F0502020204030204" pitchFamily="34" charset="0"/>
+                        </a:rPr>
+                        <a:t>0.774</a:t>
+                      </a:r>
+                    </a:p>
+                  </a:txBody>
+                  <a:tcPr marL="7620" marR="7620" marT="7620" marB="0" anchor="b"/>
+                </a:tc>
+                <a:tc>
+                  <a:txBody>
+                    <a:bodyPr/>
+                    <a:lstStyle/>
+                    <a:p>
+                      <a:pPr algn="ctr" fontAlgn="b"/>
+                      <a:r>
+                        <a:rPr lang="en-US" sz="1800" b="0" i="0" u="none" strike="noStrike">
+                          <a:solidFill>
+                            <a:srgbClr val="000000"/>
+                          </a:solidFill>
+                          <a:effectLst/>
+                          <a:latin typeface="Calibri" panose="020F0502020204030204" pitchFamily="34" charset="0"/>
+                        </a:rPr>
+                        <a:t>0.46</a:t>
+                      </a:r>
+                    </a:p>
+                  </a:txBody>
+                  <a:tcPr marL="7620" marR="7620" marT="7620" marB="0" anchor="b"/>
+                </a:tc>
+                <a:tc>
+                  <a:txBody>
+                    <a:bodyPr/>
+                    <a:lstStyle/>
+                    <a:p>
+                      <a:pPr algn="ctr" fontAlgn="b"/>
+                      <a:r>
+                        <a:rPr lang="en-US" sz="1800" b="0" i="0" u="none" strike="noStrike">
+                          <a:solidFill>
+                            <a:srgbClr val="000000"/>
+                          </a:solidFill>
+                          <a:effectLst/>
+                          <a:latin typeface="Calibri" panose="020F0502020204030204" pitchFamily="34" charset="0"/>
+                        </a:rPr>
+                        <a:t>0.564</a:t>
+                      </a:r>
+                    </a:p>
+                  </a:txBody>
+                  <a:tcPr marL="7620" marR="7620" marT="7620" marB="0" anchor="b"/>
+                </a:tc>
+                <a:tc>
+                  <a:txBody>
+                    <a:bodyPr/>
+                    <a:lstStyle/>
+                    <a:p>
+                      <a:pPr algn="ctr" fontAlgn="b"/>
+                      <a:r>
+                        <a:rPr lang="en-US" sz="1800" b="0" i="0" u="none" strike="noStrike" dirty="0">
+                          <a:solidFill>
+                            <a:srgbClr val="000000"/>
+                          </a:solidFill>
+                          <a:effectLst/>
+                          <a:latin typeface="Calibri" panose="020F0502020204030204" pitchFamily="34" charset="0"/>
+                        </a:rPr>
+                        <a:t>0.699</a:t>
+                      </a:r>
+                    </a:p>
+                  </a:txBody>
+                  <a:tcPr marL="7620" marR="7620" marT="7620" marB="0" anchor="b"/>
+                </a:tc>
+                <a:extLst>
+                  <a:ext uri="{0D108BD9-81ED-4DB2-BD59-A6C34878D82A}">
+                    <a16:rowId xmlns:a16="http://schemas.microsoft.com/office/drawing/2014/main" val="3600206186"/>
+                  </a:ext>
+                </a:extLst>
+              </a:tr>
+              <a:tr h="370840">
+                <a:tc>
+                  <a:txBody>
+                    <a:bodyPr/>
+                    <a:lstStyle/>
+                    <a:p>
+                      <a:r>
+                        <a:rPr lang="en-US" dirty="0"/>
+                        <a:t>SVM (Linear)</a:t>
+                      </a:r>
+                    </a:p>
+                  </a:txBody>
+                  <a:tcPr/>
+                </a:tc>
+                <a:tc>
+                  <a:txBody>
+                    <a:bodyPr/>
+                    <a:lstStyle/>
+                    <a:p>
+                      <a:pPr algn="ctr" fontAlgn="b"/>
+                      <a:r>
+                        <a:rPr lang="en-US" sz="1800" b="0" i="0" u="none" strike="noStrike" dirty="0">
+                          <a:solidFill>
+                            <a:srgbClr val="000000"/>
+                          </a:solidFill>
+                          <a:effectLst/>
+                          <a:latin typeface="Calibri" panose="020F0502020204030204" pitchFamily="34" charset="0"/>
+                        </a:rPr>
+                        <a:t>0.803</a:t>
+                      </a:r>
+                    </a:p>
+                  </a:txBody>
+                  <a:tcPr marL="7620" marR="7620" marT="7620" marB="0" anchor="b"/>
+                </a:tc>
+                <a:tc>
+                  <a:txBody>
+                    <a:bodyPr/>
+                    <a:lstStyle/>
+                    <a:p>
+                      <a:pPr algn="ctr" fontAlgn="b"/>
+                      <a:r>
+                        <a:rPr lang="en-US" sz="1800" b="0" i="0" u="none" strike="noStrike">
+                          <a:solidFill>
+                            <a:srgbClr val="000000"/>
+                          </a:solidFill>
+                          <a:effectLst/>
+                          <a:latin typeface="Calibri" panose="020F0502020204030204" pitchFamily="34" charset="0"/>
+                        </a:rPr>
+                        <a:t>0.846</a:t>
+                      </a:r>
+                    </a:p>
+                  </a:txBody>
+                  <a:tcPr marL="7620" marR="7620" marT="7620" marB="0" anchor="b"/>
+                </a:tc>
+                <a:tc>
+                  <a:txBody>
+                    <a:bodyPr/>
+                    <a:lstStyle/>
+                    <a:p>
+                      <a:pPr algn="ctr" fontAlgn="b"/>
+                      <a:r>
+                        <a:rPr lang="en-US" sz="1800" b="0" i="0" u="none" strike="noStrike" dirty="0">
+                          <a:solidFill>
+                            <a:srgbClr val="000000"/>
+                          </a:solidFill>
+                          <a:effectLst/>
+                          <a:latin typeface="Calibri" panose="020F0502020204030204" pitchFamily="34" charset="0"/>
+                        </a:rPr>
+                        <a:t>0.349</a:t>
+                      </a:r>
+                    </a:p>
+                  </a:txBody>
+                  <a:tcPr marL="7620" marR="7620" marT="7620" marB="0" anchor="b"/>
+                </a:tc>
+                <a:tc>
+                  <a:txBody>
+                    <a:bodyPr/>
+                    <a:lstStyle/>
+                    <a:p>
+                      <a:pPr algn="ctr" fontAlgn="b"/>
+                      <a:r>
+                        <a:rPr lang="en-US" sz="1800" b="0" i="0" u="none" strike="noStrike" dirty="0">
+                          <a:solidFill>
+                            <a:srgbClr val="000000"/>
+                          </a:solidFill>
+                          <a:effectLst/>
+                          <a:latin typeface="Calibri" panose="020F0502020204030204" pitchFamily="34" charset="0"/>
+                        </a:rPr>
+                        <a:t>0.481</a:t>
+                      </a:r>
+                    </a:p>
+                  </a:txBody>
+                  <a:tcPr marL="7620" marR="7620" marT="7620" marB="0" anchor="b"/>
+                </a:tc>
+                <a:tc>
+                  <a:txBody>
+                    <a:bodyPr/>
+                    <a:lstStyle/>
+                    <a:p>
+                      <a:pPr algn="ctr" fontAlgn="b"/>
+                      <a:r>
+                        <a:rPr lang="en-US" sz="1800" b="0" i="0" u="none" strike="noStrike" dirty="0">
+                          <a:solidFill>
+                            <a:srgbClr val="000000"/>
+                          </a:solidFill>
+                          <a:effectLst/>
+                          <a:latin typeface="Calibri" panose="020F0502020204030204" pitchFamily="34" charset="0"/>
+                        </a:rPr>
+                        <a:t>0.657</a:t>
+                      </a:r>
+                    </a:p>
+                  </a:txBody>
+                  <a:tcPr marL="7620" marR="7620" marT="7620" marB="0" anchor="b"/>
+                </a:tc>
+                <a:extLst>
+                  <a:ext uri="{0D108BD9-81ED-4DB2-BD59-A6C34878D82A}">
+                    <a16:rowId xmlns:a16="http://schemas.microsoft.com/office/drawing/2014/main" val="3463676684"/>
+                  </a:ext>
+                </a:extLst>
+              </a:tr>
+              <a:tr h="370840">
+                <a:tc>
+                  <a:txBody>
+                    <a:bodyPr/>
+                    <a:lstStyle/>
+                    <a:p>
+                      <a:r>
+                        <a:rPr lang="en-US" dirty="0"/>
+                        <a:t>Random Forest</a:t>
+                      </a:r>
+                    </a:p>
+                  </a:txBody>
+                  <a:tcPr/>
+                </a:tc>
+                <a:tc>
+                  <a:txBody>
+                    <a:bodyPr/>
+                    <a:lstStyle/>
+                    <a:p>
+                      <a:pPr algn="ctr" fontAlgn="b"/>
+                      <a:r>
+                        <a:rPr lang="en-US" sz="1800" b="0" i="0" u="none" strike="noStrike" dirty="0">
+                          <a:solidFill>
+                            <a:srgbClr val="000000"/>
+                          </a:solidFill>
+                          <a:effectLst/>
+                          <a:latin typeface="Calibri" panose="020F0502020204030204" pitchFamily="34" charset="0"/>
+                        </a:rPr>
+                        <a:t>0.773</a:t>
+                      </a:r>
+                    </a:p>
+                  </a:txBody>
+                  <a:tcPr marL="7620" marR="7620" marT="7620" marB="0" anchor="b"/>
+                </a:tc>
+                <a:tc>
+                  <a:txBody>
+                    <a:bodyPr/>
+                    <a:lstStyle/>
+                    <a:p>
+                      <a:pPr algn="ctr" fontAlgn="b"/>
+                      <a:r>
+                        <a:rPr lang="en-US" sz="1800" b="0" i="0" u="none" strike="noStrike" dirty="0">
+                          <a:solidFill>
+                            <a:srgbClr val="000000"/>
+                          </a:solidFill>
+                          <a:effectLst/>
+                          <a:latin typeface="Calibri" panose="020F0502020204030204" pitchFamily="34" charset="0"/>
+                        </a:rPr>
+                        <a:t>0.681</a:t>
+                      </a:r>
+                    </a:p>
+                  </a:txBody>
+                  <a:tcPr marL="7620" marR="7620" marT="7620" marB="0" anchor="b"/>
+                </a:tc>
+                <a:tc>
+                  <a:txBody>
+                    <a:bodyPr/>
+                    <a:lstStyle/>
+                    <a:p>
+                      <a:pPr algn="ctr" fontAlgn="b"/>
+                      <a:r>
+                        <a:rPr lang="en-US" sz="1800" b="0" i="0" u="none" strike="noStrike" dirty="0">
+                          <a:solidFill>
+                            <a:srgbClr val="000000"/>
+                          </a:solidFill>
+                          <a:effectLst/>
+                          <a:latin typeface="Calibri" panose="020F0502020204030204" pitchFamily="34" charset="0"/>
+                        </a:rPr>
+                        <a:t>0.254</a:t>
+                      </a:r>
+                    </a:p>
+                  </a:txBody>
+                  <a:tcPr marL="7620" marR="7620" marT="7620" marB="0" anchor="b"/>
+                </a:tc>
+                <a:tc>
+                  <a:txBody>
+                    <a:bodyPr/>
+                    <a:lstStyle/>
+                    <a:p>
+                      <a:pPr algn="ctr" fontAlgn="b"/>
+                      <a:r>
+                        <a:rPr lang="en-US" sz="1800" b="0" i="0" u="none" strike="noStrike" dirty="0">
+                          <a:solidFill>
+                            <a:srgbClr val="000000"/>
+                          </a:solidFill>
+                          <a:effectLst/>
+                          <a:latin typeface="Calibri" panose="020F0502020204030204" pitchFamily="34" charset="0"/>
+                        </a:rPr>
+                        <a:t>0.35</a:t>
+                      </a:r>
+                    </a:p>
+                  </a:txBody>
+                  <a:tcPr marL="7620" marR="7620" marT="7620" marB="0" anchor="b"/>
+                </a:tc>
+                <a:tc>
+                  <a:txBody>
+                    <a:bodyPr/>
+                    <a:lstStyle/>
+                    <a:p>
+                      <a:pPr algn="ctr" fontAlgn="b"/>
+                      <a:r>
+                        <a:rPr lang="en-US" sz="1800" b="0" i="0" u="none" strike="noStrike" dirty="0">
+                          <a:solidFill>
+                            <a:srgbClr val="000000"/>
+                          </a:solidFill>
+                          <a:effectLst/>
+                          <a:latin typeface="Calibri" panose="020F0502020204030204" pitchFamily="34" charset="0"/>
+                        </a:rPr>
+                        <a:t>0.607</a:t>
+                      </a:r>
+                    </a:p>
+                  </a:txBody>
+                  <a:tcPr marL="7620" marR="7620" marT="7620" marB="0" anchor="b"/>
+                </a:tc>
+                <a:extLst>
+                  <a:ext uri="{0D108BD9-81ED-4DB2-BD59-A6C34878D82A}">
+                    <a16:rowId xmlns:a16="http://schemas.microsoft.com/office/drawing/2014/main" val="1028679914"/>
+                  </a:ext>
+                </a:extLst>
+              </a:tr>
+              <a:tr h="370840">
+                <a:tc>
+                  <a:txBody>
+                    <a:bodyPr/>
+                    <a:lstStyle/>
+                    <a:p>
+                      <a:r>
+                        <a:rPr lang="en-US" dirty="0"/>
+                        <a:t>AdaBoost (RF)</a:t>
+                      </a:r>
+                    </a:p>
+                  </a:txBody>
+                  <a:tcPr/>
+                </a:tc>
+                <a:tc>
+                  <a:txBody>
+                    <a:bodyPr/>
+                    <a:lstStyle/>
+                    <a:p>
+                      <a:pPr algn="ctr" fontAlgn="b"/>
+                      <a:r>
+                        <a:rPr lang="en-US" sz="1800" b="0" i="0" u="none" strike="noStrike" dirty="0">
+                          <a:solidFill>
+                            <a:srgbClr val="000000"/>
+                          </a:solidFill>
+                          <a:effectLst/>
+                          <a:latin typeface="Calibri" panose="020F0502020204030204" pitchFamily="34" charset="0"/>
+                        </a:rPr>
+                        <a:t>0.782</a:t>
+                      </a:r>
+                    </a:p>
+                  </a:txBody>
+                  <a:tcPr marL="7620" marR="7620" marT="7620" marB="0" anchor="b"/>
+                </a:tc>
+                <a:tc>
+                  <a:txBody>
+                    <a:bodyPr/>
+                    <a:lstStyle/>
+                    <a:p>
+                      <a:pPr algn="ctr" fontAlgn="b"/>
+                      <a:r>
+                        <a:rPr lang="en-US" sz="1800" b="1" i="0" u="none" strike="noStrike" dirty="0">
+                          <a:solidFill>
+                            <a:srgbClr val="000000"/>
+                          </a:solidFill>
+                          <a:effectLst/>
+                          <a:latin typeface="Calibri" panose="020F0502020204030204" pitchFamily="34" charset="0"/>
+                        </a:rPr>
+                        <a:t>0.952</a:t>
+                      </a:r>
+                    </a:p>
+                  </a:txBody>
+                  <a:tcPr marL="7620" marR="7620" marT="7620" marB="0" anchor="b"/>
+                </a:tc>
+                <a:tc>
+                  <a:txBody>
+                    <a:bodyPr/>
+                    <a:lstStyle/>
+                    <a:p>
+                      <a:pPr algn="ctr" fontAlgn="b"/>
+                      <a:r>
+                        <a:rPr lang="en-US" sz="1800" b="0" i="0" u="none" strike="noStrike" dirty="0">
+                          <a:solidFill>
+                            <a:srgbClr val="000000"/>
+                          </a:solidFill>
+                          <a:effectLst/>
+                          <a:latin typeface="Calibri" panose="020F0502020204030204" pitchFamily="34" charset="0"/>
+                        </a:rPr>
+                        <a:t>0.19</a:t>
+                      </a:r>
+                    </a:p>
+                  </a:txBody>
+                  <a:tcPr marL="7620" marR="7620" marT="7620" marB="0" anchor="b"/>
+                </a:tc>
+                <a:tc>
+                  <a:txBody>
+                    <a:bodyPr/>
+                    <a:lstStyle/>
+                    <a:p>
+                      <a:pPr algn="ctr" fontAlgn="b"/>
+                      <a:r>
+                        <a:rPr lang="en-US" sz="1800" b="0" i="0" u="none" strike="noStrike" dirty="0">
+                          <a:solidFill>
+                            <a:srgbClr val="000000"/>
+                          </a:solidFill>
+                          <a:effectLst/>
+                          <a:latin typeface="Calibri" panose="020F0502020204030204" pitchFamily="34" charset="0"/>
+                        </a:rPr>
+                        <a:t>0.309</a:t>
+                      </a:r>
+                    </a:p>
+                  </a:txBody>
+                  <a:tcPr marL="7620" marR="7620" marT="7620" marB="0" anchor="b"/>
+                </a:tc>
+                <a:tc>
+                  <a:txBody>
+                    <a:bodyPr/>
+                    <a:lstStyle/>
+                    <a:p>
+                      <a:pPr algn="ctr" fontAlgn="b"/>
+                      <a:r>
+                        <a:rPr lang="en-US" sz="1800" b="0" i="0" u="none" strike="noStrike" dirty="0">
+                          <a:solidFill>
+                            <a:srgbClr val="000000"/>
+                          </a:solidFill>
+                          <a:effectLst/>
+                          <a:latin typeface="Calibri" panose="020F0502020204030204" pitchFamily="34" charset="0"/>
+                        </a:rPr>
+                        <a:t>0.592</a:t>
+                      </a:r>
+                    </a:p>
+                  </a:txBody>
+                  <a:tcPr marL="7620" marR="7620" marT="7620" marB="0" anchor="b"/>
+                </a:tc>
+                <a:extLst>
+                  <a:ext uri="{0D108BD9-81ED-4DB2-BD59-A6C34878D82A}">
+                    <a16:rowId xmlns:a16="http://schemas.microsoft.com/office/drawing/2014/main" val="1832787911"/>
+                  </a:ext>
+                </a:extLst>
+              </a:tr>
+              <a:tr h="411104">
+                <a:tc>
+                  <a:txBody>
+                    <a:bodyPr/>
+                    <a:lstStyle/>
+                    <a:p>
+                      <a:r>
+                        <a:rPr lang="en-US" dirty="0"/>
+                        <a:t>Decision Tree</a:t>
+                      </a:r>
+                    </a:p>
+                  </a:txBody>
+                  <a:tcPr/>
+                </a:tc>
+                <a:tc>
+                  <a:txBody>
+                    <a:bodyPr/>
+                    <a:lstStyle/>
+                    <a:p>
+                      <a:pPr algn="ctr" fontAlgn="b"/>
+                      <a:r>
+                        <a:rPr lang="en-US" sz="1800" b="0" i="0" u="none" strike="noStrike" dirty="0">
+                          <a:solidFill>
+                            <a:srgbClr val="000000"/>
+                          </a:solidFill>
+                          <a:effectLst/>
+                          <a:latin typeface="Calibri" panose="020F0502020204030204" pitchFamily="34" charset="0"/>
+                        </a:rPr>
+                        <a:t>0.794</a:t>
+                      </a:r>
+                    </a:p>
+                  </a:txBody>
+                  <a:tcPr marL="7620" marR="7620" marT="7620" marB="0" anchor="b"/>
+                </a:tc>
+                <a:tc>
+                  <a:txBody>
+                    <a:bodyPr/>
+                    <a:lstStyle/>
+                    <a:p>
+                      <a:pPr algn="ctr" fontAlgn="b"/>
+                      <a:r>
+                        <a:rPr lang="en-US" sz="1800" b="0" i="0" u="none" strike="noStrike">
+                          <a:solidFill>
+                            <a:srgbClr val="000000"/>
+                          </a:solidFill>
+                          <a:effectLst/>
+                          <a:latin typeface="Calibri" panose="020F0502020204030204" pitchFamily="34" charset="0"/>
+                        </a:rPr>
+                        <a:t>0.694</a:t>
+                      </a:r>
+                    </a:p>
+                  </a:txBody>
+                  <a:tcPr marL="7620" marR="7620" marT="7620" marB="0" anchor="b"/>
+                </a:tc>
+                <a:tc>
+                  <a:txBody>
+                    <a:bodyPr/>
+                    <a:lstStyle/>
+                    <a:p>
+                      <a:pPr algn="ctr" fontAlgn="b"/>
+                      <a:r>
+                        <a:rPr lang="en-US" sz="1800" b="1" i="0" u="none" strike="noStrike" dirty="0">
+                          <a:solidFill>
+                            <a:srgbClr val="000000"/>
+                          </a:solidFill>
+                          <a:effectLst/>
+                          <a:latin typeface="Calibri" panose="020F0502020204030204" pitchFamily="34" charset="0"/>
+                        </a:rPr>
+                        <a:t>0.508</a:t>
+                      </a:r>
+                    </a:p>
+                  </a:txBody>
+                  <a:tcPr marL="7620" marR="7620" marT="7620" marB="0" anchor="b"/>
+                </a:tc>
+                <a:tc>
+                  <a:txBody>
+                    <a:bodyPr/>
+                    <a:lstStyle/>
+                    <a:p>
+                      <a:pPr algn="ctr" fontAlgn="b"/>
+                      <a:r>
+                        <a:rPr lang="en-US" sz="1800" b="1" i="0" u="none" strike="noStrike" dirty="0">
+                          <a:solidFill>
+                            <a:srgbClr val="000000"/>
+                          </a:solidFill>
+                          <a:effectLst/>
+                          <a:latin typeface="Calibri" panose="020F0502020204030204" pitchFamily="34" charset="0"/>
+                        </a:rPr>
+                        <a:t>0.571</a:t>
+                      </a:r>
+                    </a:p>
+                  </a:txBody>
+                  <a:tcPr marL="7620" marR="7620" marT="7620" marB="0" anchor="b"/>
+                </a:tc>
+                <a:tc>
+                  <a:txBody>
+                    <a:bodyPr/>
+                    <a:lstStyle/>
+                    <a:p>
+                      <a:pPr algn="ctr" fontAlgn="b"/>
+                      <a:r>
+                        <a:rPr lang="en-US" sz="1800" b="1" i="0" u="none" strike="noStrike" dirty="0">
+                          <a:solidFill>
+                            <a:srgbClr val="000000"/>
+                          </a:solidFill>
+                          <a:effectLst/>
+                          <a:latin typeface="Calibri" panose="020F0502020204030204" pitchFamily="34" charset="0"/>
+                        </a:rPr>
+                        <a:t>0.703</a:t>
+                      </a:r>
+                    </a:p>
+                  </a:txBody>
+                  <a:tcPr marL="7620" marR="7620" marT="7620" marB="0" anchor="b"/>
+                </a:tc>
+                <a:extLst>
+                  <a:ext uri="{0D108BD9-81ED-4DB2-BD59-A6C34878D82A}">
+                    <a16:rowId xmlns:a16="http://schemas.microsoft.com/office/drawing/2014/main" val="2357453126"/>
+                  </a:ext>
+                </a:extLst>
+              </a:tr>
+              <a:tr h="370840">
+                <a:tc>
+                  <a:txBody>
+                    <a:bodyPr/>
+                    <a:lstStyle/>
+                    <a:p>
+                      <a:r>
+                        <a:rPr lang="en-US" dirty="0" err="1"/>
+                        <a:t>XGBoost</a:t>
+                      </a:r>
+                      <a:endParaRPr lang="en-US" dirty="0"/>
+                    </a:p>
+                  </a:txBody>
+                  <a:tcPr/>
+                </a:tc>
+                <a:tc>
+                  <a:txBody>
+                    <a:bodyPr/>
+                    <a:lstStyle/>
+                    <a:p>
+                      <a:pPr algn="ctr" fontAlgn="b"/>
+                      <a:r>
+                        <a:rPr lang="en-US" sz="1800" b="0" i="0" u="none" strike="noStrike" dirty="0">
+                          <a:solidFill>
+                            <a:srgbClr val="000000"/>
+                          </a:solidFill>
+                          <a:effectLst/>
+                          <a:latin typeface="Calibri" panose="020F0502020204030204" pitchFamily="34" charset="0"/>
+                        </a:rPr>
+                        <a:t>0.752</a:t>
+                      </a:r>
+                    </a:p>
+                  </a:txBody>
+                  <a:tcPr marL="7620" marR="7620" marT="7620" marB="0" anchor="b"/>
+                </a:tc>
+                <a:tc>
+                  <a:txBody>
+                    <a:bodyPr/>
+                    <a:lstStyle/>
+                    <a:p>
+                      <a:pPr algn="ctr" fontAlgn="b"/>
+                      <a:r>
+                        <a:rPr lang="en-US" sz="1800" b="0" i="0" u="none" strike="noStrike" dirty="0">
+                          <a:solidFill>
+                            <a:srgbClr val="000000"/>
+                          </a:solidFill>
+                          <a:effectLst/>
+                          <a:latin typeface="Calibri" panose="020F0502020204030204" pitchFamily="34" charset="0"/>
+                        </a:rPr>
+                        <a:t>0.56</a:t>
+                      </a:r>
+                    </a:p>
+                  </a:txBody>
+                  <a:tcPr marL="7620" marR="7620" marT="7620" marB="0" anchor="b"/>
+                </a:tc>
+                <a:tc>
+                  <a:txBody>
+                    <a:bodyPr/>
+                    <a:lstStyle/>
+                    <a:p>
+                      <a:pPr algn="ctr" fontAlgn="b"/>
+                      <a:r>
+                        <a:rPr lang="en-US" sz="1800" b="0" i="0" u="none" strike="noStrike" dirty="0">
+                          <a:solidFill>
+                            <a:srgbClr val="000000"/>
+                          </a:solidFill>
+                          <a:effectLst/>
+                          <a:latin typeface="Calibri" panose="020F0502020204030204" pitchFamily="34" charset="0"/>
+                        </a:rPr>
+                        <a:t>0.429</a:t>
+                      </a:r>
+                    </a:p>
+                  </a:txBody>
+                  <a:tcPr marL="7620" marR="7620" marT="7620" marB="0" anchor="b"/>
+                </a:tc>
+                <a:tc>
+                  <a:txBody>
+                    <a:bodyPr/>
+                    <a:lstStyle/>
+                    <a:p>
+                      <a:pPr algn="ctr" fontAlgn="b"/>
+                      <a:r>
+                        <a:rPr lang="en-US" sz="1800" b="0" i="0" u="none" strike="noStrike" dirty="0">
+                          <a:solidFill>
+                            <a:srgbClr val="000000"/>
+                          </a:solidFill>
+                          <a:effectLst/>
+                          <a:latin typeface="Calibri" panose="020F0502020204030204" pitchFamily="34" charset="0"/>
+                        </a:rPr>
+                        <a:t>0.474</a:t>
+                      </a:r>
+                    </a:p>
+                  </a:txBody>
+                  <a:tcPr marL="7620" marR="7620" marT="7620" marB="0" anchor="b"/>
+                </a:tc>
+                <a:tc>
+                  <a:txBody>
+                    <a:bodyPr/>
+                    <a:lstStyle/>
+                    <a:p>
+                      <a:pPr algn="ctr" fontAlgn="b"/>
+                      <a:r>
+                        <a:rPr lang="en-US" sz="1800" b="0" i="0" u="none" strike="noStrike" dirty="0">
+                          <a:solidFill>
+                            <a:srgbClr val="000000"/>
+                          </a:solidFill>
+                          <a:effectLst/>
+                          <a:latin typeface="Calibri" panose="020F0502020204030204" pitchFamily="34" charset="0"/>
+                        </a:rPr>
+                        <a:t>0.649</a:t>
+                      </a:r>
+                    </a:p>
+                  </a:txBody>
+                  <a:tcPr marL="7620" marR="7620" marT="7620" marB="0" anchor="b"/>
+                </a:tc>
+                <a:extLst>
+                  <a:ext uri="{0D108BD9-81ED-4DB2-BD59-A6C34878D82A}">
+                    <a16:rowId xmlns:a16="http://schemas.microsoft.com/office/drawing/2014/main" val="3049173358"/>
+                  </a:ext>
+                </a:extLst>
+              </a:tr>
+            </a:tbl>
+          </a:graphicData>
+        </a:graphic>
+      </p:graphicFrame>
+    </p:spTree>
+    <p:extLst>
+      <p:ext uri="{BB962C8B-B14F-4D97-AF65-F5344CB8AC3E}">
+        <p14:creationId xmlns:p14="http://schemas.microsoft.com/office/powerpoint/2010/main" val="1436528177"/>
+      </p:ext>
+    </p:extLst>
+  </p:cSld>
+  <p:clrMapOvr>
+    <a:masterClrMapping/>
+  </p:clrMapOvr>
+</p:sld>
+</file>
+
+<file path=ppt/slides/slide15.xml><?xml version="1.0" encoding="utf-8"?>
+<p:sld xmlns:a="http://schemas.openxmlformats.org/drawingml/2006/main" xmlns:r="http://schemas.openxmlformats.org/officeDocument/2006/relationships" xmlns:p="http://schemas.openxmlformats.org/presentationml/2006/main">
+  <p:cSld>
+    <p:spTree>
+      <p:nvGrpSpPr>
+        <p:cNvPr id="1" name=""/>
+        <p:cNvGrpSpPr/>
+        <p:nvPr/>
+      </p:nvGrpSpPr>
+      <p:grpSpPr>
+        <a:xfrm>
+          <a:off x="0" y="0"/>
+          <a:ext cx="0" cy="0"/>
+          <a:chOff x="0" y="0"/>
+          <a:chExt cx="0" cy="0"/>
+        </a:xfrm>
+      </p:grpSpPr>
+      <p:graphicFrame>
+        <p:nvGraphicFramePr>
+          <p:cNvPr id="13" name="Content Placeholder 8">
+            <a:extLst>
+              <a:ext uri="{FF2B5EF4-FFF2-40B4-BE49-F238E27FC236}">
+                <a16:creationId xmlns:a16="http://schemas.microsoft.com/office/drawing/2014/main" id="{0ADC72D7-8294-4958-A7E5-C67B6578A603}"/>
+              </a:ext>
+            </a:extLst>
+          </p:cNvPr>
+          <p:cNvGraphicFramePr>
+            <a:graphicFrameLocks/>
+          </p:cNvGraphicFramePr>
+          <p:nvPr>
+            <p:extLst>
+              <p:ext uri="{D42A27DB-BD31-4B8C-83A1-F6EECF244321}">
+                <p14:modId xmlns:p14="http://schemas.microsoft.com/office/powerpoint/2010/main" val="514818268"/>
+              </p:ext>
+            </p:extLst>
+          </p:nvPr>
+        </p:nvGraphicFramePr>
+        <p:xfrm>
+          <a:off x="4687747" y="1547833"/>
+          <a:ext cx="7058047" cy="4343681"/>
+        </p:xfrm>
+        <a:graphic>
+          <a:graphicData uri="http://schemas.openxmlformats.org/drawingml/2006/chart">
+            <c:chart xmlns:c="http://schemas.openxmlformats.org/drawingml/2006/chart" xmlns:r="http://schemas.openxmlformats.org/officeDocument/2006/relationships" r:id="rId2"/>
+          </a:graphicData>
+        </a:graphic>
+      </p:graphicFrame>
+      <p:graphicFrame>
+        <p:nvGraphicFramePr>
+          <p:cNvPr id="14" name="Table 13">
+            <a:extLst>
+              <a:ext uri="{FF2B5EF4-FFF2-40B4-BE49-F238E27FC236}">
+                <a16:creationId xmlns:a16="http://schemas.microsoft.com/office/drawing/2014/main" id="{211DD2B7-BBD2-4D46-A19D-91D3B9E80629}"/>
+              </a:ext>
+            </a:extLst>
+          </p:cNvPr>
+          <p:cNvGraphicFramePr>
+            <a:graphicFrameLocks noGrp="1"/>
+          </p:cNvGraphicFramePr>
+          <p:nvPr>
+            <p:extLst/>
+          </p:nvPr>
+        </p:nvGraphicFramePr>
+        <p:xfrm>
+          <a:off x="173620" y="1450200"/>
+          <a:ext cx="4247910" cy="4926163"/>
+        </p:xfrm>
+        <a:graphic>
+          <a:graphicData uri="http://schemas.openxmlformats.org/drawingml/2006/table">
+            <a:tbl>
+              <a:tblPr firstRow="1" bandRow="1">
+                <a:tableStyleId>{5C22544A-7EE6-4342-B048-85BDC9FD1C3A}</a:tableStyleId>
+              </a:tblPr>
+              <a:tblGrid>
+                <a:gridCol w="1158878">
+                  <a:extLst>
+                    <a:ext uri="{9D8B030D-6E8A-4147-A177-3AD203B41FA5}">
+                      <a16:colId xmlns:a16="http://schemas.microsoft.com/office/drawing/2014/main" val="2635258829"/>
+                    </a:ext>
+                  </a:extLst>
+                </a:gridCol>
+                <a:gridCol w="1544516">
+                  <a:extLst>
+                    <a:ext uri="{9D8B030D-6E8A-4147-A177-3AD203B41FA5}">
+                      <a16:colId xmlns:a16="http://schemas.microsoft.com/office/drawing/2014/main" val="113365656"/>
+                    </a:ext>
+                  </a:extLst>
+                </a:gridCol>
+                <a:gridCol w="1544516">
+                  <a:extLst>
+                    <a:ext uri="{9D8B030D-6E8A-4147-A177-3AD203B41FA5}">
+                      <a16:colId xmlns:a16="http://schemas.microsoft.com/office/drawing/2014/main" val="3614785778"/>
+                    </a:ext>
+                  </a:extLst>
+                </a:gridCol>
+              </a:tblGrid>
+              <a:tr h="536653">
+                <a:tc>
+                  <a:txBody>
+                    <a:bodyPr/>
+                    <a:lstStyle/>
+                    <a:p>
+                      <a:pPr algn="ctr"/>
+                      <a:r>
+                        <a:rPr lang="en-US" sz="1400" dirty="0">
+                          <a:latin typeface="+mj-lt"/>
+                        </a:rPr>
+                        <a:t>Feature Rank</a:t>
+                      </a:r>
+                    </a:p>
+                  </a:txBody>
+                  <a:tcPr/>
+                </a:tc>
+                <a:tc>
+                  <a:txBody>
+                    <a:bodyPr/>
+                    <a:lstStyle/>
+                    <a:p>
+                      <a:pPr algn="ctr"/>
+                      <a:r>
+                        <a:rPr lang="en-US" sz="1400" dirty="0">
+                          <a:latin typeface="+mj-lt"/>
+                        </a:rPr>
+                        <a:t>Feature</a:t>
+                      </a:r>
+                    </a:p>
+                  </a:txBody>
+                  <a:tcPr/>
+                </a:tc>
+                <a:tc>
+                  <a:txBody>
+                    <a:bodyPr/>
+                    <a:lstStyle/>
+                    <a:p>
+                      <a:pPr algn="ctr"/>
+                      <a:r>
+                        <a:rPr lang="en-US" sz="1400" dirty="0">
+                          <a:latin typeface="+mj-lt"/>
+                        </a:rPr>
+                        <a:t>%Contribution</a:t>
+                      </a:r>
+                    </a:p>
+                  </a:txBody>
+                  <a:tcPr/>
+                </a:tc>
+                <a:extLst>
+                  <a:ext uri="{0D108BD9-81ED-4DB2-BD59-A6C34878D82A}">
+                    <a16:rowId xmlns:a16="http://schemas.microsoft.com/office/drawing/2014/main" val="948928882"/>
+                  </a:ext>
+                </a:extLst>
+              </a:tr>
+              <a:tr h="478342">
+                <a:tc>
+                  <a:txBody>
+                    <a:bodyPr/>
+                    <a:lstStyle/>
+                    <a:p>
+                      <a:pPr algn="ctr"/>
+                      <a:r>
+                        <a:rPr lang="en-US" sz="1600" dirty="0">
+                          <a:latin typeface="+mj-lt"/>
+                        </a:rPr>
+                        <a:t>11</a:t>
+                      </a:r>
+                    </a:p>
+                  </a:txBody>
+                  <a:tcPr/>
+                </a:tc>
+                <a:tc>
+                  <a:txBody>
+                    <a:bodyPr/>
+                    <a:lstStyle/>
+                    <a:p>
+                      <a:pPr algn="ctr" fontAlgn="b"/>
+                      <a:r>
+                        <a:rPr lang="en-US" sz="1600" b="0" i="0" u="none" strike="noStrike" dirty="0">
+                          <a:solidFill>
+                            <a:srgbClr val="000000"/>
+                          </a:solidFill>
+                          <a:effectLst/>
+                          <a:latin typeface="+mj-lt"/>
+                        </a:rPr>
+                        <a:t>Disorders of thyroid gland</a:t>
+                      </a:r>
+                    </a:p>
+                  </a:txBody>
+                  <a:tcPr marL="7620" marR="7620" marT="7620" marB="0" anchor="b"/>
+                </a:tc>
+                <a:tc>
+                  <a:txBody>
+                    <a:bodyPr/>
+                    <a:lstStyle/>
+                    <a:p>
+                      <a:pPr algn="ctr" fontAlgn="b"/>
+                      <a:r>
+                        <a:rPr lang="en-US" sz="1600" b="0" i="0" u="none" strike="noStrike">
+                          <a:solidFill>
+                            <a:srgbClr val="000000"/>
+                          </a:solidFill>
+                          <a:effectLst/>
+                          <a:latin typeface="+mj-lt"/>
+                        </a:rPr>
+                        <a:t>1.61</a:t>
+                      </a:r>
+                    </a:p>
+                  </a:txBody>
+                  <a:tcPr marL="7620" marR="7620" marT="7620" marB="0" anchor="b"/>
+                </a:tc>
+                <a:extLst>
+                  <a:ext uri="{0D108BD9-81ED-4DB2-BD59-A6C34878D82A}">
+                    <a16:rowId xmlns:a16="http://schemas.microsoft.com/office/drawing/2014/main" val="1856616337"/>
+                  </a:ext>
+                </a:extLst>
+              </a:tr>
+              <a:tr h="323801">
+                <a:tc>
+                  <a:txBody>
+                    <a:bodyPr/>
+                    <a:lstStyle/>
+                    <a:p>
+                      <a:pPr algn="ctr"/>
+                      <a:r>
+                        <a:rPr lang="en-US" sz="1600" dirty="0">
+                          <a:latin typeface="+mj-lt"/>
+                        </a:rPr>
+                        <a:t>12</a:t>
+                      </a:r>
+                    </a:p>
+                  </a:txBody>
+                  <a:tcPr/>
+                </a:tc>
+                <a:tc>
+                  <a:txBody>
+                    <a:bodyPr/>
+                    <a:lstStyle/>
+                    <a:p>
+                      <a:pPr algn="ctr" fontAlgn="b"/>
+                      <a:r>
+                        <a:rPr lang="en-US" sz="1600" b="0" i="0" u="none" strike="noStrike">
+                          <a:solidFill>
+                            <a:srgbClr val="000000"/>
+                          </a:solidFill>
+                          <a:effectLst/>
+                          <a:latin typeface="+mj-lt"/>
+                        </a:rPr>
+                        <a:t>weight</a:t>
+                      </a:r>
+                    </a:p>
+                  </a:txBody>
+                  <a:tcPr marL="7620" marR="7620" marT="7620" marB="0" anchor="b"/>
+                </a:tc>
+                <a:tc>
+                  <a:txBody>
+                    <a:bodyPr/>
+                    <a:lstStyle/>
+                    <a:p>
+                      <a:pPr algn="ctr" fontAlgn="b"/>
+                      <a:r>
+                        <a:rPr lang="en-US" sz="1600" b="0" i="0" u="none" strike="noStrike" dirty="0">
+                          <a:solidFill>
+                            <a:srgbClr val="000000"/>
+                          </a:solidFill>
+                          <a:effectLst/>
+                          <a:latin typeface="+mj-lt"/>
+                        </a:rPr>
+                        <a:t>1.45</a:t>
+                      </a:r>
+                    </a:p>
+                  </a:txBody>
+                  <a:tcPr marL="7620" marR="7620" marT="7620" marB="0" anchor="b"/>
+                </a:tc>
+                <a:extLst>
+                  <a:ext uri="{0D108BD9-81ED-4DB2-BD59-A6C34878D82A}">
+                    <a16:rowId xmlns:a16="http://schemas.microsoft.com/office/drawing/2014/main" val="1030680049"/>
+                  </a:ext>
+                </a:extLst>
+              </a:tr>
+              <a:tr h="478342">
+                <a:tc>
+                  <a:txBody>
+                    <a:bodyPr/>
+                    <a:lstStyle/>
+                    <a:p>
+                      <a:pPr algn="ctr"/>
+                      <a:r>
+                        <a:rPr lang="en-US" sz="1600" dirty="0">
+                          <a:latin typeface="+mj-lt"/>
+                        </a:rPr>
+                        <a:t>13</a:t>
+                      </a:r>
+                    </a:p>
+                  </a:txBody>
+                  <a:tcPr/>
+                </a:tc>
+                <a:tc>
+                  <a:txBody>
+                    <a:bodyPr/>
+                    <a:lstStyle/>
+                    <a:p>
+                      <a:pPr algn="ctr" fontAlgn="b"/>
+                      <a:r>
+                        <a:rPr lang="en-US" sz="1600" b="0" i="0" u="none" strike="noStrike" dirty="0">
+                          <a:solidFill>
+                            <a:srgbClr val="040C28"/>
+                          </a:solidFill>
+                          <a:effectLst/>
+                          <a:latin typeface="+mj-lt"/>
+                        </a:rPr>
+                        <a:t>Nausea and vomiting</a:t>
+                      </a:r>
+                    </a:p>
+                  </a:txBody>
+                  <a:tcPr marL="7620" marR="7620" marT="7620" marB="0" anchor="b"/>
+                </a:tc>
+                <a:tc>
+                  <a:txBody>
+                    <a:bodyPr/>
+                    <a:lstStyle/>
+                    <a:p>
+                      <a:pPr algn="ctr" fontAlgn="b"/>
+                      <a:r>
+                        <a:rPr lang="en-US" sz="1600" b="0" i="0" u="none" strike="noStrike">
+                          <a:solidFill>
+                            <a:srgbClr val="000000"/>
+                          </a:solidFill>
+                          <a:effectLst/>
+                          <a:latin typeface="+mj-lt"/>
+                        </a:rPr>
+                        <a:t>1.43</a:t>
+                      </a:r>
+                    </a:p>
+                  </a:txBody>
+                  <a:tcPr marL="7620" marR="7620" marT="7620" marB="0" anchor="b"/>
+                </a:tc>
+                <a:extLst>
+                  <a:ext uri="{0D108BD9-81ED-4DB2-BD59-A6C34878D82A}">
+                    <a16:rowId xmlns:a16="http://schemas.microsoft.com/office/drawing/2014/main" val="3153170218"/>
+                  </a:ext>
+                </a:extLst>
+              </a:tr>
+              <a:tr h="323801">
+                <a:tc>
+                  <a:txBody>
+                    <a:bodyPr/>
+                    <a:lstStyle/>
+                    <a:p>
+                      <a:pPr algn="ctr"/>
+                      <a:r>
+                        <a:rPr lang="en-US" sz="1600" dirty="0">
+                          <a:latin typeface="+mj-lt"/>
+                        </a:rPr>
+                        <a:t>14</a:t>
+                      </a:r>
+                    </a:p>
+                  </a:txBody>
+                  <a:tcPr/>
+                </a:tc>
+                <a:tc>
+                  <a:txBody>
+                    <a:bodyPr/>
+                    <a:lstStyle/>
+                    <a:p>
+                      <a:pPr algn="ctr" fontAlgn="b"/>
+                      <a:r>
+                        <a:rPr lang="en-US" sz="1600" b="0" i="0" u="none" strike="noStrike" dirty="0">
+                          <a:solidFill>
+                            <a:srgbClr val="000000"/>
+                          </a:solidFill>
+                          <a:effectLst/>
+                          <a:latin typeface="+mj-lt"/>
+                        </a:rPr>
+                        <a:t>height</a:t>
+                      </a:r>
+                    </a:p>
+                  </a:txBody>
+                  <a:tcPr marL="7620" marR="7620" marT="7620" marB="0" anchor="b"/>
+                </a:tc>
+                <a:tc>
+                  <a:txBody>
+                    <a:bodyPr/>
+                    <a:lstStyle/>
+                    <a:p>
+                      <a:pPr algn="ctr" fontAlgn="b"/>
+                      <a:r>
+                        <a:rPr lang="en-US" sz="1600" b="0" i="0" u="none" strike="noStrike">
+                          <a:solidFill>
+                            <a:srgbClr val="000000"/>
+                          </a:solidFill>
+                          <a:effectLst/>
+                          <a:latin typeface="+mj-lt"/>
+                        </a:rPr>
+                        <a:t>1.4</a:t>
+                      </a:r>
+                    </a:p>
+                  </a:txBody>
+                  <a:tcPr marL="7620" marR="7620" marT="7620" marB="0" anchor="b"/>
+                </a:tc>
+                <a:extLst>
+                  <a:ext uri="{0D108BD9-81ED-4DB2-BD59-A6C34878D82A}">
+                    <a16:rowId xmlns:a16="http://schemas.microsoft.com/office/drawing/2014/main" val="945888184"/>
+                  </a:ext>
+                </a:extLst>
+              </a:tr>
+              <a:tr h="323801">
+                <a:tc>
+                  <a:txBody>
+                    <a:bodyPr/>
+                    <a:lstStyle/>
+                    <a:p>
+                      <a:pPr algn="ctr"/>
+                      <a:r>
+                        <a:rPr lang="en-US" sz="1600" dirty="0">
+                          <a:latin typeface="+mj-lt"/>
+                        </a:rPr>
+                        <a:t>15</a:t>
+                      </a:r>
+                    </a:p>
+                  </a:txBody>
+                  <a:tcPr/>
+                </a:tc>
+                <a:tc>
+                  <a:txBody>
+                    <a:bodyPr/>
+                    <a:lstStyle/>
+                    <a:p>
+                      <a:pPr algn="ctr" fontAlgn="b"/>
+                      <a:r>
+                        <a:rPr lang="en-US" sz="1600" b="0" i="0" u="none" strike="noStrike" dirty="0">
+                          <a:solidFill>
+                            <a:srgbClr val="000000"/>
+                          </a:solidFill>
+                          <a:effectLst/>
+                          <a:latin typeface="+mj-lt"/>
+                        </a:rPr>
+                        <a:t>pulse</a:t>
+                      </a:r>
+                    </a:p>
+                  </a:txBody>
+                  <a:tcPr marL="7620" marR="7620" marT="7620" marB="0" anchor="b"/>
+                </a:tc>
+                <a:tc>
+                  <a:txBody>
+                    <a:bodyPr/>
+                    <a:lstStyle/>
+                    <a:p>
+                      <a:pPr algn="ctr" fontAlgn="b"/>
+                      <a:r>
+                        <a:rPr lang="en-US" sz="1600" b="0" i="0" u="none" strike="noStrike">
+                          <a:solidFill>
+                            <a:srgbClr val="000000"/>
+                          </a:solidFill>
+                          <a:effectLst/>
+                          <a:latin typeface="+mj-lt"/>
+                        </a:rPr>
+                        <a:t>1.38</a:t>
+                      </a:r>
+                    </a:p>
+                  </a:txBody>
+                  <a:tcPr marL="7620" marR="7620" marT="7620" marB="0" anchor="b"/>
+                </a:tc>
+                <a:extLst>
+                  <a:ext uri="{0D108BD9-81ED-4DB2-BD59-A6C34878D82A}">
+                    <a16:rowId xmlns:a16="http://schemas.microsoft.com/office/drawing/2014/main" val="2980687190"/>
+                  </a:ext>
+                </a:extLst>
+              </a:tr>
+              <a:tr h="696372">
+                <a:tc>
+                  <a:txBody>
+                    <a:bodyPr/>
+                    <a:lstStyle/>
+                    <a:p>
+                      <a:pPr algn="ctr"/>
+                      <a:r>
+                        <a:rPr lang="en-US" sz="1600" dirty="0">
+                          <a:latin typeface="+mj-lt"/>
+                        </a:rPr>
+                        <a:t>16</a:t>
+                      </a:r>
+                    </a:p>
+                  </a:txBody>
+                  <a:tcPr/>
+                </a:tc>
+                <a:tc>
+                  <a:txBody>
+                    <a:bodyPr/>
+                    <a:lstStyle/>
+                    <a:p>
+                      <a:pPr algn="ctr" fontAlgn="b"/>
+                      <a:r>
+                        <a:rPr lang="en-US" sz="1600" b="0" i="0" u="none" strike="noStrike" dirty="0">
+                          <a:solidFill>
+                            <a:srgbClr val="000000"/>
+                          </a:solidFill>
+                          <a:effectLst/>
+                          <a:latin typeface="+mj-lt"/>
+                        </a:rPr>
+                        <a:t>Diseases of the circulatory system</a:t>
+                      </a:r>
+                    </a:p>
+                  </a:txBody>
+                  <a:tcPr marL="7620" marR="7620" marT="7620" marB="0" anchor="b"/>
+                </a:tc>
+                <a:tc>
+                  <a:txBody>
+                    <a:bodyPr/>
+                    <a:lstStyle/>
+                    <a:p>
+                      <a:pPr algn="ctr" fontAlgn="b"/>
+                      <a:r>
+                        <a:rPr lang="en-US" sz="1600" b="0" i="0" u="none" strike="noStrike">
+                          <a:solidFill>
+                            <a:srgbClr val="000000"/>
+                          </a:solidFill>
+                          <a:effectLst/>
+                          <a:latin typeface="+mj-lt"/>
+                        </a:rPr>
+                        <a:t>1.37</a:t>
+                      </a:r>
+                    </a:p>
+                  </a:txBody>
+                  <a:tcPr marL="7620" marR="7620" marT="7620" marB="0" anchor="b"/>
+                </a:tc>
+                <a:extLst>
+                  <a:ext uri="{0D108BD9-81ED-4DB2-BD59-A6C34878D82A}">
+                    <a16:rowId xmlns:a16="http://schemas.microsoft.com/office/drawing/2014/main" val="153345662"/>
+                  </a:ext>
+                </a:extLst>
+              </a:tr>
+              <a:tr h="323801">
+                <a:tc>
+                  <a:txBody>
+                    <a:bodyPr/>
+                    <a:lstStyle/>
+                    <a:p>
+                      <a:pPr algn="ctr"/>
+                      <a:r>
+                        <a:rPr lang="en-US" sz="1600" dirty="0">
+                          <a:latin typeface="+mj-lt"/>
+                        </a:rPr>
+                        <a:t>17</a:t>
+                      </a:r>
+                    </a:p>
+                  </a:txBody>
+                  <a:tcPr/>
+                </a:tc>
+                <a:tc>
+                  <a:txBody>
+                    <a:bodyPr/>
+                    <a:lstStyle/>
+                    <a:p>
+                      <a:pPr algn="ctr" fontAlgn="b"/>
+                      <a:r>
+                        <a:rPr lang="en-US" sz="1600" b="0" i="0" u="none" strike="noStrike" dirty="0" err="1">
+                          <a:solidFill>
+                            <a:srgbClr val="000000"/>
+                          </a:solidFill>
+                          <a:effectLst/>
+                          <a:latin typeface="+mj-lt"/>
+                        </a:rPr>
+                        <a:t>bp_mean</a:t>
+                      </a:r>
+                      <a:endParaRPr lang="en-US" sz="1600" b="0" i="0" u="none" strike="noStrike" dirty="0">
+                        <a:solidFill>
+                          <a:srgbClr val="000000"/>
+                        </a:solidFill>
+                        <a:effectLst/>
+                        <a:latin typeface="+mj-lt"/>
+                      </a:endParaRPr>
+                    </a:p>
+                  </a:txBody>
+                  <a:tcPr marL="7620" marR="7620" marT="7620" marB="0" anchor="b"/>
+                </a:tc>
+                <a:tc>
+                  <a:txBody>
+                    <a:bodyPr/>
+                    <a:lstStyle/>
+                    <a:p>
+                      <a:pPr algn="ctr" fontAlgn="b"/>
+                      <a:r>
+                        <a:rPr lang="en-US" sz="1600" b="0" i="0" u="none" strike="noStrike" dirty="0">
+                          <a:solidFill>
+                            <a:srgbClr val="000000"/>
+                          </a:solidFill>
+                          <a:effectLst/>
+                          <a:latin typeface="+mj-lt"/>
+                        </a:rPr>
+                        <a:t>1.2</a:t>
+                      </a:r>
+                    </a:p>
+                  </a:txBody>
+                  <a:tcPr marL="7620" marR="7620" marT="7620" marB="0" anchor="b"/>
+                </a:tc>
+                <a:extLst>
+                  <a:ext uri="{0D108BD9-81ED-4DB2-BD59-A6C34878D82A}">
+                    <a16:rowId xmlns:a16="http://schemas.microsoft.com/office/drawing/2014/main" val="2754254351"/>
+                  </a:ext>
+                </a:extLst>
+              </a:tr>
+              <a:tr h="323801">
+                <a:tc>
+                  <a:txBody>
+                    <a:bodyPr/>
+                    <a:lstStyle/>
+                    <a:p>
+                      <a:pPr algn="ctr"/>
+                      <a:r>
+                        <a:rPr lang="en-US" sz="1600" dirty="0">
+                          <a:latin typeface="+mj-lt"/>
+                        </a:rPr>
+                        <a:t>18</a:t>
+                      </a:r>
+                    </a:p>
+                  </a:txBody>
+                  <a:tcPr/>
+                </a:tc>
+                <a:tc>
+                  <a:txBody>
+                    <a:bodyPr/>
+                    <a:lstStyle/>
+                    <a:p>
+                      <a:pPr algn="ctr" fontAlgn="b"/>
+                      <a:r>
+                        <a:rPr lang="en-US" sz="1600" b="0" i="0" u="none" strike="noStrike">
+                          <a:solidFill>
+                            <a:srgbClr val="000000"/>
+                          </a:solidFill>
+                          <a:effectLst/>
+                          <a:latin typeface="+mj-lt"/>
+                        </a:rPr>
+                        <a:t>Hypotension</a:t>
+                      </a:r>
+                    </a:p>
+                  </a:txBody>
+                  <a:tcPr marL="7620" marR="7620" marT="7620" marB="0" anchor="b"/>
+                </a:tc>
+                <a:tc>
+                  <a:txBody>
+                    <a:bodyPr/>
+                    <a:lstStyle/>
+                    <a:p>
+                      <a:pPr algn="ctr" fontAlgn="b"/>
+                      <a:r>
+                        <a:rPr lang="en-US" sz="1600" b="0" i="0" u="none" strike="noStrike" dirty="0">
+                          <a:solidFill>
+                            <a:srgbClr val="000000"/>
+                          </a:solidFill>
+                          <a:effectLst/>
+                          <a:latin typeface="+mj-lt"/>
+                        </a:rPr>
+                        <a:t>1.14</a:t>
+                      </a:r>
+                    </a:p>
+                  </a:txBody>
+                  <a:tcPr marL="7620" marR="7620" marT="7620" marB="0" anchor="b"/>
+                </a:tc>
+                <a:extLst>
+                  <a:ext uri="{0D108BD9-81ED-4DB2-BD59-A6C34878D82A}">
+                    <a16:rowId xmlns:a16="http://schemas.microsoft.com/office/drawing/2014/main" val="899613379"/>
+                  </a:ext>
+                </a:extLst>
+              </a:tr>
+              <a:tr h="559760">
+                <a:tc>
+                  <a:txBody>
+                    <a:bodyPr/>
+                    <a:lstStyle/>
+                    <a:p>
+                      <a:pPr algn="ctr"/>
+                      <a:r>
+                        <a:rPr lang="en-US" sz="1600" dirty="0">
+                          <a:latin typeface="+mj-lt"/>
+                        </a:rPr>
+                        <a:t>19</a:t>
+                      </a:r>
+                    </a:p>
+                  </a:txBody>
+                  <a:tcPr/>
+                </a:tc>
+                <a:tc>
+                  <a:txBody>
+                    <a:bodyPr/>
+                    <a:lstStyle/>
+                    <a:p>
+                      <a:pPr algn="ctr" fontAlgn="b"/>
+                      <a:r>
+                        <a:rPr lang="en-US" sz="1600" b="0" i="0" u="none" strike="noStrike">
+                          <a:solidFill>
+                            <a:srgbClr val="000000"/>
+                          </a:solidFill>
+                          <a:effectLst/>
+                          <a:latin typeface="+mj-lt"/>
+                        </a:rPr>
+                        <a:t>Other diseases of urinary system</a:t>
+                      </a:r>
+                    </a:p>
+                  </a:txBody>
+                  <a:tcPr marL="7620" marR="7620" marT="7620" marB="0" anchor="b"/>
+                </a:tc>
+                <a:tc>
+                  <a:txBody>
+                    <a:bodyPr/>
+                    <a:lstStyle/>
+                    <a:p>
+                      <a:pPr algn="ctr" fontAlgn="b"/>
+                      <a:r>
+                        <a:rPr lang="en-US" sz="1600" b="0" i="0" u="none" strike="noStrike" dirty="0">
+                          <a:solidFill>
+                            <a:srgbClr val="000000"/>
+                          </a:solidFill>
+                          <a:effectLst/>
+                          <a:latin typeface="+mj-lt"/>
+                        </a:rPr>
+                        <a:t>1.09</a:t>
+                      </a:r>
+                    </a:p>
+                  </a:txBody>
+                  <a:tcPr marL="7620" marR="7620" marT="7620" marB="0" anchor="b"/>
+                </a:tc>
+                <a:extLst>
+                  <a:ext uri="{0D108BD9-81ED-4DB2-BD59-A6C34878D82A}">
+                    <a16:rowId xmlns:a16="http://schemas.microsoft.com/office/drawing/2014/main" val="2362743532"/>
+                  </a:ext>
+                </a:extLst>
+              </a:tr>
+              <a:tr h="466378">
+                <a:tc>
+                  <a:txBody>
+                    <a:bodyPr/>
+                    <a:lstStyle/>
+                    <a:p>
+                      <a:pPr algn="ctr"/>
+                      <a:r>
+                        <a:rPr lang="en-US" sz="1600" dirty="0">
+                          <a:latin typeface="+mj-lt"/>
+                        </a:rPr>
+                        <a:t>20</a:t>
+                      </a:r>
+                    </a:p>
+                  </a:txBody>
+                  <a:tcPr/>
+                </a:tc>
+                <a:tc>
+                  <a:txBody>
+                    <a:bodyPr/>
+                    <a:lstStyle/>
+                    <a:p>
+                      <a:pPr algn="ctr" fontAlgn="b"/>
+                      <a:r>
+                        <a:rPr lang="en-US" sz="1600" b="0" i="0" u="none" strike="noStrike" dirty="0">
+                          <a:solidFill>
+                            <a:srgbClr val="202124"/>
+                          </a:solidFill>
+                          <a:effectLst/>
+                          <a:latin typeface="+mj-lt"/>
+                        </a:rPr>
+                        <a:t> </a:t>
+                      </a:r>
+                      <a:r>
+                        <a:rPr lang="en-US" sz="1600" b="0" i="0" u="none" strike="noStrike" dirty="0">
+                          <a:solidFill>
+                            <a:srgbClr val="040C28"/>
+                          </a:solidFill>
+                          <a:effectLst/>
+                          <a:latin typeface="+mj-lt"/>
+                        </a:rPr>
+                        <a:t>Volume depletion</a:t>
+                      </a:r>
+                      <a:endParaRPr lang="en-US" sz="1600" b="0" i="0" u="none" strike="noStrike" dirty="0">
+                        <a:solidFill>
+                          <a:srgbClr val="202124"/>
+                        </a:solidFill>
+                        <a:effectLst/>
+                        <a:latin typeface="+mj-lt"/>
+                      </a:endParaRPr>
+                    </a:p>
+                  </a:txBody>
+                  <a:tcPr marL="7620" marR="7620" marT="7620" marB="0" anchor="b"/>
+                </a:tc>
+                <a:tc>
+                  <a:txBody>
+                    <a:bodyPr/>
+                    <a:lstStyle/>
+                    <a:p>
+                      <a:pPr algn="ctr" fontAlgn="b"/>
+                      <a:r>
+                        <a:rPr lang="en-US" sz="1600" b="0" i="0" u="none" strike="noStrike" dirty="0">
+                          <a:solidFill>
+                            <a:srgbClr val="000000"/>
+                          </a:solidFill>
+                          <a:effectLst/>
+                          <a:latin typeface="+mj-lt"/>
+                        </a:rPr>
+                        <a:t>0.96</a:t>
+                      </a:r>
+                    </a:p>
+                  </a:txBody>
+                  <a:tcPr marL="7620" marR="7620" marT="7620" marB="0" anchor="b"/>
+                </a:tc>
+                <a:extLst>
+                  <a:ext uri="{0D108BD9-81ED-4DB2-BD59-A6C34878D82A}">
+                    <a16:rowId xmlns:a16="http://schemas.microsoft.com/office/drawing/2014/main" val="1064114720"/>
+                  </a:ext>
+                </a:extLst>
+              </a:tr>
+            </a:tbl>
+          </a:graphicData>
+        </a:graphic>
+      </p:graphicFrame>
+      <p:sp>
+        <p:nvSpPr>
+          <p:cNvPr id="4" name="TextBox 3">
+            <a:extLst>
+              <a:ext uri="{FF2B5EF4-FFF2-40B4-BE49-F238E27FC236}">
+                <a16:creationId xmlns:a16="http://schemas.microsoft.com/office/drawing/2014/main" id="{3B492AF9-5395-422F-A39B-4D0B535CBB56}"/>
+              </a:ext>
+            </a:extLst>
+          </p:cNvPr>
+          <p:cNvSpPr txBox="1"/>
+          <p:nvPr/>
+        </p:nvSpPr>
+        <p:spPr>
+          <a:xfrm>
+            <a:off x="262396" y="363986"/>
+            <a:ext cx="11314086" cy="646331"/>
+          </a:xfrm>
+          <a:prstGeom prst="rect">
+            <a:avLst/>
+          </a:prstGeom>
+          <a:noFill/>
+        </p:spPr>
+        <p:txBody>
+          <a:bodyPr wrap="square" rtlCol="0">
+            <a:spAutoFit/>
+          </a:bodyPr>
+          <a:lstStyle/>
+          <a:p>
+            <a:pPr algn="ctr"/>
+            <a:r>
+              <a:rPr lang="en-US" sz="3600" dirty="0"/>
+              <a:t>Important Features by </a:t>
+            </a:r>
+            <a:r>
+              <a:rPr lang="en-US" sz="3600" dirty="0" err="1"/>
+              <a:t>Shap</a:t>
+            </a:r>
+            <a:endParaRPr lang="en-US" sz="3600" dirty="0"/>
+          </a:p>
+        </p:txBody>
+      </p:sp>
+      <p:pic>
+        <p:nvPicPr>
+          <p:cNvPr id="5" name="Picture 4">
+            <a:extLst>
+              <a:ext uri="{FF2B5EF4-FFF2-40B4-BE49-F238E27FC236}">
+                <a16:creationId xmlns:a16="http://schemas.microsoft.com/office/drawing/2014/main" id="{EAE657FB-FDEF-42C6-8C55-C4D2890E45C5}"/>
+              </a:ext>
+            </a:extLst>
+          </p:cNvPr>
+          <p:cNvPicPr>
+            <a:picLocks noChangeAspect="1"/>
+          </p:cNvPicPr>
+          <p:nvPr/>
+        </p:nvPicPr>
+        <p:blipFill>
+          <a:blip r:embed="rId3"/>
+          <a:stretch>
+            <a:fillRect/>
+          </a:stretch>
+        </p:blipFill>
+        <p:spPr>
+          <a:xfrm>
+            <a:off x="10702980" y="136525"/>
+            <a:ext cx="1301640" cy="477268"/>
+          </a:xfrm>
+          <a:prstGeom prst="rect">
+            <a:avLst/>
+          </a:prstGeom>
+        </p:spPr>
+      </p:pic>
+    </p:spTree>
+    <p:extLst>
+      <p:ext uri="{BB962C8B-B14F-4D97-AF65-F5344CB8AC3E}">
+        <p14:creationId xmlns:p14="http://schemas.microsoft.com/office/powerpoint/2010/main" val="3936475499"/>
+      </p:ext>
+    </p:extLst>
+  </p:cSld>
+  <p:clrMapOvr>
+    <a:masterClrMapping/>
+  </p:clrMapOvr>
+</p:sld>
+</file>
+
+<file path=ppt/slides/slide16.xml><?xml version="1.0" encoding="utf-8"?>
+<p:sld xmlns:a="http://schemas.openxmlformats.org/drawingml/2006/main" xmlns:r="http://schemas.openxmlformats.org/officeDocument/2006/relationships" xmlns:p="http://schemas.openxmlformats.org/presentationml/2006/main">
+  <p:cSld>
+    <p:spTree>
+      <p:nvGrpSpPr>
+        <p:cNvPr id="1" name=""/>
+        <p:cNvGrpSpPr/>
+        <p:nvPr/>
+      </p:nvGrpSpPr>
+      <p:grpSpPr>
+        <a:xfrm>
+          <a:off x="0" y="0"/>
+          <a:ext cx="0" cy="0"/>
+          <a:chOff x="0" y="0"/>
+          <a:chExt cx="0" cy="0"/>
+        </a:xfrm>
+      </p:grpSpPr>
+      <p:graphicFrame>
+        <p:nvGraphicFramePr>
+          <p:cNvPr id="14" name="Table 13">
+            <a:extLst>
+              <a:ext uri="{FF2B5EF4-FFF2-40B4-BE49-F238E27FC236}">
+                <a16:creationId xmlns:a16="http://schemas.microsoft.com/office/drawing/2014/main" id="{211DD2B7-BBD2-4D46-A19D-91D3B9E80629}"/>
+              </a:ext>
+            </a:extLst>
+          </p:cNvPr>
+          <p:cNvGraphicFramePr>
+            <a:graphicFrameLocks noGrp="1"/>
+          </p:cNvGraphicFramePr>
+          <p:nvPr>
+            <p:extLst>
+              <p:ext uri="{D42A27DB-BD31-4B8C-83A1-F6EECF244321}">
+                <p14:modId xmlns:p14="http://schemas.microsoft.com/office/powerpoint/2010/main" val="223035638"/>
+              </p:ext>
+            </p:extLst>
+          </p:nvPr>
+        </p:nvGraphicFramePr>
+        <p:xfrm>
+          <a:off x="117843" y="1082381"/>
+          <a:ext cx="5201988" cy="5411633"/>
+        </p:xfrm>
+        <a:graphic>
+          <a:graphicData uri="http://schemas.openxmlformats.org/drawingml/2006/table">
+            <a:tbl>
+              <a:tblPr firstRow="1" bandRow="1">
+                <a:tableStyleId>{5C22544A-7EE6-4342-B048-85BDC9FD1C3A}</a:tableStyleId>
+              </a:tblPr>
+              <a:tblGrid>
+                <a:gridCol w="1419162">
+                  <a:extLst>
+                    <a:ext uri="{9D8B030D-6E8A-4147-A177-3AD203B41FA5}">
+                      <a16:colId xmlns:a16="http://schemas.microsoft.com/office/drawing/2014/main" val="2635258829"/>
+                    </a:ext>
+                  </a:extLst>
+                </a:gridCol>
+                <a:gridCol w="1891413">
+                  <a:extLst>
+                    <a:ext uri="{9D8B030D-6E8A-4147-A177-3AD203B41FA5}">
+                      <a16:colId xmlns:a16="http://schemas.microsoft.com/office/drawing/2014/main" val="113365656"/>
+                    </a:ext>
+                  </a:extLst>
+                </a:gridCol>
+                <a:gridCol w="1891413">
+                  <a:extLst>
+                    <a:ext uri="{9D8B030D-6E8A-4147-A177-3AD203B41FA5}">
+                      <a16:colId xmlns:a16="http://schemas.microsoft.com/office/drawing/2014/main" val="3614785778"/>
+                    </a:ext>
+                  </a:extLst>
+                </a:gridCol>
+              </a:tblGrid>
+              <a:tr h="281148">
+                <a:tc>
+                  <a:txBody>
+                    <a:bodyPr/>
+                    <a:lstStyle/>
+                    <a:p>
+                      <a:pPr algn="ctr"/>
+                      <a:r>
+                        <a:rPr lang="en-US" sz="1400" dirty="0">
+                          <a:latin typeface="+mj-lt"/>
+                        </a:rPr>
+                        <a:t>Feature Rank</a:t>
+                      </a:r>
+                    </a:p>
+                  </a:txBody>
+                  <a:tcPr/>
+                </a:tc>
+                <a:tc>
+                  <a:txBody>
+                    <a:bodyPr/>
+                    <a:lstStyle/>
+                    <a:p>
+                      <a:pPr algn="ctr"/>
+                      <a:r>
+                        <a:rPr lang="en-US" sz="1400" dirty="0">
+                          <a:latin typeface="+mj-lt"/>
+                        </a:rPr>
+                        <a:t>Feature</a:t>
+                      </a:r>
+                    </a:p>
+                  </a:txBody>
+                  <a:tcPr/>
+                </a:tc>
+                <a:tc>
+                  <a:txBody>
+                    <a:bodyPr/>
+                    <a:lstStyle/>
+                    <a:p>
+                      <a:pPr algn="ctr"/>
+                      <a:r>
+                        <a:rPr lang="en-US" sz="1400" dirty="0">
+                          <a:latin typeface="+mj-lt"/>
+                        </a:rPr>
+                        <a:t>%Contribution</a:t>
+                      </a:r>
+                    </a:p>
+                  </a:txBody>
+                  <a:tcPr/>
+                </a:tc>
+                <a:extLst>
+                  <a:ext uri="{0D108BD9-81ED-4DB2-BD59-A6C34878D82A}">
+                    <a16:rowId xmlns:a16="http://schemas.microsoft.com/office/drawing/2014/main" val="948928882"/>
+                  </a:ext>
+                </a:extLst>
+              </a:tr>
+              <a:tr h="309263">
+                <a:tc>
+                  <a:txBody>
+                    <a:bodyPr/>
+                    <a:lstStyle/>
+                    <a:p>
+                      <a:pPr algn="ctr"/>
+                      <a:r>
+                        <a:rPr lang="en-US" sz="1600" dirty="0">
+                          <a:latin typeface="+mj-lt"/>
+                        </a:rPr>
+                        <a:t>11</a:t>
+                      </a:r>
+                    </a:p>
+                  </a:txBody>
+                  <a:tcPr/>
+                </a:tc>
+                <a:tc>
+                  <a:txBody>
+                    <a:bodyPr/>
+                    <a:lstStyle/>
+                    <a:p>
+                      <a:pPr algn="ctr" fontAlgn="b"/>
+                      <a:r>
+                        <a:rPr lang="en-US" sz="1600" b="0" i="0" u="none" strike="noStrike" dirty="0">
+                          <a:solidFill>
+                            <a:srgbClr val="000000"/>
+                          </a:solidFill>
+                          <a:effectLst/>
+                          <a:latin typeface="+mj-lt"/>
+                        </a:rPr>
+                        <a:t>Cachexia </a:t>
+                      </a:r>
+                    </a:p>
+                  </a:txBody>
+                  <a:tcPr marL="7620" marR="7620" marT="7620" marB="0" anchor="b"/>
+                </a:tc>
+                <a:tc>
+                  <a:txBody>
+                    <a:bodyPr/>
+                    <a:lstStyle/>
+                    <a:p>
+                      <a:pPr algn="ctr" fontAlgn="b"/>
+                      <a:r>
+                        <a:rPr lang="en-US" sz="1600" b="0" i="0" u="none" strike="noStrike" dirty="0">
+                          <a:solidFill>
+                            <a:srgbClr val="000000"/>
+                          </a:solidFill>
+                          <a:effectLst/>
+                          <a:latin typeface="+mj-lt"/>
+                        </a:rPr>
+                        <a:t>2.55</a:t>
+                      </a:r>
+                    </a:p>
+                  </a:txBody>
+                  <a:tcPr marL="7620" marR="7620" marT="7620" marB="0" anchor="b"/>
+                </a:tc>
+                <a:extLst>
+                  <a:ext uri="{0D108BD9-81ED-4DB2-BD59-A6C34878D82A}">
+                    <a16:rowId xmlns:a16="http://schemas.microsoft.com/office/drawing/2014/main" val="1856616337"/>
+                  </a:ext>
+                </a:extLst>
+              </a:tr>
+              <a:tr h="404717">
+                <a:tc>
+                  <a:txBody>
+                    <a:bodyPr/>
+                    <a:lstStyle/>
+                    <a:p>
+                      <a:pPr algn="ctr"/>
+                      <a:r>
+                        <a:rPr lang="en-US" sz="1600" dirty="0">
+                          <a:latin typeface="+mj-lt"/>
+                        </a:rPr>
+                        <a:t>12</a:t>
+                      </a:r>
+                    </a:p>
+                  </a:txBody>
+                  <a:tcPr/>
+                </a:tc>
+                <a:tc>
+                  <a:txBody>
+                    <a:bodyPr/>
+                    <a:lstStyle/>
+                    <a:p>
+                      <a:pPr algn="ctr" fontAlgn="b"/>
+                      <a:r>
+                        <a:rPr lang="en-US" sz="1600" b="0" i="0" u="none" strike="noStrike" dirty="0">
+                          <a:solidFill>
+                            <a:srgbClr val="040C28"/>
+                          </a:solidFill>
+                          <a:effectLst/>
+                          <a:latin typeface="+mj-lt"/>
+                        </a:rPr>
+                        <a:t>Nausea and vomiting</a:t>
+                      </a:r>
+                    </a:p>
+                  </a:txBody>
+                  <a:tcPr marL="7620" marR="7620" marT="7620" marB="0" anchor="b"/>
+                </a:tc>
+                <a:tc>
+                  <a:txBody>
+                    <a:bodyPr/>
+                    <a:lstStyle/>
+                    <a:p>
+                      <a:pPr algn="ctr" fontAlgn="b"/>
+                      <a:r>
+                        <a:rPr lang="en-US" sz="1600" b="0" i="0" u="none" strike="noStrike" dirty="0">
+                          <a:solidFill>
+                            <a:srgbClr val="000000"/>
+                          </a:solidFill>
+                          <a:effectLst/>
+                          <a:latin typeface="+mj-lt"/>
+                        </a:rPr>
+                        <a:t>2.51</a:t>
+                      </a:r>
+                    </a:p>
+                  </a:txBody>
+                  <a:tcPr marL="7620" marR="7620" marT="7620" marB="0" anchor="b"/>
+                </a:tc>
+                <a:extLst>
+                  <a:ext uri="{0D108BD9-81ED-4DB2-BD59-A6C34878D82A}">
+                    <a16:rowId xmlns:a16="http://schemas.microsoft.com/office/drawing/2014/main" val="1030680049"/>
+                  </a:ext>
+                </a:extLst>
+              </a:tr>
+              <a:tr h="456865">
+                <a:tc>
+                  <a:txBody>
+                    <a:bodyPr/>
+                    <a:lstStyle/>
+                    <a:p>
+                      <a:pPr algn="ctr"/>
+                      <a:r>
+                        <a:rPr lang="en-US" sz="1600" dirty="0">
+                          <a:latin typeface="+mj-lt"/>
+                        </a:rPr>
+                        <a:t>13</a:t>
+                      </a:r>
+                    </a:p>
+                  </a:txBody>
+                  <a:tcPr/>
+                </a:tc>
+                <a:tc>
+                  <a:txBody>
+                    <a:bodyPr/>
+                    <a:lstStyle/>
+                    <a:p>
+                      <a:pPr algn="ctr" fontAlgn="b"/>
+                      <a:r>
+                        <a:rPr lang="en-US" sz="1600" b="0" i="0" u="none" strike="noStrike" dirty="0">
+                          <a:solidFill>
+                            <a:srgbClr val="040C28"/>
+                          </a:solidFill>
+                          <a:effectLst/>
+                          <a:latin typeface="+mj-lt"/>
+                        </a:rPr>
+                        <a:t>venous embolism and thrombosis</a:t>
+                      </a:r>
+                    </a:p>
+                  </a:txBody>
+                  <a:tcPr marL="7620" marR="7620" marT="7620" marB="0" anchor="b"/>
+                </a:tc>
+                <a:tc>
+                  <a:txBody>
+                    <a:bodyPr/>
+                    <a:lstStyle/>
+                    <a:p>
+                      <a:pPr algn="ctr" fontAlgn="b"/>
+                      <a:r>
+                        <a:rPr lang="en-US" sz="1600" b="0" i="0" u="none" strike="noStrike" dirty="0">
+                          <a:solidFill>
+                            <a:srgbClr val="000000"/>
+                          </a:solidFill>
+                          <a:effectLst/>
+                          <a:latin typeface="+mj-lt"/>
+                        </a:rPr>
+                        <a:t>2.48</a:t>
+                      </a:r>
+                    </a:p>
+                  </a:txBody>
+                  <a:tcPr marL="7620" marR="7620" marT="7620" marB="0" anchor="b"/>
+                </a:tc>
+                <a:extLst>
+                  <a:ext uri="{0D108BD9-81ED-4DB2-BD59-A6C34878D82A}">
+                    <a16:rowId xmlns:a16="http://schemas.microsoft.com/office/drawing/2014/main" val="3153170218"/>
+                  </a:ext>
+                </a:extLst>
+              </a:tr>
+              <a:tr h="309263">
+                <a:tc>
+                  <a:txBody>
+                    <a:bodyPr/>
+                    <a:lstStyle/>
+                    <a:p>
+                      <a:pPr algn="ctr"/>
+                      <a:r>
+                        <a:rPr lang="en-US" sz="1600" dirty="0">
+                          <a:latin typeface="+mj-lt"/>
+                        </a:rPr>
+                        <a:t>14</a:t>
+                      </a:r>
+                    </a:p>
+                  </a:txBody>
+                  <a:tcPr/>
+                </a:tc>
+                <a:tc>
+                  <a:txBody>
+                    <a:bodyPr/>
+                    <a:lstStyle/>
+                    <a:p>
+                      <a:pPr algn="ctr" fontAlgn="b"/>
+                      <a:r>
+                        <a:rPr lang="en-US" sz="1600" b="0" i="0" u="none" strike="noStrike" dirty="0">
+                          <a:solidFill>
+                            <a:srgbClr val="000000"/>
+                          </a:solidFill>
+                          <a:effectLst/>
+                          <a:latin typeface="+mj-lt"/>
+                        </a:rPr>
+                        <a:t>Age</a:t>
+                      </a:r>
+                    </a:p>
+                  </a:txBody>
+                  <a:tcPr marL="7620" marR="7620" marT="7620" marB="0" anchor="b"/>
+                </a:tc>
+                <a:tc>
+                  <a:txBody>
+                    <a:bodyPr/>
+                    <a:lstStyle/>
+                    <a:p>
+                      <a:pPr algn="ctr" fontAlgn="b"/>
+                      <a:r>
+                        <a:rPr lang="en-US" sz="1600" b="0" i="0" u="none" strike="noStrike" dirty="0">
+                          <a:solidFill>
+                            <a:srgbClr val="000000"/>
+                          </a:solidFill>
+                          <a:effectLst/>
+                          <a:latin typeface="+mj-lt"/>
+                        </a:rPr>
+                        <a:t>2.43</a:t>
+                      </a:r>
+                    </a:p>
+                  </a:txBody>
+                  <a:tcPr marL="7620" marR="7620" marT="7620" marB="0" anchor="b"/>
+                </a:tc>
+                <a:extLst>
+                  <a:ext uri="{0D108BD9-81ED-4DB2-BD59-A6C34878D82A}">
+                    <a16:rowId xmlns:a16="http://schemas.microsoft.com/office/drawing/2014/main" val="945888184"/>
+                  </a:ext>
+                </a:extLst>
+              </a:tr>
+              <a:tr h="456865">
+                <a:tc>
+                  <a:txBody>
+                    <a:bodyPr/>
+                    <a:lstStyle/>
+                    <a:p>
+                      <a:pPr algn="ctr"/>
+                      <a:r>
+                        <a:rPr lang="en-US" sz="1600" dirty="0">
+                          <a:latin typeface="+mj-lt"/>
+                        </a:rPr>
+                        <a:t>15</a:t>
+                      </a:r>
+                    </a:p>
+                  </a:txBody>
+                  <a:tcPr/>
+                </a:tc>
+                <a:tc>
+                  <a:txBody>
+                    <a:bodyPr/>
+                    <a:lstStyle/>
+                    <a:p>
+                      <a:pPr algn="ctr" fontAlgn="b"/>
+                      <a:r>
+                        <a:rPr lang="en-US" sz="1600" b="0" i="0" u="none" strike="noStrike" dirty="0">
+                          <a:solidFill>
+                            <a:srgbClr val="040C28"/>
+                          </a:solidFill>
+                          <a:effectLst/>
+                          <a:latin typeface="+mj-lt"/>
+                        </a:rPr>
+                        <a:t>Abnormal tumor markers</a:t>
+                      </a:r>
+                    </a:p>
+                  </a:txBody>
+                  <a:tcPr marL="7620" marR="7620" marT="7620" marB="0" anchor="b"/>
+                </a:tc>
+                <a:tc>
+                  <a:txBody>
+                    <a:bodyPr/>
+                    <a:lstStyle/>
+                    <a:p>
+                      <a:pPr algn="ctr" fontAlgn="b"/>
+                      <a:r>
+                        <a:rPr lang="en-US" sz="1600" b="0" i="0" u="none" strike="noStrike" dirty="0">
+                          <a:solidFill>
+                            <a:srgbClr val="000000"/>
+                          </a:solidFill>
+                          <a:effectLst/>
+                          <a:latin typeface="+mj-lt"/>
+                        </a:rPr>
+                        <a:t>2.30</a:t>
+                      </a:r>
+                    </a:p>
+                  </a:txBody>
+                  <a:tcPr marL="7620" marR="7620" marT="7620" marB="0" anchor="b"/>
+                </a:tc>
+                <a:extLst>
+                  <a:ext uri="{0D108BD9-81ED-4DB2-BD59-A6C34878D82A}">
+                    <a16:rowId xmlns:a16="http://schemas.microsoft.com/office/drawing/2014/main" val="2980687190"/>
+                  </a:ext>
+                </a:extLst>
+              </a:tr>
+              <a:tr h="404717">
+                <a:tc>
+                  <a:txBody>
+                    <a:bodyPr/>
+                    <a:lstStyle/>
+                    <a:p>
+                      <a:pPr algn="ctr"/>
+                      <a:r>
+                        <a:rPr lang="en-US" sz="1600" dirty="0">
+                          <a:latin typeface="+mj-lt"/>
+                        </a:rPr>
+                        <a:t>16</a:t>
+                      </a:r>
+                    </a:p>
+                  </a:txBody>
+                  <a:tcPr/>
+                </a:tc>
+                <a:tc>
+                  <a:txBody>
+                    <a:bodyPr/>
+                    <a:lstStyle/>
+                    <a:p>
+                      <a:pPr algn="ctr" fontAlgn="b"/>
+                      <a:r>
+                        <a:rPr lang="en-US" sz="1600" b="0" i="0" u="none" strike="noStrike" dirty="0">
+                          <a:solidFill>
+                            <a:srgbClr val="040C28"/>
+                          </a:solidFill>
+                          <a:effectLst/>
+                          <a:latin typeface="+mj-lt"/>
+                        </a:rPr>
+                        <a:t>Urinary tract infection</a:t>
+                      </a:r>
+                    </a:p>
+                  </a:txBody>
+                  <a:tcPr marL="7620" marR="7620" marT="7620" marB="0" anchor="b"/>
+                </a:tc>
+                <a:tc>
+                  <a:txBody>
+                    <a:bodyPr/>
+                    <a:lstStyle/>
+                    <a:p>
+                      <a:pPr algn="ctr" fontAlgn="b"/>
+                      <a:r>
+                        <a:rPr lang="en-US" sz="1600" b="0" i="0" u="none" strike="noStrike" dirty="0">
+                          <a:solidFill>
+                            <a:srgbClr val="000000"/>
+                          </a:solidFill>
+                          <a:effectLst/>
+                          <a:latin typeface="+mj-lt"/>
+                        </a:rPr>
+                        <a:t>2.27</a:t>
+                      </a:r>
+                    </a:p>
+                  </a:txBody>
+                  <a:tcPr marL="7620" marR="7620" marT="7620" marB="0" anchor="b"/>
+                </a:tc>
+                <a:extLst>
+                  <a:ext uri="{0D108BD9-81ED-4DB2-BD59-A6C34878D82A}">
+                    <a16:rowId xmlns:a16="http://schemas.microsoft.com/office/drawing/2014/main" val="153345662"/>
+                  </a:ext>
+                </a:extLst>
+              </a:tr>
+              <a:tr h="309263">
+                <a:tc>
+                  <a:txBody>
+                    <a:bodyPr/>
+                    <a:lstStyle/>
+                    <a:p>
+                      <a:pPr algn="ctr"/>
+                      <a:r>
+                        <a:rPr lang="en-US" sz="1600" dirty="0">
+                          <a:latin typeface="+mj-lt"/>
+                        </a:rPr>
+                        <a:t>17</a:t>
+                      </a:r>
+                    </a:p>
+                  </a:txBody>
+                  <a:tcPr/>
+                </a:tc>
+                <a:tc>
+                  <a:txBody>
+                    <a:bodyPr/>
+                    <a:lstStyle/>
+                    <a:p>
+                      <a:pPr algn="ctr" fontAlgn="b"/>
+                      <a:r>
+                        <a:rPr lang="en-US" sz="1600" b="0" i="0" u="none" strike="noStrike" dirty="0">
+                          <a:solidFill>
+                            <a:srgbClr val="040C28"/>
+                          </a:solidFill>
+                          <a:effectLst/>
+                          <a:latin typeface="+mj-lt"/>
+                        </a:rPr>
+                        <a:t>Volume depletion</a:t>
+                      </a:r>
+                      <a:r>
+                        <a:rPr lang="en-US" sz="1600" b="0" i="0" u="none" strike="noStrike" dirty="0">
+                          <a:solidFill>
+                            <a:srgbClr val="202124"/>
+                          </a:solidFill>
+                          <a:effectLst/>
+                          <a:latin typeface="+mj-lt"/>
+                        </a:rPr>
+                        <a:t> </a:t>
+                      </a:r>
+                      <a:endParaRPr lang="en-US" sz="1600" b="0" i="0" u="none" strike="noStrike" dirty="0">
+                        <a:solidFill>
+                          <a:srgbClr val="040C28"/>
+                        </a:solidFill>
+                        <a:effectLst/>
+                        <a:latin typeface="+mj-lt"/>
+                      </a:endParaRPr>
+                    </a:p>
+                  </a:txBody>
+                  <a:tcPr marL="7620" marR="7620" marT="7620" marB="0" anchor="b"/>
+                </a:tc>
+                <a:tc>
+                  <a:txBody>
+                    <a:bodyPr/>
+                    <a:lstStyle/>
+                    <a:p>
+                      <a:pPr algn="ctr" fontAlgn="b"/>
+                      <a:r>
+                        <a:rPr lang="en-US" sz="1600" b="0" i="0" u="none" strike="noStrike" dirty="0">
+                          <a:solidFill>
+                            <a:srgbClr val="000000"/>
+                          </a:solidFill>
+                          <a:effectLst/>
+                          <a:latin typeface="+mj-lt"/>
+                        </a:rPr>
+                        <a:t>2.25</a:t>
+                      </a:r>
+                    </a:p>
+                  </a:txBody>
+                  <a:tcPr marL="7620" marR="7620" marT="7620" marB="0" anchor="b"/>
+                </a:tc>
+                <a:extLst>
+                  <a:ext uri="{0D108BD9-81ED-4DB2-BD59-A6C34878D82A}">
+                    <a16:rowId xmlns:a16="http://schemas.microsoft.com/office/drawing/2014/main" val="2754254351"/>
+                  </a:ext>
+                </a:extLst>
+              </a:tr>
+              <a:tr h="803207">
+                <a:tc>
+                  <a:txBody>
+                    <a:bodyPr/>
+                    <a:lstStyle/>
+                    <a:p>
+                      <a:pPr algn="ctr"/>
+                      <a:r>
+                        <a:rPr lang="en-US" sz="1600" dirty="0">
+                          <a:latin typeface="+mj-lt"/>
+                        </a:rPr>
+                        <a:t>18</a:t>
+                      </a:r>
+                    </a:p>
+                  </a:txBody>
+                  <a:tcPr/>
+                </a:tc>
+                <a:tc>
+                  <a:txBody>
+                    <a:bodyPr/>
+                    <a:lstStyle/>
+                    <a:p>
+                      <a:pPr algn="ctr" fontAlgn="b"/>
+                      <a:r>
+                        <a:rPr lang="en-US" sz="1600" b="0" i="0" u="none" strike="noStrike">
+                          <a:solidFill>
+                            <a:srgbClr val="040C28"/>
+                          </a:solidFill>
+                          <a:effectLst/>
+                          <a:latin typeface="+mj-lt"/>
+                        </a:rPr>
+                        <a:t>Osteoporosis without pathological fracture</a:t>
+                      </a:r>
+                    </a:p>
+                  </a:txBody>
+                  <a:tcPr marL="7620" marR="7620" marT="7620" marB="0" anchor="b"/>
+                </a:tc>
+                <a:tc>
+                  <a:txBody>
+                    <a:bodyPr/>
+                    <a:lstStyle/>
+                    <a:p>
+                      <a:pPr algn="ctr" fontAlgn="b"/>
+                      <a:r>
+                        <a:rPr lang="en-US" sz="1600" b="0" i="0" u="none" strike="noStrike" dirty="0">
+                          <a:solidFill>
+                            <a:srgbClr val="000000"/>
+                          </a:solidFill>
+                          <a:effectLst/>
+                          <a:latin typeface="+mj-lt"/>
+                        </a:rPr>
+                        <a:t>1.98</a:t>
+                      </a:r>
+                    </a:p>
+                  </a:txBody>
+                  <a:tcPr marL="7620" marR="7620" marT="7620" marB="0" anchor="b"/>
+                </a:tc>
+                <a:extLst>
+                  <a:ext uri="{0D108BD9-81ED-4DB2-BD59-A6C34878D82A}">
+                    <a16:rowId xmlns:a16="http://schemas.microsoft.com/office/drawing/2014/main" val="899613379"/>
+                  </a:ext>
+                </a:extLst>
+              </a:tr>
+              <a:tr h="1002452">
+                <a:tc>
+                  <a:txBody>
+                    <a:bodyPr/>
+                    <a:lstStyle/>
+                    <a:p>
+                      <a:pPr algn="ctr"/>
+                      <a:r>
+                        <a:rPr lang="en-US" sz="1600" dirty="0">
+                          <a:latin typeface="+mj-lt"/>
+                        </a:rPr>
+                        <a:t>19</a:t>
+                      </a:r>
+                    </a:p>
+                  </a:txBody>
+                  <a:tcPr/>
+                </a:tc>
+                <a:tc>
+                  <a:txBody>
+                    <a:bodyPr/>
+                    <a:lstStyle/>
+                    <a:p>
+                      <a:pPr algn="ctr" fontAlgn="b"/>
+                      <a:r>
+                        <a:rPr lang="en-US" sz="1600" b="0" i="0" u="none" strike="noStrike">
+                          <a:solidFill>
+                            <a:srgbClr val="000000"/>
+                          </a:solidFill>
+                          <a:effectLst/>
+                          <a:latin typeface="+mj-lt"/>
+                        </a:rPr>
+                        <a:t>Poisoning by drugs, medicaments and biological substances</a:t>
+                      </a:r>
+                    </a:p>
+                  </a:txBody>
+                  <a:tcPr marL="7620" marR="7620" marT="7620" marB="0" anchor="b"/>
+                </a:tc>
+                <a:tc>
+                  <a:txBody>
+                    <a:bodyPr/>
+                    <a:lstStyle/>
+                    <a:p>
+                      <a:pPr algn="ctr" fontAlgn="b"/>
+                      <a:r>
+                        <a:rPr lang="en-US" sz="1600" b="0" i="0" u="none" strike="noStrike" dirty="0">
+                          <a:solidFill>
+                            <a:srgbClr val="000000"/>
+                          </a:solidFill>
+                          <a:effectLst/>
+                          <a:latin typeface="+mj-lt"/>
+                        </a:rPr>
+                        <a:t>1.78</a:t>
+                      </a:r>
+                    </a:p>
+                  </a:txBody>
+                  <a:tcPr marL="7620" marR="7620" marT="7620" marB="0" anchor="b"/>
+                </a:tc>
+                <a:extLst>
+                  <a:ext uri="{0D108BD9-81ED-4DB2-BD59-A6C34878D82A}">
+                    <a16:rowId xmlns:a16="http://schemas.microsoft.com/office/drawing/2014/main" val="2362743532"/>
+                  </a:ext>
+                </a:extLst>
+              </a:tr>
+              <a:tr h="456865">
+                <a:tc>
+                  <a:txBody>
+                    <a:bodyPr/>
+                    <a:lstStyle/>
+                    <a:p>
+                      <a:pPr algn="ctr"/>
+                      <a:r>
+                        <a:rPr lang="en-US" sz="1600" dirty="0">
+                          <a:latin typeface="+mj-lt"/>
+                        </a:rPr>
+                        <a:t>20</a:t>
+                      </a:r>
+                    </a:p>
+                  </a:txBody>
+                  <a:tcPr/>
+                </a:tc>
+                <a:tc>
+                  <a:txBody>
+                    <a:bodyPr/>
+                    <a:lstStyle/>
+                    <a:p>
+                      <a:pPr algn="ctr" fontAlgn="b"/>
+                      <a:r>
+                        <a:rPr lang="en-US" sz="1600" b="0" i="0" u="none" strike="noStrike">
+                          <a:solidFill>
+                            <a:srgbClr val="000000"/>
+                          </a:solidFill>
+                          <a:effectLst/>
+                          <a:latin typeface="+mj-lt"/>
+                        </a:rPr>
+                        <a:t>Other forms of heart disease</a:t>
+                      </a:r>
+                    </a:p>
+                  </a:txBody>
+                  <a:tcPr marL="7620" marR="7620" marT="7620" marB="0" anchor="b"/>
+                </a:tc>
+                <a:tc>
+                  <a:txBody>
+                    <a:bodyPr/>
+                    <a:lstStyle/>
+                    <a:p>
+                      <a:pPr algn="ctr" fontAlgn="b"/>
+                      <a:r>
+                        <a:rPr lang="en-US" sz="1600" b="0" i="0" u="none" strike="noStrike" dirty="0">
+                          <a:solidFill>
+                            <a:srgbClr val="000000"/>
+                          </a:solidFill>
+                          <a:effectLst/>
+                          <a:latin typeface="+mj-lt"/>
+                        </a:rPr>
+                        <a:t>1.75</a:t>
+                      </a:r>
+                    </a:p>
+                  </a:txBody>
+                  <a:tcPr marL="7620" marR="7620" marT="7620" marB="0" anchor="b"/>
+                </a:tc>
+                <a:extLst>
+                  <a:ext uri="{0D108BD9-81ED-4DB2-BD59-A6C34878D82A}">
+                    <a16:rowId xmlns:a16="http://schemas.microsoft.com/office/drawing/2014/main" val="1064114720"/>
+                  </a:ext>
+                </a:extLst>
+              </a:tr>
+            </a:tbl>
+          </a:graphicData>
+        </a:graphic>
+      </p:graphicFrame>
+      <p:graphicFrame>
+        <p:nvGraphicFramePr>
+          <p:cNvPr id="4" name="Chart 3">
+            <a:extLst>
+              <a:ext uri="{FF2B5EF4-FFF2-40B4-BE49-F238E27FC236}">
+                <a16:creationId xmlns:a16="http://schemas.microsoft.com/office/drawing/2014/main" id="{0D73334F-E97F-42AA-BD50-77DC90FCB3E1}"/>
+              </a:ext>
+            </a:extLst>
+          </p:cNvPr>
+          <p:cNvGraphicFramePr>
+            <a:graphicFrameLocks/>
+          </p:cNvGraphicFramePr>
+          <p:nvPr>
+            <p:extLst>
+              <p:ext uri="{D42A27DB-BD31-4B8C-83A1-F6EECF244321}">
+                <p14:modId xmlns:p14="http://schemas.microsoft.com/office/powerpoint/2010/main" val="3421809573"/>
+              </p:ext>
+            </p:extLst>
+          </p:nvPr>
+        </p:nvGraphicFramePr>
+        <p:xfrm>
+          <a:off x="5444197" y="1888033"/>
+          <a:ext cx="6629960" cy="3800327"/>
+        </p:xfrm>
+        <a:graphic>
+          <a:graphicData uri="http://schemas.openxmlformats.org/drawingml/2006/chart">
+            <c:chart xmlns:c="http://schemas.openxmlformats.org/drawingml/2006/chart" xmlns:r="http://schemas.openxmlformats.org/officeDocument/2006/relationships" r:id="rId2"/>
+          </a:graphicData>
+        </a:graphic>
+      </p:graphicFrame>
+      <p:sp>
+        <p:nvSpPr>
+          <p:cNvPr id="2" name="TextBox 1">
+            <a:extLst>
+              <a:ext uri="{FF2B5EF4-FFF2-40B4-BE49-F238E27FC236}">
+                <a16:creationId xmlns:a16="http://schemas.microsoft.com/office/drawing/2014/main" id="{EA63C840-C7DA-4D8D-9122-948D973E4484}"/>
+              </a:ext>
+            </a:extLst>
+          </p:cNvPr>
+          <p:cNvSpPr txBox="1"/>
+          <p:nvPr/>
+        </p:nvSpPr>
+        <p:spPr>
+          <a:xfrm>
+            <a:off x="262396" y="363986"/>
+            <a:ext cx="11314086" cy="646331"/>
+          </a:xfrm>
+          <a:prstGeom prst="rect">
+            <a:avLst/>
+          </a:prstGeom>
+          <a:noFill/>
+        </p:spPr>
+        <p:txBody>
+          <a:bodyPr wrap="square" rtlCol="0">
+            <a:spAutoFit/>
+          </a:bodyPr>
+          <a:lstStyle/>
+          <a:p>
+            <a:pPr algn="ctr"/>
+            <a:r>
+              <a:rPr lang="en-US" sz="3600" dirty="0"/>
+              <a:t>Important Features by Permutation Importance</a:t>
+            </a:r>
+          </a:p>
+        </p:txBody>
+      </p:sp>
+      <p:pic>
+        <p:nvPicPr>
+          <p:cNvPr id="5" name="Picture 4">
+            <a:extLst>
+              <a:ext uri="{FF2B5EF4-FFF2-40B4-BE49-F238E27FC236}">
+                <a16:creationId xmlns:a16="http://schemas.microsoft.com/office/drawing/2014/main" id="{9C2A8026-7238-4336-A053-70E41BC45137}"/>
+              </a:ext>
+            </a:extLst>
+          </p:cNvPr>
+          <p:cNvPicPr>
+            <a:picLocks noChangeAspect="1"/>
+          </p:cNvPicPr>
+          <p:nvPr/>
+        </p:nvPicPr>
+        <p:blipFill>
+          <a:blip r:embed="rId3"/>
+          <a:stretch>
+            <a:fillRect/>
+          </a:stretch>
+        </p:blipFill>
+        <p:spPr>
+          <a:xfrm>
+            <a:off x="10702980" y="136525"/>
+            <a:ext cx="1301640" cy="477268"/>
+          </a:xfrm>
+          <a:prstGeom prst="rect">
+            <a:avLst/>
+          </a:prstGeom>
+        </p:spPr>
+      </p:pic>
+    </p:spTree>
+    <p:extLst>
+      <p:ext uri="{BB962C8B-B14F-4D97-AF65-F5344CB8AC3E}">
+        <p14:creationId xmlns:p14="http://schemas.microsoft.com/office/powerpoint/2010/main" val="2402937040"/>
+      </p:ext>
+    </p:extLst>
+  </p:cSld>
+  <p:clrMapOvr>
+    <a:masterClrMapping/>
+  </p:clrMapOvr>
+</p:sld>
+</file>
+
+<file path=ppt/slides/slide17.xml><?xml version="1.0" encoding="utf-8"?>
+<p:sld xmlns:a="http://schemas.openxmlformats.org/drawingml/2006/main" xmlns:r="http://schemas.openxmlformats.org/officeDocument/2006/relationships" xmlns:p="http://schemas.openxmlformats.org/presentationml/2006/main">
+  <p:cSld>
+    <p:spTree>
+      <p:nvGrpSpPr>
+        <p:cNvPr id="1" name=""/>
+        <p:cNvGrpSpPr/>
+        <p:nvPr/>
+      </p:nvGrpSpPr>
+      <p:grpSpPr>
+        <a:xfrm>
+          <a:off x="0" y="0"/>
+          <a:ext cx="0" cy="0"/>
+          <a:chOff x="0" y="0"/>
+          <a:chExt cx="0" cy="0"/>
+        </a:xfrm>
+      </p:grpSpPr>
+      <p:graphicFrame>
+        <p:nvGraphicFramePr>
+          <p:cNvPr id="4" name="Chart 3">
+            <a:extLst>
+              <a:ext uri="{FF2B5EF4-FFF2-40B4-BE49-F238E27FC236}">
+                <a16:creationId xmlns:a16="http://schemas.microsoft.com/office/drawing/2014/main" id="{6854377E-6276-4030-A200-5CE59B856276}"/>
+              </a:ext>
+            </a:extLst>
+          </p:cNvPr>
+          <p:cNvGraphicFramePr>
+            <a:graphicFrameLocks/>
+          </p:cNvGraphicFramePr>
+          <p:nvPr>
+            <p:extLst>
+              <p:ext uri="{D42A27DB-BD31-4B8C-83A1-F6EECF244321}">
+                <p14:modId xmlns:p14="http://schemas.microsoft.com/office/powerpoint/2010/main" val="284700944"/>
+              </p:ext>
+            </p:extLst>
+          </p:nvPr>
+        </p:nvGraphicFramePr>
+        <p:xfrm>
+          <a:off x="30642" y="1363062"/>
+          <a:ext cx="12130716" cy="4131875"/>
+        </p:xfrm>
+        <a:graphic>
+          <a:graphicData uri="http://schemas.openxmlformats.org/drawingml/2006/chart">
+            <c:chart xmlns:c="http://schemas.openxmlformats.org/drawingml/2006/chart" xmlns:r="http://schemas.openxmlformats.org/officeDocument/2006/relationships" r:id="rId2"/>
+          </a:graphicData>
+        </a:graphic>
+      </p:graphicFrame>
+      <p:sp>
+        <p:nvSpPr>
+          <p:cNvPr id="2" name="TextBox 1">
+            <a:extLst>
+              <a:ext uri="{FF2B5EF4-FFF2-40B4-BE49-F238E27FC236}">
+                <a16:creationId xmlns:a16="http://schemas.microsoft.com/office/drawing/2014/main" id="{8FDFAAFE-7566-4B39-B63B-E631B9EE44A8}"/>
+              </a:ext>
+            </a:extLst>
+          </p:cNvPr>
+          <p:cNvSpPr txBox="1"/>
+          <p:nvPr/>
+        </p:nvSpPr>
+        <p:spPr>
+          <a:xfrm>
+            <a:off x="914400" y="393895"/>
+            <a:ext cx="10311618" cy="769441"/>
+          </a:xfrm>
+          <a:prstGeom prst="rect">
+            <a:avLst/>
+          </a:prstGeom>
+          <a:noFill/>
+        </p:spPr>
+        <p:txBody>
+          <a:bodyPr wrap="square" rtlCol="0">
+            <a:spAutoFit/>
+          </a:bodyPr>
+          <a:lstStyle/>
+          <a:p>
+            <a:pPr algn="ctr"/>
+            <a:r>
+              <a:rPr lang="en-US" sz="4400" dirty="0">
+                <a:latin typeface="+mj-lt"/>
+              </a:rPr>
+              <a:t>Top Risk Factors</a:t>
+            </a:r>
+          </a:p>
+        </p:txBody>
+      </p:sp>
+      <p:pic>
+        <p:nvPicPr>
+          <p:cNvPr id="5" name="Picture 4">
+            <a:extLst>
+              <a:ext uri="{FF2B5EF4-FFF2-40B4-BE49-F238E27FC236}">
+                <a16:creationId xmlns:a16="http://schemas.microsoft.com/office/drawing/2014/main" id="{9E93D9BF-4F14-497D-9302-CC192EC432B5}"/>
+              </a:ext>
+            </a:extLst>
+          </p:cNvPr>
+          <p:cNvPicPr>
+            <a:picLocks noChangeAspect="1"/>
+          </p:cNvPicPr>
+          <p:nvPr/>
+        </p:nvPicPr>
+        <p:blipFill>
+          <a:blip r:embed="rId3"/>
+          <a:stretch>
+            <a:fillRect/>
+          </a:stretch>
+        </p:blipFill>
+        <p:spPr>
+          <a:xfrm>
+            <a:off x="10702980" y="136525"/>
+            <a:ext cx="1301640" cy="477268"/>
+          </a:xfrm>
+          <a:prstGeom prst="rect">
+            <a:avLst/>
+          </a:prstGeom>
+        </p:spPr>
+      </p:pic>
+    </p:spTree>
+    <p:extLst>
+      <p:ext uri="{BB962C8B-B14F-4D97-AF65-F5344CB8AC3E}">
+        <p14:creationId xmlns:p14="http://schemas.microsoft.com/office/powerpoint/2010/main" val="3443420052"/>
+      </p:ext>
+    </p:extLst>
+  </p:cSld>
+  <p:clrMapOvr>
+    <a:masterClrMapping/>
+  </p:clrMapOvr>
+</p:sld>
+</file>
+
+<file path=ppt/slides/slide18.xml><?xml version="1.0" encoding="utf-8"?>
+<p:sld xmlns:a="http://schemas.openxmlformats.org/drawingml/2006/main" xmlns:r="http://schemas.openxmlformats.org/officeDocument/2006/relationships" xmlns:p="http://schemas.openxmlformats.org/presentationml/2006/main">
+  <p:cSld>
+    <p:spTree>
+      <p:nvGrpSpPr>
+        <p:cNvPr id="1" name=""/>
+        <p:cNvGrpSpPr/>
+        <p:nvPr/>
+      </p:nvGrpSpPr>
+      <p:grpSpPr>
+        <a:xfrm>
+          <a:off x="0" y="0"/>
+          <a:ext cx="0" cy="0"/>
+          <a:chOff x="0" y="0"/>
+          <a:chExt cx="0" cy="0"/>
+        </a:xfrm>
+      </p:grpSpPr>
+      <p:sp>
+        <p:nvSpPr>
+          <p:cNvPr id="2" name="Title 1">
+            <a:extLst>
+              <a:ext uri="{FF2B5EF4-FFF2-40B4-BE49-F238E27FC236}">
+                <a16:creationId xmlns:a16="http://schemas.microsoft.com/office/drawing/2014/main" id="{3095C4D5-5300-400D-BFBF-CD8626CECC07}"/>
+              </a:ext>
+            </a:extLst>
+          </p:cNvPr>
+          <p:cNvSpPr>
+            <a:spLocks noGrp="1"/>
+          </p:cNvSpPr>
+          <p:nvPr>
+            <p:ph type="ctrTitle"/>
+          </p:nvPr>
+        </p:nvSpPr>
+        <p:spPr/>
+        <p:txBody>
+          <a:bodyPr>
+            <a:normAutofit/>
+          </a:bodyPr>
+          <a:lstStyle/>
+          <a:p>
+            <a:r>
+              <a:rPr lang="en-US" dirty="0"/>
+              <a:t>Pancreatic Cancer Prediction for Patients with Diabetes</a:t>
+            </a:r>
+          </a:p>
+        </p:txBody>
+      </p:sp>
+      <p:sp>
+        <p:nvSpPr>
+          <p:cNvPr id="3" name="Subtitle 2">
+            <a:extLst>
+              <a:ext uri="{FF2B5EF4-FFF2-40B4-BE49-F238E27FC236}">
+                <a16:creationId xmlns:a16="http://schemas.microsoft.com/office/drawing/2014/main" id="{AC45F1EC-73DC-4FA1-9543-510498276B55}"/>
+              </a:ext>
+            </a:extLst>
+          </p:cNvPr>
+          <p:cNvSpPr>
+            <a:spLocks noGrp="1"/>
+          </p:cNvSpPr>
+          <p:nvPr>
+            <p:ph type="subTitle" idx="1"/>
+          </p:nvPr>
+        </p:nvSpPr>
+        <p:spPr/>
+        <p:txBody>
+          <a:bodyPr/>
+          <a:lstStyle/>
+          <a:p>
+            <a:r>
+              <a:rPr lang="en-US" dirty="0"/>
+              <a:t>Diabetes leading to Pancreatic Cancer</a:t>
+            </a:r>
+          </a:p>
+        </p:txBody>
+      </p:sp>
+      <p:sp>
+        <p:nvSpPr>
+          <p:cNvPr id="4" name="Date Placeholder 3">
+            <a:extLst>
+              <a:ext uri="{FF2B5EF4-FFF2-40B4-BE49-F238E27FC236}">
+                <a16:creationId xmlns:a16="http://schemas.microsoft.com/office/drawing/2014/main" id="{B7FE6B43-939D-4145-9C36-997267B61333}"/>
+              </a:ext>
+            </a:extLst>
+          </p:cNvPr>
+          <p:cNvSpPr>
+            <a:spLocks noGrp="1"/>
+          </p:cNvSpPr>
+          <p:nvPr>
+            <p:ph type="dt" sz="half" idx="10"/>
+          </p:nvPr>
+        </p:nvSpPr>
+        <p:spPr/>
+        <p:txBody>
+          <a:bodyPr/>
+          <a:lstStyle/>
+          <a:p>
+            <a:r>
+              <a:rPr lang="en-US"/>
+              <a:t>6/7/2023</a:t>
+            </a:r>
+          </a:p>
+        </p:txBody>
+      </p:sp>
+      <p:sp>
+        <p:nvSpPr>
+          <p:cNvPr id="5" name="Slide Number Placeholder 4">
+            <a:extLst>
+              <a:ext uri="{FF2B5EF4-FFF2-40B4-BE49-F238E27FC236}">
+                <a16:creationId xmlns:a16="http://schemas.microsoft.com/office/drawing/2014/main" id="{3EE07FE3-A4C8-4C6F-B867-28CDEA2A28FF}"/>
+              </a:ext>
+            </a:extLst>
+          </p:cNvPr>
+          <p:cNvSpPr>
+            <a:spLocks noGrp="1"/>
+          </p:cNvSpPr>
+          <p:nvPr>
+            <p:ph type="sldNum" sz="quarter" idx="12"/>
+          </p:nvPr>
+        </p:nvSpPr>
+        <p:spPr/>
+        <p:txBody>
+          <a:bodyPr/>
+          <a:lstStyle/>
+          <a:p>
+            <a:fld id="{BCD31FF8-ED74-4814-BEC8-373D79CF1B66}" type="slidenum">
+              <a:rPr lang="en-US" smtClean="0"/>
+              <a:t>18</a:t>
+            </a:fld>
+            <a:endParaRPr lang="en-US"/>
+          </a:p>
+        </p:txBody>
+      </p:sp>
+      <p:pic>
+        <p:nvPicPr>
+          <p:cNvPr id="6" name="Picture 5">
+            <a:extLst>
+              <a:ext uri="{FF2B5EF4-FFF2-40B4-BE49-F238E27FC236}">
+                <a16:creationId xmlns:a16="http://schemas.microsoft.com/office/drawing/2014/main" id="{4F496157-8B93-4A3A-BCD1-474E6C096612}"/>
+              </a:ext>
+            </a:extLst>
+          </p:cNvPr>
+          <p:cNvPicPr>
+            <a:picLocks noChangeAspect="1"/>
+          </p:cNvPicPr>
+          <p:nvPr/>
+        </p:nvPicPr>
+        <p:blipFill>
+          <a:blip r:embed="rId2"/>
+          <a:stretch>
+            <a:fillRect/>
+          </a:stretch>
+        </p:blipFill>
+        <p:spPr>
+          <a:xfrm>
+            <a:off x="10702980" y="136525"/>
+            <a:ext cx="1301640" cy="477268"/>
+          </a:xfrm>
+          <a:prstGeom prst="rect">
+            <a:avLst/>
+          </a:prstGeom>
+        </p:spPr>
+      </p:pic>
+      <p:sp>
+        <p:nvSpPr>
+          <p:cNvPr id="7" name="TextBox 6">
+            <a:extLst>
+              <a:ext uri="{FF2B5EF4-FFF2-40B4-BE49-F238E27FC236}">
+                <a16:creationId xmlns:a16="http://schemas.microsoft.com/office/drawing/2014/main" id="{2E565C58-82E4-4518-A774-EE9DD5755492}"/>
+              </a:ext>
+            </a:extLst>
+          </p:cNvPr>
+          <p:cNvSpPr txBox="1"/>
+          <p:nvPr/>
+        </p:nvSpPr>
+        <p:spPr>
+          <a:xfrm>
+            <a:off x="1815548" y="4429919"/>
+            <a:ext cx="8560904" cy="553998"/>
+          </a:xfrm>
+          <a:prstGeom prst="rect">
+            <a:avLst/>
+          </a:prstGeom>
+          <a:noFill/>
+        </p:spPr>
+        <p:txBody>
+          <a:bodyPr wrap="square" rtlCol="0">
+            <a:spAutoFit/>
+          </a:bodyPr>
+          <a:lstStyle/>
+          <a:p>
+            <a:pPr algn="ctr"/>
+            <a:r>
+              <a:rPr lang="en-US" sz="3000" i="1" dirty="0"/>
+              <a:t>Work in progress…</a:t>
+            </a:r>
+          </a:p>
+        </p:txBody>
+      </p:sp>
+    </p:spTree>
+    <p:extLst>
+      <p:ext uri="{BB962C8B-B14F-4D97-AF65-F5344CB8AC3E}">
+        <p14:creationId xmlns:p14="http://schemas.microsoft.com/office/powerpoint/2010/main" val="2038943198"/>
+      </p:ext>
+    </p:extLst>
+  </p:cSld>
+  <p:clrMapOvr>
+    <a:masterClrMapping/>
+  </p:clrMapOvr>
+</p:sld>
+</file>
+
+<file path=ppt/slides/slide19.xml><?xml version="1.0" encoding="utf-8"?>
+<p:sld xmlns:a="http://schemas.openxmlformats.org/drawingml/2006/main" xmlns:r="http://schemas.openxmlformats.org/officeDocument/2006/relationships" xmlns:p="http://schemas.openxmlformats.org/presentationml/2006/main">
+  <p:cSld>
+    <p:spTree>
+      <p:nvGrpSpPr>
+        <p:cNvPr id="1" name=""/>
+        <p:cNvGrpSpPr/>
+        <p:nvPr/>
+      </p:nvGrpSpPr>
+      <p:grpSpPr>
+        <a:xfrm>
+          <a:off x="0" y="0"/>
+          <a:ext cx="0" cy="0"/>
+          <a:chOff x="0" y="0"/>
+          <a:chExt cx="0" cy="0"/>
+        </a:xfrm>
+      </p:grpSpPr>
+      <p:sp>
+        <p:nvSpPr>
+          <p:cNvPr id="2" name="Title 1">
+            <a:extLst>
+              <a:ext uri="{FF2B5EF4-FFF2-40B4-BE49-F238E27FC236}">
+                <a16:creationId xmlns:a16="http://schemas.microsoft.com/office/drawing/2014/main" id="{C91B27D7-9411-47F6-8723-05C81109A0F4}"/>
+              </a:ext>
+            </a:extLst>
+          </p:cNvPr>
+          <p:cNvSpPr>
+            <a:spLocks noGrp="1"/>
+          </p:cNvSpPr>
+          <p:nvPr>
+            <p:ph type="title"/>
+          </p:nvPr>
+        </p:nvSpPr>
+        <p:spPr/>
+        <p:txBody>
+          <a:bodyPr/>
+          <a:lstStyle/>
+          <a:p>
+            <a:pPr algn="ctr"/>
             <a:r>
               <a:rPr lang="en-US" dirty="0"/>
               <a:t>Future Directions (June 2023)</a:t>
@@ -4937,7 +12577,7 @@
             </a:pPr>
             <a:r>
               <a:rPr lang="en-US" dirty="0"/>
-              <a:t>Add Class Imbalance</a:t>
+              <a:t>Add Class Imbalance in T2DM model</a:t>
             </a:r>
           </a:p>
           <a:p>
@@ -4959,7 +12599,7 @@
             </a:pPr>
             <a:r>
               <a:rPr lang="en-US" dirty="0"/>
-              <a:t>Random Survival Forest</a:t>
+              <a:t>Rules Generation for ensemble methods</a:t>
             </a:r>
           </a:p>
           <a:p>
@@ -4969,12 +12609,13 @@
               </a:lnSpc>
             </a:pPr>
             <a:r>
+              <a:rPr lang="en-US" i="1" dirty="0" err="1"/>
+              <a:t>Explainability</a:t>
+            </a:r>
+            <a:r>
               <a:rPr lang="en-US" dirty="0"/>
-              <a:t>Rules Generation for ensemble methods (For Both Models)</a:t>
+              <a:t> of results</a:t>
             </a:r>
-          </a:p>
-          <a:p>
-            <a:endParaRPr lang="en-US" dirty="0"/>
           </a:p>
         </p:txBody>
       </p:sp>
@@ -5029,7 +12670,7 @@
           <a:p>
             <a:fld id="{BCD31FF8-ED74-4814-BEC8-373D79CF1B66}" type="slidenum">
               <a:rPr lang="en-US" smtClean="0"/>
-              <a:t>12</a:t>
+              <a:t>19</a:t>
             </a:fld>
             <a:endParaRPr lang="en-US"/>
           </a:p>
@@ -5116,6 +12757,7 @@
           <a:bodyPr/>
           <a:lstStyle/>
           <a:p>
+            <a:pPr algn="ctr"/>
             <a:r>
               <a:rPr lang="en-US" dirty="0"/>
               <a:t>Overview</a:t>
@@ -5173,7 +12815,7 @@
             </a:pPr>
             <a:r>
               <a:rPr lang="en-US" dirty="0"/>
-              <a:t>Another Model..</a:t>
+              <a:t>Pancreatic Cancer Model</a:t>
             </a:r>
           </a:p>
           <a:p>
@@ -5295,6 +12937,161 @@
 </p:sld>
 </file>
 
+<file path=ppt/slides/slide20.xml><?xml version="1.0" encoding="utf-8"?>
+<p:sld xmlns:a="http://schemas.openxmlformats.org/drawingml/2006/main" xmlns:r="http://schemas.openxmlformats.org/officeDocument/2006/relationships" xmlns:p="http://schemas.openxmlformats.org/presentationml/2006/main">
+  <p:cSld>
+    <p:spTree>
+      <p:nvGrpSpPr>
+        <p:cNvPr id="1" name=""/>
+        <p:cNvGrpSpPr/>
+        <p:nvPr/>
+      </p:nvGrpSpPr>
+      <p:grpSpPr>
+        <a:xfrm>
+          <a:off x="0" y="0"/>
+          <a:ext cx="0" cy="0"/>
+          <a:chOff x="0" y="0"/>
+          <a:chExt cx="0" cy="0"/>
+        </a:xfrm>
+      </p:grpSpPr>
+      <p:sp>
+        <p:nvSpPr>
+          <p:cNvPr id="3" name="Content Placeholder 2">
+            <a:extLst>
+              <a:ext uri="{FF2B5EF4-FFF2-40B4-BE49-F238E27FC236}">
+                <a16:creationId xmlns:a16="http://schemas.microsoft.com/office/drawing/2014/main" id="{338ADB18-BDEC-4CC8-9B1F-9AFBB84BD174}"/>
+              </a:ext>
+            </a:extLst>
+          </p:cNvPr>
+          <p:cNvSpPr>
+            <a:spLocks noGrp="1"/>
+          </p:cNvSpPr>
+          <p:nvPr>
+            <p:ph idx="1"/>
+          </p:nvPr>
+        </p:nvSpPr>
+        <p:spPr>
+          <a:xfrm>
+            <a:off x="838200" y="3214348"/>
+            <a:ext cx="10515600" cy="429303"/>
+          </a:xfrm>
+        </p:spPr>
+        <p:txBody>
+          <a:bodyPr>
+            <a:noAutofit/>
+          </a:bodyPr>
+          <a:lstStyle/>
+          <a:p>
+            <a:pPr marL="0" indent="0" algn="ctr">
+              <a:buNone/>
+            </a:pPr>
+            <a:r>
+              <a:rPr lang="en-US" sz="4000" dirty="0"/>
+              <a:t>Thank you!</a:t>
+            </a:r>
+          </a:p>
+        </p:txBody>
+      </p:sp>
+      <p:sp>
+        <p:nvSpPr>
+          <p:cNvPr id="4" name="Date Placeholder 3">
+            <a:extLst>
+              <a:ext uri="{FF2B5EF4-FFF2-40B4-BE49-F238E27FC236}">
+                <a16:creationId xmlns:a16="http://schemas.microsoft.com/office/drawing/2014/main" id="{00ADB80A-EDF0-49D3-85B3-C19365238B59}"/>
+              </a:ext>
+            </a:extLst>
+          </p:cNvPr>
+          <p:cNvSpPr>
+            <a:spLocks noGrp="1"/>
+          </p:cNvSpPr>
+          <p:nvPr>
+            <p:ph type="dt" sz="half" idx="10"/>
+          </p:nvPr>
+        </p:nvSpPr>
+        <p:spPr/>
+        <p:txBody>
+          <a:bodyPr/>
+          <a:lstStyle/>
+          <a:p>
+            <a:r>
+              <a:rPr lang="en-US"/>
+              <a:t>6/7/2023</a:t>
+            </a:r>
+          </a:p>
+        </p:txBody>
+      </p:sp>
+      <p:sp>
+        <p:nvSpPr>
+          <p:cNvPr id="5" name="Slide Number Placeholder 4">
+            <a:extLst>
+              <a:ext uri="{FF2B5EF4-FFF2-40B4-BE49-F238E27FC236}">
+                <a16:creationId xmlns:a16="http://schemas.microsoft.com/office/drawing/2014/main" id="{449078F0-00B3-40F6-857F-4AB3D059869D}"/>
+              </a:ext>
+            </a:extLst>
+          </p:cNvPr>
+          <p:cNvSpPr>
+            <a:spLocks noGrp="1"/>
+          </p:cNvSpPr>
+          <p:nvPr>
+            <p:ph type="sldNum" sz="quarter" idx="12"/>
+          </p:nvPr>
+        </p:nvSpPr>
+        <p:spPr/>
+        <p:txBody>
+          <a:bodyPr/>
+          <a:lstStyle/>
+          <a:p>
+            <a:fld id="{BCD31FF8-ED74-4814-BEC8-373D79CF1B66}" type="slidenum">
+              <a:rPr lang="en-US" smtClean="0"/>
+              <a:t>20</a:t>
+            </a:fld>
+            <a:endParaRPr lang="en-US"/>
+          </a:p>
+        </p:txBody>
+      </p:sp>
+      <p:pic>
+        <p:nvPicPr>
+          <p:cNvPr id="6" name="Picture 5">
+            <a:extLst>
+              <a:ext uri="{FF2B5EF4-FFF2-40B4-BE49-F238E27FC236}">
+                <a16:creationId xmlns:a16="http://schemas.microsoft.com/office/drawing/2014/main" id="{A76F4972-7E81-4C57-9460-F9F914467486}"/>
+              </a:ext>
+            </a:extLst>
+          </p:cNvPr>
+          <p:cNvPicPr>
+            <a:picLocks noChangeAspect="1"/>
+          </p:cNvPicPr>
+          <p:nvPr/>
+        </p:nvPicPr>
+        <p:blipFill>
+          <a:blip r:embed="rId2"/>
+          <a:stretch>
+            <a:fillRect/>
+          </a:stretch>
+        </p:blipFill>
+        <p:spPr>
+          <a:xfrm>
+            <a:off x="10702980" y="136525"/>
+            <a:ext cx="1301640" cy="477268"/>
+          </a:xfrm>
+          <a:prstGeom prst="rect">
+            <a:avLst/>
+          </a:prstGeom>
+        </p:spPr>
+      </p:pic>
+    </p:spTree>
+    <p:extLst>
+      <p:ext uri="{BB962C8B-B14F-4D97-AF65-F5344CB8AC3E}">
+        <p14:creationId xmlns:p14="http://schemas.microsoft.com/office/powerpoint/2010/main" val="2291153336"/>
+      </p:ext>
+    </p:extLst>
+  </p:cSld>
+  <p:clrMapOvr>
+    <a:masterClrMapping/>
+  </p:clrMapOvr>
+</p:sld>
+</file>
+
 <file path=ppt/slides/slide3.xml><?xml version="1.0" encoding="utf-8"?>
 <p:sld xmlns:a="http://schemas.openxmlformats.org/drawingml/2006/main" xmlns:r="http://schemas.openxmlformats.org/officeDocument/2006/relationships" xmlns:p="http://schemas.openxmlformats.org/presentationml/2006/main">
   <p:cSld>
@@ -5317,7 +13114,7 @@
           <p:cNvPr id="2" name="Title 1">
             <a:extLst>
               <a:ext uri="{FF2B5EF4-FFF2-40B4-BE49-F238E27FC236}">
-                <a16:creationId xmlns:a16="http://schemas.microsoft.com/office/drawing/2014/main" id="{C91B27D7-9411-47F6-8723-05C81109A0F4}"/>
+                <a16:creationId xmlns:a16="http://schemas.microsoft.com/office/drawing/2014/main" id="{41A86B7B-6846-4E34-91DA-2AFE867AB389}"/>
               </a:ext>
             </a:extLst>
           </p:cNvPr>
@@ -5333,6 +13130,184 @@
           <a:bodyPr/>
           <a:lstStyle/>
           <a:p>
+            <a:pPr algn="ctr"/>
+            <a:r>
+              <a:rPr lang="en-US" dirty="0"/>
+              <a:t>Domain Study</a:t>
+            </a:r>
+          </a:p>
+        </p:txBody>
+      </p:sp>
+      <p:sp>
+        <p:nvSpPr>
+          <p:cNvPr id="3" name="Content Placeholder 2">
+            <a:extLst>
+              <a:ext uri="{FF2B5EF4-FFF2-40B4-BE49-F238E27FC236}">
+                <a16:creationId xmlns:a16="http://schemas.microsoft.com/office/drawing/2014/main" id="{F5E6BBDE-1EF4-4BF6-AFD6-8CE78BE2EC4C}"/>
+              </a:ext>
+            </a:extLst>
+          </p:cNvPr>
+          <p:cNvSpPr>
+            <a:spLocks noGrp="1"/>
+          </p:cNvSpPr>
+          <p:nvPr>
+            <p:ph idx="1"/>
+          </p:nvPr>
+        </p:nvSpPr>
+        <p:spPr/>
+        <p:txBody>
+          <a:bodyPr/>
+          <a:lstStyle/>
+          <a:p>
+            <a:pPr>
+              <a:lnSpc>
+                <a:spcPct val="150000"/>
+              </a:lnSpc>
+            </a:pPr>
+            <a:r>
+              <a:rPr lang="en-US" dirty="0"/>
+              <a:t>Literature review of published Paper</a:t>
+            </a:r>
+          </a:p>
+          <a:p>
+            <a:pPr>
+              <a:lnSpc>
+                <a:spcPct val="150000"/>
+              </a:lnSpc>
+            </a:pPr>
+            <a:r>
+              <a:rPr lang="en-US" dirty="0"/>
+              <a:t>Diabetes – the Essential facts (Coursera)</a:t>
+            </a:r>
+          </a:p>
+          <a:p>
+            <a:pPr>
+              <a:lnSpc>
+                <a:spcPct val="150000"/>
+              </a:lnSpc>
+            </a:pPr>
+            <a:r>
+              <a:rPr lang="en-US" dirty="0"/>
+              <a:t>Relevant Articles</a:t>
+            </a:r>
+          </a:p>
+          <a:p>
+            <a:endParaRPr lang="en-US" dirty="0"/>
+          </a:p>
+          <a:p>
+            <a:endParaRPr lang="en-US" dirty="0"/>
+          </a:p>
+        </p:txBody>
+      </p:sp>
+      <p:sp>
+        <p:nvSpPr>
+          <p:cNvPr id="4" name="Date Placeholder 3">
+            <a:extLst>
+              <a:ext uri="{FF2B5EF4-FFF2-40B4-BE49-F238E27FC236}">
+                <a16:creationId xmlns:a16="http://schemas.microsoft.com/office/drawing/2014/main" id="{56365EBC-1C77-4F36-BF9A-4745DAC3A3B7}"/>
+              </a:ext>
+            </a:extLst>
+          </p:cNvPr>
+          <p:cNvSpPr>
+            <a:spLocks noGrp="1"/>
+          </p:cNvSpPr>
+          <p:nvPr>
+            <p:ph type="dt" sz="half" idx="10"/>
+          </p:nvPr>
+        </p:nvSpPr>
+        <p:spPr/>
+        <p:txBody>
+          <a:bodyPr/>
+          <a:lstStyle/>
+          <a:p>
+            <a:r>
+              <a:rPr lang="en-US"/>
+              <a:t>6/7/2023</a:t>
+            </a:r>
+          </a:p>
+        </p:txBody>
+      </p:sp>
+      <p:sp>
+        <p:nvSpPr>
+          <p:cNvPr id="5" name="Slide Number Placeholder 4">
+            <a:extLst>
+              <a:ext uri="{FF2B5EF4-FFF2-40B4-BE49-F238E27FC236}">
+                <a16:creationId xmlns:a16="http://schemas.microsoft.com/office/drawing/2014/main" id="{60DF7FF8-19C7-4396-8249-87ACE743B1AF}"/>
+              </a:ext>
+            </a:extLst>
+          </p:cNvPr>
+          <p:cNvSpPr>
+            <a:spLocks noGrp="1"/>
+          </p:cNvSpPr>
+          <p:nvPr>
+            <p:ph type="sldNum" sz="quarter" idx="12"/>
+          </p:nvPr>
+        </p:nvSpPr>
+        <p:spPr/>
+        <p:txBody>
+          <a:bodyPr/>
+          <a:lstStyle/>
+          <a:p>
+            <a:fld id="{BCD31FF8-ED74-4814-BEC8-373D79CF1B66}" type="slidenum">
+              <a:rPr lang="en-US" smtClean="0"/>
+              <a:t>3</a:t>
+            </a:fld>
+            <a:endParaRPr lang="en-US"/>
+          </a:p>
+        </p:txBody>
+      </p:sp>
+    </p:spTree>
+    <p:extLst>
+      <p:ext uri="{BB962C8B-B14F-4D97-AF65-F5344CB8AC3E}">
+        <p14:creationId xmlns:p14="http://schemas.microsoft.com/office/powerpoint/2010/main" val="115745931"/>
+      </p:ext>
+    </p:extLst>
+  </p:cSld>
+  <p:clrMapOvr>
+    <a:masterClrMapping/>
+  </p:clrMapOvr>
+</p:sld>
+</file>
+
+<file path=ppt/slides/slide4.xml><?xml version="1.0" encoding="utf-8"?>
+<p:sld xmlns:a="http://schemas.openxmlformats.org/drawingml/2006/main" xmlns:r="http://schemas.openxmlformats.org/officeDocument/2006/relationships" xmlns:p="http://schemas.openxmlformats.org/presentationml/2006/main">
+  <p:cSld>
+    <p:spTree>
+      <p:nvGrpSpPr>
+        <p:cNvPr id="1" name=""/>
+        <p:cNvGrpSpPr/>
+        <p:nvPr/>
+      </p:nvGrpSpPr>
+      <p:grpSpPr>
+        <a:xfrm>
+          <a:off x="0" y="0"/>
+          <a:ext cx="0" cy="0"/>
+          <a:chOff x="0" y="0"/>
+          <a:chExt cx="0" cy="0"/>
+        </a:xfrm>
+      </p:grpSpPr>
+      <p:sp>
+        <p:nvSpPr>
+          <p:cNvPr id="2" name="Title 1">
+            <a:extLst>
+              <a:ext uri="{FF2B5EF4-FFF2-40B4-BE49-F238E27FC236}">
+                <a16:creationId xmlns:a16="http://schemas.microsoft.com/office/drawing/2014/main" id="{C91B27D7-9411-47F6-8723-05C81109A0F4}"/>
+              </a:ext>
+            </a:extLst>
+          </p:cNvPr>
+          <p:cNvSpPr>
+            <a:spLocks noGrp="1"/>
+          </p:cNvSpPr>
+          <p:nvPr>
+            <p:ph type="title"/>
+          </p:nvPr>
+        </p:nvSpPr>
+        <p:spPr/>
+        <p:txBody>
+          <a:bodyPr/>
+          <a:lstStyle/>
+          <a:p>
+            <a:pPr algn="ctr"/>
             <a:r>
               <a:rPr lang="en-US" dirty="0"/>
               <a:t>Our Data</a:t>
@@ -5355,7 +13330,7 @@
           <p:nvPr>
             <p:extLst>
               <p:ext uri="{D42A27DB-BD31-4B8C-83A1-F6EECF244321}">
-                <p14:modId xmlns:p14="http://schemas.microsoft.com/office/powerpoint/2010/main" val="1211310156"/>
+                <p14:modId xmlns:p14="http://schemas.microsoft.com/office/powerpoint/2010/main" val="2805942900"/>
               </p:ext>
             </p:extLst>
           </p:nvPr>
@@ -5655,7 +13630,7 @@
                     <a:p>
                       <a:r>
                         <a:rPr lang="en-US" dirty="0"/>
-                        <a:t>29714</a:t>
+                        <a:t>29,714</a:t>
                       </a:r>
                     </a:p>
                   </a:txBody>
@@ -5892,7 +13867,7 @@
           <a:p>
             <a:r>
               <a:rPr lang="en-US" dirty="0"/>
-              <a:t>*Patients selection on next slide</a:t>
+              <a:t>*Patients distribution on next slide</a:t>
             </a:r>
           </a:p>
         </p:txBody>
@@ -5948,7 +13923,7 @@
           <a:p>
             <a:fld id="{BCD31FF8-ED74-4814-BEC8-373D79CF1B66}" type="slidenum">
               <a:rPr lang="en-US" smtClean="0"/>
-              <a:t>3</a:t>
+              <a:t>4</a:t>
             </a:fld>
             <a:endParaRPr lang="en-US"/>
           </a:p>
@@ -5997,7 +13972,7 @@
 </p:sld>
 </file>
 
-<file path=ppt/slides/slide4.xml><?xml version="1.0" encoding="utf-8"?>
+<file path=ppt/slides/slide5.xml><?xml version="1.0" encoding="utf-8"?>
 <p:sld xmlns:a="http://schemas.openxmlformats.org/drawingml/2006/main" xmlns:r="http://schemas.openxmlformats.org/officeDocument/2006/relationships" xmlns:p="http://schemas.openxmlformats.org/presentationml/2006/main">
   <p:cSld>
     <p:spTree>
@@ -6035,9 +14010,10 @@
           <a:bodyPr/>
           <a:lstStyle/>
           <a:p>
+            <a:pPr algn="ctr"/>
             <a:r>
               <a:rPr lang="en-US" dirty="0"/>
-              <a:t>Patients</a:t>
+              <a:t>Patients Distribution</a:t>
             </a:r>
           </a:p>
         </p:txBody>
@@ -6662,7 +14638,7 @@
           <a:p>
             <a:fld id="{BCD31FF8-ED74-4814-BEC8-373D79CF1B66}" type="slidenum">
               <a:rPr lang="en-US" smtClean="0"/>
-              <a:t>4</a:t>
+              <a:t>5</a:t>
             </a:fld>
             <a:endParaRPr lang="en-US"/>
           </a:p>
@@ -6711,7 +14687,7 @@
 </p:sld>
 </file>
 
-<file path=ppt/slides/slide5.xml><?xml version="1.0" encoding="utf-8"?>
+<file path=ppt/slides/slide6.xml><?xml version="1.0" encoding="utf-8"?>
 <p:sld xmlns:a="http://schemas.openxmlformats.org/drawingml/2006/main" xmlns:r="http://schemas.openxmlformats.org/officeDocument/2006/relationships" xmlns:p="http://schemas.openxmlformats.org/presentationml/2006/main">
   <p:cSld>
     <p:spTree>
@@ -6749,6 +14725,7 @@
           <a:bodyPr/>
           <a:lstStyle/>
           <a:p>
+            <a:pPr algn="ctr"/>
             <a:r>
               <a:rPr lang="en-US" dirty="0"/>
               <a:t>Preprocessing</a:t>
@@ -7481,7 +15458,7 @@
           <a:p>
             <a:fld id="{BCD31FF8-ED74-4814-BEC8-373D79CF1B66}" type="slidenum">
               <a:rPr lang="en-US" smtClean="0"/>
-              <a:t>5</a:t>
+              <a:t>6</a:t>
             </a:fld>
             <a:endParaRPr lang="en-US"/>
           </a:p>
@@ -7530,7 +15507,7 @@
 </p:sld>
 </file>
 
-<file path=ppt/slides/slide6.xml><?xml version="1.0" encoding="utf-8"?>
+<file path=ppt/slides/slide7.xml><?xml version="1.0" encoding="utf-8"?>
 <p:sld xmlns:a="http://schemas.openxmlformats.org/drawingml/2006/main" xmlns:r="http://schemas.openxmlformats.org/officeDocument/2006/relationships" xmlns:p="http://schemas.openxmlformats.org/presentationml/2006/main">
   <p:cSld>
     <p:spTree>
@@ -7552,7 +15529,7 @@
           <p:cNvPr id="2" name="Title 1">
             <a:extLst>
               <a:ext uri="{FF2B5EF4-FFF2-40B4-BE49-F238E27FC236}">
-                <a16:creationId xmlns:a16="http://schemas.microsoft.com/office/drawing/2014/main" id="{C9D6CA23-A1C3-4CEA-88ED-5EE8586490FB}"/>
+                <a16:creationId xmlns:a16="http://schemas.microsoft.com/office/drawing/2014/main" id="{5794D6AE-FF88-4725-A2C1-28A2E733CCC9}"/>
               </a:ext>
             </a:extLst>
           </p:cNvPr>
@@ -7568,9 +15545,377 @@
           <a:bodyPr/>
           <a:lstStyle/>
           <a:p>
+            <a:pPr algn="ctr"/>
             <a:r>
               <a:rPr lang="en-US" dirty="0"/>
-              <a:t>Summary</a:t>
+              <a:t>Dataset Features</a:t>
+            </a:r>
+          </a:p>
+        </p:txBody>
+      </p:sp>
+      <p:graphicFrame>
+        <p:nvGraphicFramePr>
+          <p:cNvPr id="6" name="Content Placeholder 5">
+            <a:extLst>
+              <a:ext uri="{FF2B5EF4-FFF2-40B4-BE49-F238E27FC236}">
+                <a16:creationId xmlns:a16="http://schemas.microsoft.com/office/drawing/2014/main" id="{E5F9BBFF-967A-4EFB-A22F-C48A8DCA4693}"/>
+              </a:ext>
+            </a:extLst>
+          </p:cNvPr>
+          <p:cNvGraphicFramePr>
+            <a:graphicFrameLocks noGrp="1"/>
+          </p:cNvGraphicFramePr>
+          <p:nvPr>
+            <p:ph idx="1"/>
+            <p:extLst>
+              <p:ext uri="{D42A27DB-BD31-4B8C-83A1-F6EECF244321}">
+                <p14:modId xmlns:p14="http://schemas.microsoft.com/office/powerpoint/2010/main" val="2602609290"/>
+              </p:ext>
+            </p:extLst>
+          </p:nvPr>
+        </p:nvGraphicFramePr>
+        <p:xfrm>
+          <a:off x="3467100" y="2501900"/>
+          <a:ext cx="5257800" cy="1854200"/>
+        </p:xfrm>
+        <a:graphic>
+          <a:graphicData uri="http://schemas.openxmlformats.org/drawingml/2006/table">
+            <a:tbl>
+              <a:tblPr firstRow="1" bandRow="1">
+                <a:tableStyleId>{5C22544A-7EE6-4342-B048-85BDC9FD1C3A}</a:tableStyleId>
+              </a:tblPr>
+              <a:tblGrid>
+                <a:gridCol w="2628900">
+                  <a:extLst>
+                    <a:ext uri="{9D8B030D-6E8A-4147-A177-3AD203B41FA5}">
+                      <a16:colId xmlns:a16="http://schemas.microsoft.com/office/drawing/2014/main" val="3198746378"/>
+                    </a:ext>
+                  </a:extLst>
+                </a:gridCol>
+                <a:gridCol w="2628900">
+                  <a:extLst>
+                    <a:ext uri="{9D8B030D-6E8A-4147-A177-3AD203B41FA5}">
+                      <a16:colId xmlns:a16="http://schemas.microsoft.com/office/drawing/2014/main" val="2833255642"/>
+                    </a:ext>
+                  </a:extLst>
+                </a:gridCol>
+              </a:tblGrid>
+              <a:tr h="370840">
+                <a:tc>
+                  <a:txBody>
+                    <a:bodyPr/>
+                    <a:lstStyle/>
+                    <a:p>
+                      <a:r>
+                        <a:rPr lang="en-US" dirty="0"/>
+                        <a:t>Category</a:t>
+                      </a:r>
+                    </a:p>
+                  </a:txBody>
+                  <a:tcPr/>
+                </a:tc>
+                <a:tc>
+                  <a:txBody>
+                    <a:bodyPr/>
+                    <a:lstStyle/>
+                    <a:p>
+                      <a:r>
+                        <a:rPr lang="en-US" dirty="0"/>
+                        <a:t>No. of features</a:t>
+                      </a:r>
+                    </a:p>
+                  </a:txBody>
+                  <a:tcPr/>
+                </a:tc>
+                <a:extLst>
+                  <a:ext uri="{0D108BD9-81ED-4DB2-BD59-A6C34878D82A}">
+                    <a16:rowId xmlns:a16="http://schemas.microsoft.com/office/drawing/2014/main" val="1997252232"/>
+                  </a:ext>
+                </a:extLst>
+              </a:tr>
+              <a:tr h="370840">
+                <a:tc>
+                  <a:txBody>
+                    <a:bodyPr/>
+                    <a:lstStyle/>
+                    <a:p>
+                      <a:r>
+                        <a:rPr lang="en-US" dirty="0"/>
+                        <a:t>Diagnosis Code</a:t>
+                      </a:r>
+                    </a:p>
+                  </a:txBody>
+                  <a:tcPr/>
+                </a:tc>
+                <a:tc>
+                  <a:txBody>
+                    <a:bodyPr/>
+                    <a:lstStyle/>
+                    <a:p>
+                      <a:r>
+                        <a:rPr lang="en-US" dirty="0"/>
+                        <a:t>769</a:t>
+                      </a:r>
+                    </a:p>
+                  </a:txBody>
+                  <a:tcPr/>
+                </a:tc>
+                <a:extLst>
+                  <a:ext uri="{0D108BD9-81ED-4DB2-BD59-A6C34878D82A}">
+                    <a16:rowId xmlns:a16="http://schemas.microsoft.com/office/drawing/2014/main" val="1001245352"/>
+                  </a:ext>
+                </a:extLst>
+              </a:tr>
+              <a:tr h="370840">
+                <a:tc>
+                  <a:txBody>
+                    <a:bodyPr/>
+                    <a:lstStyle/>
+                    <a:p>
+                      <a:r>
+                        <a:rPr lang="en-US" dirty="0"/>
+                        <a:t>Vitals</a:t>
+                      </a:r>
+                    </a:p>
+                  </a:txBody>
+                  <a:tcPr/>
+                </a:tc>
+                <a:tc>
+                  <a:txBody>
+                    <a:bodyPr/>
+                    <a:lstStyle/>
+                    <a:p>
+                      <a:r>
+                        <a:rPr lang="en-US" dirty="0"/>
+                        <a:t>6</a:t>
+                      </a:r>
+                    </a:p>
+                  </a:txBody>
+                  <a:tcPr/>
+                </a:tc>
+                <a:extLst>
+                  <a:ext uri="{0D108BD9-81ED-4DB2-BD59-A6C34878D82A}">
+                    <a16:rowId xmlns:a16="http://schemas.microsoft.com/office/drawing/2014/main" val="1037364854"/>
+                  </a:ext>
+                </a:extLst>
+              </a:tr>
+              <a:tr h="370840">
+                <a:tc>
+                  <a:txBody>
+                    <a:bodyPr/>
+                    <a:lstStyle/>
+                    <a:p>
+                      <a:r>
+                        <a:rPr lang="en-US" dirty="0"/>
+                        <a:t>Demographics</a:t>
+                      </a:r>
+                    </a:p>
+                  </a:txBody>
+                  <a:tcPr/>
+                </a:tc>
+                <a:tc>
+                  <a:txBody>
+                    <a:bodyPr/>
+                    <a:lstStyle/>
+                    <a:p>
+                      <a:r>
+                        <a:rPr lang="en-US" dirty="0"/>
+                        <a:t>3</a:t>
+                      </a:r>
+                    </a:p>
+                  </a:txBody>
+                  <a:tcPr/>
+                </a:tc>
+                <a:extLst>
+                  <a:ext uri="{0D108BD9-81ED-4DB2-BD59-A6C34878D82A}">
+                    <a16:rowId xmlns:a16="http://schemas.microsoft.com/office/drawing/2014/main" val="406337724"/>
+                  </a:ext>
+                </a:extLst>
+              </a:tr>
+              <a:tr h="370840">
+                <a:tc>
+                  <a:txBody>
+                    <a:bodyPr/>
+                    <a:lstStyle/>
+                    <a:p>
+                      <a:r>
+                        <a:rPr lang="en-US" dirty="0"/>
+                        <a:t>Total</a:t>
+                      </a:r>
+                    </a:p>
+                  </a:txBody>
+                  <a:tcPr/>
+                </a:tc>
+                <a:tc>
+                  <a:txBody>
+                    <a:bodyPr/>
+                    <a:lstStyle/>
+                    <a:p>
+                      <a:r>
+                        <a:rPr lang="en-US" dirty="0"/>
+                        <a:t>778</a:t>
+                      </a:r>
+                    </a:p>
+                  </a:txBody>
+                  <a:tcPr/>
+                </a:tc>
+                <a:extLst>
+                  <a:ext uri="{0D108BD9-81ED-4DB2-BD59-A6C34878D82A}">
+                    <a16:rowId xmlns:a16="http://schemas.microsoft.com/office/drawing/2014/main" val="2182967202"/>
+                  </a:ext>
+                </a:extLst>
+              </a:tr>
+            </a:tbl>
+          </a:graphicData>
+        </a:graphic>
+      </p:graphicFrame>
+      <p:sp>
+        <p:nvSpPr>
+          <p:cNvPr id="4" name="Date Placeholder 3">
+            <a:extLst>
+              <a:ext uri="{FF2B5EF4-FFF2-40B4-BE49-F238E27FC236}">
+                <a16:creationId xmlns:a16="http://schemas.microsoft.com/office/drawing/2014/main" id="{25B27545-1B97-42FD-8A33-6A9FB492D2B9}"/>
+              </a:ext>
+            </a:extLst>
+          </p:cNvPr>
+          <p:cNvSpPr>
+            <a:spLocks noGrp="1"/>
+          </p:cNvSpPr>
+          <p:nvPr>
+            <p:ph type="dt" sz="half" idx="10"/>
+          </p:nvPr>
+        </p:nvSpPr>
+        <p:spPr/>
+        <p:txBody>
+          <a:bodyPr/>
+          <a:lstStyle/>
+          <a:p>
+            <a:r>
+              <a:rPr lang="en-US"/>
+              <a:t>6/7/2023</a:t>
+            </a:r>
+          </a:p>
+        </p:txBody>
+      </p:sp>
+      <p:sp>
+        <p:nvSpPr>
+          <p:cNvPr id="5" name="Slide Number Placeholder 4">
+            <a:extLst>
+              <a:ext uri="{FF2B5EF4-FFF2-40B4-BE49-F238E27FC236}">
+                <a16:creationId xmlns:a16="http://schemas.microsoft.com/office/drawing/2014/main" id="{202FE0ED-F492-43D4-A46E-81DF24768651}"/>
+              </a:ext>
+            </a:extLst>
+          </p:cNvPr>
+          <p:cNvSpPr>
+            <a:spLocks noGrp="1"/>
+          </p:cNvSpPr>
+          <p:nvPr>
+            <p:ph type="sldNum" sz="quarter" idx="12"/>
+          </p:nvPr>
+        </p:nvSpPr>
+        <p:spPr/>
+        <p:txBody>
+          <a:bodyPr/>
+          <a:lstStyle/>
+          <a:p>
+            <a:fld id="{BCD31FF8-ED74-4814-BEC8-373D79CF1B66}" type="slidenum">
+              <a:rPr lang="en-US" smtClean="0"/>
+              <a:t>7</a:t>
+            </a:fld>
+            <a:endParaRPr lang="en-US"/>
+          </a:p>
+        </p:txBody>
+      </p:sp>
+      <p:sp>
+        <p:nvSpPr>
+          <p:cNvPr id="7" name="TextBox 6">
+            <a:extLst>
+              <a:ext uri="{FF2B5EF4-FFF2-40B4-BE49-F238E27FC236}">
+                <a16:creationId xmlns:a16="http://schemas.microsoft.com/office/drawing/2014/main" id="{5E17AC56-CF80-4268-8605-D3645990FEEE}"/>
+              </a:ext>
+            </a:extLst>
+          </p:cNvPr>
+          <p:cNvSpPr txBox="1"/>
+          <p:nvPr/>
+        </p:nvSpPr>
+        <p:spPr>
+          <a:xfrm>
+            <a:off x="3581400" y="5232537"/>
+            <a:ext cx="5367131" cy="369332"/>
+          </a:xfrm>
+          <a:prstGeom prst="rect">
+            <a:avLst/>
+          </a:prstGeom>
+          <a:noFill/>
+        </p:spPr>
+        <p:txBody>
+          <a:bodyPr wrap="square" rtlCol="0">
+            <a:spAutoFit/>
+          </a:bodyPr>
+          <a:lstStyle/>
+          <a:p>
+            <a:r>
+              <a:rPr lang="en-US" dirty="0"/>
+              <a:t>Total features with demographics encoding = 788</a:t>
+            </a:r>
+          </a:p>
+        </p:txBody>
+      </p:sp>
+    </p:spTree>
+    <p:extLst>
+      <p:ext uri="{BB962C8B-B14F-4D97-AF65-F5344CB8AC3E}">
+        <p14:creationId xmlns:p14="http://schemas.microsoft.com/office/powerpoint/2010/main" val="1335208479"/>
+      </p:ext>
+    </p:extLst>
+  </p:cSld>
+  <p:clrMapOvr>
+    <a:masterClrMapping/>
+  </p:clrMapOvr>
+</p:sld>
+</file>
+
+<file path=ppt/slides/slide8.xml><?xml version="1.0" encoding="utf-8"?>
+<p:sld xmlns:a="http://schemas.openxmlformats.org/drawingml/2006/main" xmlns:r="http://schemas.openxmlformats.org/officeDocument/2006/relationships" xmlns:p="http://schemas.openxmlformats.org/presentationml/2006/main">
+  <p:cSld>
+    <p:spTree>
+      <p:nvGrpSpPr>
+        <p:cNvPr id="1" name=""/>
+        <p:cNvGrpSpPr/>
+        <p:nvPr/>
+      </p:nvGrpSpPr>
+      <p:grpSpPr>
+        <a:xfrm>
+          <a:off x="0" y="0"/>
+          <a:ext cx="0" cy="0"/>
+          <a:chOff x="0" y="0"/>
+          <a:chExt cx="0" cy="0"/>
+        </a:xfrm>
+      </p:grpSpPr>
+      <p:sp>
+        <p:nvSpPr>
+          <p:cNvPr id="2" name="Title 1">
+            <a:extLst>
+              <a:ext uri="{FF2B5EF4-FFF2-40B4-BE49-F238E27FC236}">
+                <a16:creationId xmlns:a16="http://schemas.microsoft.com/office/drawing/2014/main" id="{C9D6CA23-A1C3-4CEA-88ED-5EE8586490FB}"/>
+              </a:ext>
+            </a:extLst>
+          </p:cNvPr>
+          <p:cNvSpPr>
+            <a:spLocks noGrp="1"/>
+          </p:cNvSpPr>
+          <p:nvPr>
+            <p:ph type="title"/>
+          </p:nvPr>
+        </p:nvSpPr>
+        <p:spPr/>
+        <p:txBody>
+          <a:bodyPr/>
+          <a:lstStyle/>
+          <a:p>
+            <a:pPr algn="ctr"/>
+            <a:r>
+              <a:rPr lang="en-US" dirty="0"/>
+              <a:t>Preprocessing Pipeline</a:t>
             </a:r>
           </a:p>
         </p:txBody>
@@ -7599,7 +15944,7 @@
         </p:blipFill>
         <p:spPr>
           <a:xfrm>
-            <a:off x="838200" y="1903868"/>
+            <a:off x="838200" y="1919288"/>
             <a:ext cx="10515600" cy="4194851"/>
           </a:xfrm>
           <a:prstGeom prst="rect">
@@ -7658,7 +16003,7 @@
           <a:p>
             <a:fld id="{BCD31FF8-ED74-4814-BEC8-373D79CF1B66}" type="slidenum">
               <a:rPr lang="en-US" smtClean="0"/>
-              <a:t>6</a:t>
+              <a:t>8</a:t>
             </a:fld>
             <a:endParaRPr lang="en-US"/>
           </a:p>
@@ -7707,7 +16052,7 @@
 </p:sld>
 </file>
 
-<file path=ppt/slides/slide7.xml><?xml version="1.0" encoding="utf-8"?>
+<file path=ppt/slides/slide9.xml><?xml version="1.0" encoding="utf-8"?>
 <p:sld xmlns:a="http://schemas.openxmlformats.org/drawingml/2006/main" xmlns:r="http://schemas.openxmlformats.org/officeDocument/2006/relationships" xmlns:p="http://schemas.openxmlformats.org/presentationml/2006/main">
   <p:cSld>
     <p:spTree>
@@ -7745,9 +16090,10 @@
           <a:bodyPr/>
           <a:lstStyle/>
           <a:p>
+            <a:pPr algn="ctr"/>
             <a:r>
               <a:rPr lang="en-US" dirty="0"/>
-              <a:t>T2DM Model Evaluation</a:t>
+              <a:t>Classifiers Results</a:t>
             </a:r>
           </a:p>
         </p:txBody>
@@ -9413,7 +17759,7 @@
           <a:p>
             <a:fld id="{BCD31FF8-ED74-4814-BEC8-373D79CF1B66}" type="slidenum">
               <a:rPr lang="en-US" smtClean="0"/>
-              <a:t>7</a:t>
+              <a:t>9</a:t>
             </a:fld>
             <a:endParaRPr lang="en-US"/>
           </a:p>
@@ -9453,409 +17799,6 @@
     <p:extLst>
       <p:ext uri="{BB962C8B-B14F-4D97-AF65-F5344CB8AC3E}">
         <p14:creationId xmlns:p14="http://schemas.microsoft.com/office/powerpoint/2010/main" val="1920439803"/>
-      </p:ext>
-    </p:extLst>
-  </p:cSld>
-  <p:clrMapOvr>
-    <a:masterClrMapping/>
-  </p:clrMapOvr>
-</p:sld>
-</file>
-
-<file path=ppt/slides/slide8.xml><?xml version="1.0" encoding="utf-8"?>
-<p:sld xmlns:a="http://schemas.openxmlformats.org/drawingml/2006/main" xmlns:r="http://schemas.openxmlformats.org/officeDocument/2006/relationships" xmlns:p="http://schemas.openxmlformats.org/presentationml/2006/main">
-  <p:cSld>
-    <p:spTree>
-      <p:nvGrpSpPr>
-        <p:cNvPr id="1" name=""/>
-        <p:cNvGrpSpPr/>
-        <p:nvPr/>
-      </p:nvGrpSpPr>
-      <p:grpSpPr>
-        <a:xfrm>
-          <a:off x="0" y="0"/>
-          <a:ext cx="0" cy="0"/>
-          <a:chOff x="0" y="0"/>
-          <a:chExt cx="0" cy="0"/>
-        </a:xfrm>
-      </p:grpSpPr>
-      <p:sp>
-        <p:nvSpPr>
-          <p:cNvPr id="2" name="Title 1">
-            <a:extLst>
-              <a:ext uri="{FF2B5EF4-FFF2-40B4-BE49-F238E27FC236}">
-                <a16:creationId xmlns:a16="http://schemas.microsoft.com/office/drawing/2014/main" id="{C91B27D7-9411-47F6-8723-05C81109A0F4}"/>
-              </a:ext>
-            </a:extLst>
-          </p:cNvPr>
-          <p:cNvSpPr>
-            <a:spLocks noGrp="1"/>
-          </p:cNvSpPr>
-          <p:nvPr>
-            <p:ph type="title"/>
-          </p:nvPr>
-        </p:nvSpPr>
-        <p:spPr/>
-        <p:txBody>
-          <a:bodyPr/>
-          <a:lstStyle/>
-          <a:p>
-            <a:r>
-              <a:rPr lang="en-US" dirty="0"/>
-              <a:t>Future Directions (June 2023)</a:t>
-            </a:r>
-          </a:p>
-        </p:txBody>
-      </p:sp>
-      <p:sp>
-        <p:nvSpPr>
-          <p:cNvPr id="3" name="Content Placeholder 2">
-            <a:extLst>
-              <a:ext uri="{FF2B5EF4-FFF2-40B4-BE49-F238E27FC236}">
-                <a16:creationId xmlns:a16="http://schemas.microsoft.com/office/drawing/2014/main" id="{338ADB18-BDEC-4CC8-9B1F-9AFBB84BD174}"/>
-              </a:ext>
-            </a:extLst>
-          </p:cNvPr>
-          <p:cNvSpPr>
-            <a:spLocks noGrp="1"/>
-          </p:cNvSpPr>
-          <p:nvPr>
-            <p:ph idx="1"/>
-          </p:nvPr>
-        </p:nvSpPr>
-        <p:spPr>
-          <a:xfrm>
-            <a:off x="838200" y="1825625"/>
-            <a:ext cx="10515600" cy="2391268"/>
-          </a:xfrm>
-        </p:spPr>
-        <p:txBody>
-          <a:bodyPr>
-            <a:normAutofit fontScale="85000" lnSpcReduction="20000"/>
-          </a:bodyPr>
-          <a:lstStyle/>
-          <a:p>
-            <a:pPr>
-              <a:lnSpc>
-                <a:spcPct val="150000"/>
-              </a:lnSpc>
-            </a:pPr>
-            <a:r>
-              <a:rPr lang="en-US" dirty="0"/>
-              <a:t>Add Class Imbalance</a:t>
-            </a:r>
-          </a:p>
-          <a:p>
-            <a:pPr>
-              <a:lnSpc>
-                <a:spcPct val="150000"/>
-              </a:lnSpc>
-            </a:pPr>
-            <a:r>
-              <a:rPr lang="en-US" dirty="0"/>
-              <a:t>Feature Selection</a:t>
-            </a:r>
-          </a:p>
-          <a:p>
-            <a:pPr>
-              <a:lnSpc>
-                <a:spcPct val="150000"/>
-              </a:lnSpc>
-            </a:pPr>
-            <a:r>
-              <a:rPr lang="en-US" dirty="0"/>
-              <a:t>Random Survival Forest</a:t>
-            </a:r>
-          </a:p>
-          <a:p>
-            <a:pPr>
-              <a:lnSpc>
-                <a:spcPct val="150000"/>
-              </a:lnSpc>
-            </a:pPr>
-            <a:r>
-              <a:rPr lang="en-US" dirty="0"/>
-              <a:t>Rules Generation for ensemble methods</a:t>
-            </a:r>
-          </a:p>
-          <a:p>
-            <a:pPr marL="0" indent="0">
-              <a:buNone/>
-            </a:pPr>
-            <a:endParaRPr lang="en-US" dirty="0"/>
-          </a:p>
-          <a:p>
-            <a:pPr marL="0" indent="0">
-              <a:buNone/>
-            </a:pPr>
-            <a:endParaRPr lang="en-US" dirty="0"/>
-          </a:p>
-        </p:txBody>
-      </p:sp>
-      <p:sp>
-        <p:nvSpPr>
-          <p:cNvPr id="4" name="Date Placeholder 3">
-            <a:extLst>
-              <a:ext uri="{FF2B5EF4-FFF2-40B4-BE49-F238E27FC236}">
-                <a16:creationId xmlns:a16="http://schemas.microsoft.com/office/drawing/2014/main" id="{A50D011E-DD9D-48AE-B721-F8555A34DB21}"/>
-              </a:ext>
-            </a:extLst>
-          </p:cNvPr>
-          <p:cNvSpPr>
-            <a:spLocks noGrp="1"/>
-          </p:cNvSpPr>
-          <p:nvPr>
-            <p:ph type="dt" sz="half" idx="10"/>
-          </p:nvPr>
-        </p:nvSpPr>
-        <p:spPr/>
-        <p:txBody>
-          <a:bodyPr/>
-          <a:lstStyle/>
-          <a:p>
-            <a:r>
-              <a:rPr lang="en-US"/>
-              <a:t>6/7/2023</a:t>
-            </a:r>
-          </a:p>
-        </p:txBody>
-      </p:sp>
-      <p:sp>
-        <p:nvSpPr>
-          <p:cNvPr id="5" name="Slide Number Placeholder 4">
-            <a:extLst>
-              <a:ext uri="{FF2B5EF4-FFF2-40B4-BE49-F238E27FC236}">
-                <a16:creationId xmlns:a16="http://schemas.microsoft.com/office/drawing/2014/main" id="{DE0BC2AA-6E0D-42C4-AE23-AC514AF57074}"/>
-              </a:ext>
-            </a:extLst>
-          </p:cNvPr>
-          <p:cNvSpPr>
-            <a:spLocks noGrp="1"/>
-          </p:cNvSpPr>
-          <p:nvPr>
-            <p:ph type="sldNum" sz="quarter" idx="12"/>
-          </p:nvPr>
-        </p:nvSpPr>
-        <p:spPr/>
-        <p:txBody>
-          <a:bodyPr/>
-          <a:lstStyle/>
-          <a:p>
-            <a:fld id="{BCD31FF8-ED74-4814-BEC8-373D79CF1B66}" type="slidenum">
-              <a:rPr lang="en-US" smtClean="0"/>
-              <a:t>8</a:t>
-            </a:fld>
-            <a:endParaRPr lang="en-US"/>
-          </a:p>
-        </p:txBody>
-      </p:sp>
-      <p:pic>
-        <p:nvPicPr>
-          <p:cNvPr id="6" name="Picture 5">
-            <a:extLst>
-              <a:ext uri="{FF2B5EF4-FFF2-40B4-BE49-F238E27FC236}">
-                <a16:creationId xmlns:a16="http://schemas.microsoft.com/office/drawing/2014/main" id="{4542FE51-72DD-4F87-B212-CFFA956CA897}"/>
-              </a:ext>
-            </a:extLst>
-          </p:cNvPr>
-          <p:cNvPicPr>
-            <a:picLocks noChangeAspect="1"/>
-          </p:cNvPicPr>
-          <p:nvPr/>
-        </p:nvPicPr>
-        <p:blipFill>
-          <a:blip r:embed="rId2"/>
-          <a:stretch>
-            <a:fillRect/>
-          </a:stretch>
-        </p:blipFill>
-        <p:spPr>
-          <a:xfrm>
-            <a:off x="10702980" y="136525"/>
-            <a:ext cx="1301640" cy="477268"/>
-          </a:xfrm>
-          <a:prstGeom prst="rect">
-            <a:avLst/>
-          </a:prstGeom>
-        </p:spPr>
-      </p:pic>
-    </p:spTree>
-    <p:extLst>
-      <p:ext uri="{BB962C8B-B14F-4D97-AF65-F5344CB8AC3E}">
-        <p14:creationId xmlns:p14="http://schemas.microsoft.com/office/powerpoint/2010/main" val="4271320306"/>
-      </p:ext>
-    </p:extLst>
-  </p:cSld>
-  <p:clrMapOvr>
-    <a:masterClrMapping/>
-  </p:clrMapOvr>
-</p:sld>
-</file>
-
-<file path=ppt/slides/slide9.xml><?xml version="1.0" encoding="utf-8"?>
-<p:sld xmlns:a="http://schemas.openxmlformats.org/drawingml/2006/main" xmlns:r="http://schemas.openxmlformats.org/officeDocument/2006/relationships" xmlns:p="http://schemas.openxmlformats.org/presentationml/2006/main">
-  <p:cSld>
-    <p:spTree>
-      <p:nvGrpSpPr>
-        <p:cNvPr id="1" name=""/>
-        <p:cNvGrpSpPr/>
-        <p:nvPr/>
-      </p:nvGrpSpPr>
-      <p:grpSpPr>
-        <a:xfrm>
-          <a:off x="0" y="0"/>
-          <a:ext cx="0" cy="0"/>
-          <a:chOff x="0" y="0"/>
-          <a:chExt cx="0" cy="0"/>
-        </a:xfrm>
-      </p:grpSpPr>
-      <p:sp>
-        <p:nvSpPr>
-          <p:cNvPr id="2" name="Title 1">
-            <a:extLst>
-              <a:ext uri="{FF2B5EF4-FFF2-40B4-BE49-F238E27FC236}">
-                <a16:creationId xmlns:a16="http://schemas.microsoft.com/office/drawing/2014/main" id="{C91B27D7-9411-47F6-8723-05C81109A0F4}"/>
-              </a:ext>
-            </a:extLst>
-          </p:cNvPr>
-          <p:cNvSpPr>
-            <a:spLocks noGrp="1"/>
-          </p:cNvSpPr>
-          <p:nvPr>
-            <p:ph type="title"/>
-          </p:nvPr>
-        </p:nvSpPr>
-        <p:spPr/>
-        <p:txBody>
-          <a:bodyPr/>
-          <a:lstStyle/>
-          <a:p>
-            <a:r>
-              <a:rPr lang="en-US" dirty="0"/>
-              <a:t>Pancreatic Cancer</a:t>
-            </a:r>
-          </a:p>
-        </p:txBody>
-      </p:sp>
-      <p:sp>
-        <p:nvSpPr>
-          <p:cNvPr id="3" name="Content Placeholder 2">
-            <a:extLst>
-              <a:ext uri="{FF2B5EF4-FFF2-40B4-BE49-F238E27FC236}">
-                <a16:creationId xmlns:a16="http://schemas.microsoft.com/office/drawing/2014/main" id="{338ADB18-BDEC-4CC8-9B1F-9AFBB84BD174}"/>
-              </a:ext>
-            </a:extLst>
-          </p:cNvPr>
-          <p:cNvSpPr>
-            <a:spLocks noGrp="1"/>
-          </p:cNvSpPr>
-          <p:nvPr>
-            <p:ph idx="1"/>
-          </p:nvPr>
-        </p:nvSpPr>
-        <p:spPr/>
-        <p:txBody>
-          <a:bodyPr/>
-          <a:lstStyle/>
-          <a:p>
-            <a:pPr marL="0" indent="0">
-              <a:buNone/>
-            </a:pPr>
-            <a:endParaRPr lang="en-US" dirty="0"/>
-          </a:p>
-        </p:txBody>
-      </p:sp>
-      <p:sp>
-        <p:nvSpPr>
-          <p:cNvPr id="4" name="Date Placeholder 3">
-            <a:extLst>
-              <a:ext uri="{FF2B5EF4-FFF2-40B4-BE49-F238E27FC236}">
-                <a16:creationId xmlns:a16="http://schemas.microsoft.com/office/drawing/2014/main" id="{83959505-BCDC-4DF1-AD1D-B9E3716981CC}"/>
-              </a:ext>
-            </a:extLst>
-          </p:cNvPr>
-          <p:cNvSpPr>
-            <a:spLocks noGrp="1"/>
-          </p:cNvSpPr>
-          <p:nvPr>
-            <p:ph type="dt" sz="half" idx="10"/>
-          </p:nvPr>
-        </p:nvSpPr>
-        <p:spPr/>
-        <p:txBody>
-          <a:bodyPr/>
-          <a:lstStyle/>
-          <a:p>
-            <a:r>
-              <a:rPr lang="en-US"/>
-              <a:t>6/7/2023</a:t>
-            </a:r>
-          </a:p>
-        </p:txBody>
-      </p:sp>
-      <p:sp>
-        <p:nvSpPr>
-          <p:cNvPr id="5" name="Slide Number Placeholder 4">
-            <a:extLst>
-              <a:ext uri="{FF2B5EF4-FFF2-40B4-BE49-F238E27FC236}">
-                <a16:creationId xmlns:a16="http://schemas.microsoft.com/office/drawing/2014/main" id="{935E9B5C-4741-4EE9-8606-7A29DC09ACDF}"/>
-              </a:ext>
-            </a:extLst>
-          </p:cNvPr>
-          <p:cNvSpPr>
-            <a:spLocks noGrp="1"/>
-          </p:cNvSpPr>
-          <p:nvPr>
-            <p:ph type="sldNum" sz="quarter" idx="12"/>
-          </p:nvPr>
-        </p:nvSpPr>
-        <p:spPr/>
-        <p:txBody>
-          <a:bodyPr/>
-          <a:lstStyle/>
-          <a:p>
-            <a:fld id="{BCD31FF8-ED74-4814-BEC8-373D79CF1B66}" type="slidenum">
-              <a:rPr lang="en-US" smtClean="0"/>
-              <a:t>9</a:t>
-            </a:fld>
-            <a:endParaRPr lang="en-US"/>
-          </a:p>
-        </p:txBody>
-      </p:sp>
-      <p:pic>
-        <p:nvPicPr>
-          <p:cNvPr id="6" name="Picture 5">
-            <a:extLst>
-              <a:ext uri="{FF2B5EF4-FFF2-40B4-BE49-F238E27FC236}">
-                <a16:creationId xmlns:a16="http://schemas.microsoft.com/office/drawing/2014/main" id="{A2CFD827-6899-4E71-B993-1625FE25E375}"/>
-              </a:ext>
-            </a:extLst>
-          </p:cNvPr>
-          <p:cNvPicPr>
-            <a:picLocks noChangeAspect="1"/>
-          </p:cNvPicPr>
-          <p:nvPr/>
-        </p:nvPicPr>
-        <p:blipFill>
-          <a:blip r:embed="rId2"/>
-          <a:stretch>
-            <a:fillRect/>
-          </a:stretch>
-        </p:blipFill>
-        <p:spPr>
-          <a:xfrm>
-            <a:off x="10702980" y="136525"/>
-            <a:ext cx="1301640" cy="477268"/>
-          </a:xfrm>
-          <a:prstGeom prst="rect">
-            <a:avLst/>
-          </a:prstGeom>
-        </p:spPr>
-      </p:pic>
-    </p:spTree>
-    <p:extLst>
-      <p:ext uri="{BB962C8B-B14F-4D97-AF65-F5344CB8AC3E}">
-        <p14:creationId xmlns:p14="http://schemas.microsoft.com/office/powerpoint/2010/main" val="1436528177"/>
       </p:ext>
     </p:extLst>
   </p:cSld>
